--- a/qs-lite/docs/images/nubeva-tls-decrypt-architecture.pptx
+++ b/qs-lite/docs/images/nubeva-tls-decrypt-architecture.pptx
@@ -243,7 +243,7 @@
           <a:p>
             <a:fld id="{85F7CCAA-66DC-4E9C-8294-180E366D15D0}" type="datetimeFigureOut">
               <a:rPr lang="en-US" smtClean="0"/>
-              <a:t>6/15/21</a:t>
+              <a:t>7/12/21</a:t>
             </a:fld>
             <a:endParaRPr lang="en-US"/>
           </a:p>
@@ -413,7 +413,7 @@
           <a:p>
             <a:fld id="{85F7CCAA-66DC-4E9C-8294-180E366D15D0}" type="datetimeFigureOut">
               <a:rPr lang="en-US" smtClean="0"/>
-              <a:t>6/15/21</a:t>
+              <a:t>7/12/21</a:t>
             </a:fld>
             <a:endParaRPr lang="en-US"/>
           </a:p>
@@ -593,7 +593,7 @@
           <a:p>
             <a:fld id="{85F7CCAA-66DC-4E9C-8294-180E366D15D0}" type="datetimeFigureOut">
               <a:rPr lang="en-US" smtClean="0"/>
-              <a:t>6/15/21</a:t>
+              <a:t>7/12/21</a:t>
             </a:fld>
             <a:endParaRPr lang="en-US"/>
           </a:p>
@@ -763,7 +763,7 @@
           <a:p>
             <a:fld id="{85F7CCAA-66DC-4E9C-8294-180E366D15D0}" type="datetimeFigureOut">
               <a:rPr lang="en-US" smtClean="0"/>
-              <a:t>6/15/21</a:t>
+              <a:t>7/12/21</a:t>
             </a:fld>
             <a:endParaRPr lang="en-US"/>
           </a:p>
@@ -1009,7 +1009,7 @@
           <a:p>
             <a:fld id="{85F7CCAA-66DC-4E9C-8294-180E366D15D0}" type="datetimeFigureOut">
               <a:rPr lang="en-US" smtClean="0"/>
-              <a:t>6/15/21</a:t>
+              <a:t>7/12/21</a:t>
             </a:fld>
             <a:endParaRPr lang="en-US"/>
           </a:p>
@@ -1241,7 +1241,7 @@
           <a:p>
             <a:fld id="{85F7CCAA-66DC-4E9C-8294-180E366D15D0}" type="datetimeFigureOut">
               <a:rPr lang="en-US" smtClean="0"/>
-              <a:t>6/15/21</a:t>
+              <a:t>7/12/21</a:t>
             </a:fld>
             <a:endParaRPr lang="en-US"/>
           </a:p>
@@ -1608,7 +1608,7 @@
           <a:p>
             <a:fld id="{85F7CCAA-66DC-4E9C-8294-180E366D15D0}" type="datetimeFigureOut">
               <a:rPr lang="en-US" smtClean="0"/>
-              <a:t>6/15/21</a:t>
+              <a:t>7/12/21</a:t>
             </a:fld>
             <a:endParaRPr lang="en-US"/>
           </a:p>
@@ -1726,7 +1726,7 @@
           <a:p>
             <a:fld id="{85F7CCAA-66DC-4E9C-8294-180E366D15D0}" type="datetimeFigureOut">
               <a:rPr lang="en-US" smtClean="0"/>
-              <a:t>6/15/21</a:t>
+              <a:t>7/12/21</a:t>
             </a:fld>
             <a:endParaRPr lang="en-US"/>
           </a:p>
@@ -1821,7 +1821,7 @@
           <a:p>
             <a:fld id="{85F7CCAA-66DC-4E9C-8294-180E366D15D0}" type="datetimeFigureOut">
               <a:rPr lang="en-US" smtClean="0"/>
-              <a:t>6/15/21</a:t>
+              <a:t>7/12/21</a:t>
             </a:fld>
             <a:endParaRPr lang="en-US"/>
           </a:p>
@@ -2098,7 +2098,7 @@
           <a:p>
             <a:fld id="{85F7CCAA-66DC-4E9C-8294-180E366D15D0}" type="datetimeFigureOut">
               <a:rPr lang="en-US" smtClean="0"/>
-              <a:t>6/15/21</a:t>
+              <a:t>7/12/21</a:t>
             </a:fld>
             <a:endParaRPr lang="en-US"/>
           </a:p>
@@ -2355,7 +2355,7 @@
           <a:p>
             <a:fld id="{85F7CCAA-66DC-4E9C-8294-180E366D15D0}" type="datetimeFigureOut">
               <a:rPr lang="en-US" smtClean="0"/>
-              <a:t>6/15/21</a:t>
+              <a:t>7/12/21</a:t>
             </a:fld>
             <a:endParaRPr lang="en-US"/>
           </a:p>
@@ -2568,7 +2568,7 @@
           <a:p>
             <a:fld id="{85F7CCAA-66DC-4E9C-8294-180E366D15D0}" type="datetimeFigureOut">
               <a:rPr lang="en-US" smtClean="0"/>
-              <a:t>6/15/21</a:t>
+              <a:t>7/12/21</a:t>
             </a:fld>
             <a:endParaRPr lang="en-US"/>
           </a:p>
@@ -2987,8 +2987,8 @@
         </p:nvSpPr>
         <p:spPr>
           <a:xfrm>
-            <a:off x="1332637" y="410219"/>
-            <a:ext cx="10571504" cy="7260582"/>
+            <a:off x="1332637" y="874643"/>
+            <a:ext cx="8026048" cy="6796158"/>
           </a:xfrm>
           <a:prstGeom prst="rect">
             <a:avLst/>
@@ -3055,7 +3055,7 @@
         </p:blipFill>
         <p:spPr>
           <a:xfrm>
-            <a:off x="1332636" y="410218"/>
+            <a:off x="1332636" y="879342"/>
             <a:ext cx="330200" cy="330200"/>
           </a:xfrm>
           <a:prstGeom prst="rect">
@@ -3077,8 +3077,8 @@
         </p:nvSpPr>
         <p:spPr>
           <a:xfrm>
-            <a:off x="1430944" y="824130"/>
-            <a:ext cx="8734421" cy="6730914"/>
+            <a:off x="1430945" y="2415472"/>
+            <a:ext cx="6067136" cy="5139572"/>
           </a:xfrm>
           <a:prstGeom prst="rect">
             <a:avLst/>
@@ -3146,7 +3146,7 @@
         </p:blipFill>
         <p:spPr>
           <a:xfrm>
-            <a:off x="1430944" y="820366"/>
+            <a:off x="1430944" y="2412318"/>
             <a:ext cx="330200" cy="330200"/>
           </a:xfrm>
           <a:prstGeom prst="rect">
@@ -3168,8 +3168,8 @@
         </p:nvSpPr>
         <p:spPr>
           <a:xfrm>
-            <a:off x="1761144" y="1763858"/>
-            <a:ext cx="2983942" cy="5620921"/>
+            <a:off x="1761144" y="2846567"/>
+            <a:ext cx="5387079" cy="4538212"/>
           </a:xfrm>
           <a:prstGeom prst="rect">
             <a:avLst/>
@@ -3210,10 +3210,10 @@
       </p:sp>
       <p:sp>
         <p:nvSpPr>
-          <p:cNvPr id="13" name="Rectangle 12">
+          <p:cNvPr id="17" name="Rectangle 16">
             <a:extLst>
               <a:ext uri="{FF2B5EF4-FFF2-40B4-BE49-F238E27FC236}">
-                <a16:creationId xmlns:a16="http://schemas.microsoft.com/office/drawing/2014/main" id="{E25F190B-F12E-614B-827A-566AC09E9D97}"/>
+                <a16:creationId xmlns:a16="http://schemas.microsoft.com/office/drawing/2014/main" id="{A85485B4-AA18-C048-B92A-A9A0F4372B98}"/>
               </a:ext>
             </a:extLst>
           </p:cNvPr>
@@ -3222,14 +3222,14 @@
         </p:nvSpPr>
         <p:spPr>
           <a:xfrm>
-            <a:off x="1920972" y="2127614"/>
-            <a:ext cx="2688762" cy="1305639"/>
+            <a:off x="1920971" y="3147236"/>
+            <a:ext cx="4925102" cy="4061665"/>
           </a:xfrm>
           <a:prstGeom prst="rect">
             <a:avLst/>
           </a:prstGeom>
           <a:solidFill>
-            <a:srgbClr val="1D8900">
+            <a:srgbClr val="007CBC">
               <a:alpha val="9804"/>
             </a:srgbClr>
           </a:solidFill>
@@ -3249,27 +3249,22 @@
           </a:bodyPr>
           <a:lstStyle/>
           <a:p>
-            <a:pPr defTabSz="914363">
-              <a:defRPr/>
-            </a:pPr>
-            <a:r>
-              <a:rPr lang="en-US" sz="1200" kern="0" dirty="0">
-                <a:solidFill>
-                  <a:srgbClr val="1D8900"/>
-                </a:solidFill>
-                <a:latin typeface="Arial" panose="020B0604020202020204"/>
-              </a:rPr>
-              <a:t>Public subnet</a:t>
-            </a:r>
+            <a:pPr algn="ctr"/>
+            <a:endParaRPr lang="en-US" sz="1200" dirty="0">
+              <a:solidFill>
+                <a:srgbClr val="232F3D"/>
+              </a:solidFill>
+              <a:latin typeface="Arial" panose="020B0604020202020204"/>
+            </a:endParaRPr>
           </a:p>
         </p:txBody>
       </p:sp>
       <p:pic>
         <p:nvPicPr>
-          <p:cNvPr id="14" name="Graphic 10">
+          <p:cNvPr id="18" name="Graphic 13">
             <a:extLst>
               <a:ext uri="{FF2B5EF4-FFF2-40B4-BE49-F238E27FC236}">
-                <a16:creationId xmlns:a16="http://schemas.microsoft.com/office/drawing/2014/main" id="{89B99B74-19F0-0B4B-85E3-A09DF2519E46}"/>
+                <a16:creationId xmlns:a16="http://schemas.microsoft.com/office/drawing/2014/main" id="{3BD31095-C7B2-C24A-9990-6F9E14956A7B}"/>
               </a:ext>
             </a:extLst>
           </p:cNvPr>
@@ -3292,7 +3287,7 @@
         </p:blipFill>
         <p:spPr>
           <a:xfrm>
-            <a:off x="1920972" y="2125256"/>
+            <a:off x="1920971" y="3161172"/>
             <a:ext cx="274320" cy="274320"/>
           </a:xfrm>
           <a:prstGeom prst="rect">
@@ -3300,1690 +3295,551 @@
           </a:prstGeom>
         </p:spPr>
       </p:pic>
-      <p:sp>
-        <p:nvSpPr>
-          <p:cNvPr id="17" name="Rectangle 16">
+      <p:grpSp>
+        <p:nvGrpSpPr>
+          <p:cNvPr id="30" name="Group 29">
             <a:extLst>
               <a:ext uri="{FF2B5EF4-FFF2-40B4-BE49-F238E27FC236}">
-                <a16:creationId xmlns:a16="http://schemas.microsoft.com/office/drawing/2014/main" id="{A85485B4-AA18-C048-B92A-A9A0F4372B98}"/>
+                <a16:creationId xmlns:a16="http://schemas.microsoft.com/office/drawing/2014/main" id="{544B7CB8-B678-4842-B706-0726177B3283}"/>
               </a:ext>
             </a:extLst>
           </p:cNvPr>
-          <p:cNvSpPr/>
-          <p:nvPr/>
-        </p:nvSpPr>
-        <p:spPr>
-          <a:xfrm>
-            <a:off x="1920971" y="3487785"/>
-            <a:ext cx="2688762" cy="3744970"/>
-          </a:xfrm>
-          <a:prstGeom prst="rect">
-            <a:avLst/>
-          </a:prstGeom>
-          <a:solidFill>
-            <a:srgbClr val="007CBC">
-              <a:alpha val="9804"/>
-            </a:srgbClr>
-          </a:solidFill>
-          <a:ln w="12700" cap="flat" cmpd="sng" algn="ctr">
-            <a:noFill/>
-            <a:prstDash val="dash"/>
-            <a:miter lim="800000"/>
-          </a:ln>
-          <a:effectLst/>
-        </p:spPr>
-        <p:txBody>
-          <a:bodyPr rot="0" spcFirstLastPara="0" vertOverflow="overflow" horzOverflow="overflow" vert="horz" wrap="square" lIns="338328" tIns="45720" rIns="91440" bIns="45720" numCol="1" spcCol="0" rtlCol="0" fromWordArt="0" anchor="t" anchorCtr="0" forceAA="0" compatLnSpc="1">
-            <a:prstTxWarp prst="textNoShape">
-              <a:avLst/>
-            </a:prstTxWarp>
-            <a:noAutofit/>
-          </a:bodyPr>
-          <a:lstStyle/>
-          <a:p>
-            <a:pPr defTabSz="914363">
-              <a:defRPr/>
-            </a:pPr>
-            <a:r>
-              <a:rPr lang="en-US" sz="1200" kern="0" dirty="0">
-                <a:solidFill>
-                  <a:srgbClr val="007CBC"/>
-                </a:solidFill>
-                <a:latin typeface="Arial" panose="020B0604020202020204"/>
-              </a:rPr>
-              <a:t>Private subnet</a:t>
-            </a:r>
-          </a:p>
-        </p:txBody>
-      </p:sp>
-      <p:pic>
-        <p:nvPicPr>
-          <p:cNvPr id="18" name="Graphic 13">
-            <a:extLst>
-              <a:ext uri="{FF2B5EF4-FFF2-40B4-BE49-F238E27FC236}">
-                <a16:creationId xmlns:a16="http://schemas.microsoft.com/office/drawing/2014/main" id="{3BD31095-C7B2-C24A-9990-6F9E14956A7B}"/>
-              </a:ext>
-            </a:extLst>
-          </p:cNvPr>
-          <p:cNvPicPr>
-            <a:picLocks noChangeAspect="1"/>
-          </p:cNvPicPr>
-          <p:nvPr/>
-        </p:nvPicPr>
-        <p:blipFill>
-          <a:blip r:embed="rId8">
-            <a:extLst>
-              <a:ext uri="{96DAC541-7B7A-43D3-8B79-37D633B846F1}">
-                <asvg:svgBlip xmlns:asvg="http://schemas.microsoft.com/office/drawing/2016/SVG/main" r:embed="rId9"/>
-              </a:ext>
-            </a:extLst>
-          </a:blip>
-          <a:stretch>
-            <a:fillRect/>
-          </a:stretch>
-        </p:blipFill>
-        <p:spPr>
-          <a:xfrm>
-            <a:off x="1920971" y="3485426"/>
-            <a:ext cx="274320" cy="274320"/>
-          </a:xfrm>
-          <a:prstGeom prst="rect">
-            <a:avLst/>
-          </a:prstGeom>
-        </p:spPr>
-      </p:pic>
-      <p:sp>
-        <p:nvSpPr>
-          <p:cNvPr id="21" name="Rectangle 20">
-            <a:extLst>
-              <a:ext uri="{FF2B5EF4-FFF2-40B4-BE49-F238E27FC236}">
-                <a16:creationId xmlns:a16="http://schemas.microsoft.com/office/drawing/2014/main" id="{25B2706C-95D8-A94F-9EC8-6497FA7FB136}"/>
-              </a:ext>
-            </a:extLst>
-          </p:cNvPr>
-          <p:cNvSpPr/>
-          <p:nvPr/>
-        </p:nvSpPr>
-        <p:spPr>
-          <a:xfrm>
-            <a:off x="2818852" y="3859339"/>
-            <a:ext cx="5848638" cy="640080"/>
-          </a:xfrm>
-          <a:prstGeom prst="rect">
-            <a:avLst/>
-          </a:prstGeom>
-          <a:noFill/>
-          <a:ln w="12700">
-            <a:solidFill>
-              <a:srgbClr val="D86613"/>
-            </a:solidFill>
-            <a:prstDash val="dash"/>
-          </a:ln>
-        </p:spPr>
-        <p:style>
-          <a:lnRef idx="2">
-            <a:schemeClr val="accent1">
-              <a:shade val="50000"/>
-            </a:schemeClr>
-          </a:lnRef>
-          <a:fillRef idx="1">
-            <a:schemeClr val="accent1"/>
-          </a:fillRef>
-          <a:effectRef idx="0">
-            <a:schemeClr val="accent1"/>
-          </a:effectRef>
-          <a:fontRef idx="minor">
-            <a:schemeClr val="lt1"/>
-          </a:fontRef>
-        </p:style>
-        <p:txBody>
-          <a:bodyPr rot="0" spcFirstLastPara="0" vertOverflow="overflow" horzOverflow="overflow" vert="horz" wrap="square" lIns="91440" tIns="91440" rIns="91440" bIns="45720" numCol="1" spcCol="0" rtlCol="0" fromWordArt="0" anchor="t" anchorCtr="0" forceAA="0" compatLnSpc="1">
-            <a:prstTxWarp prst="textNoShape">
-              <a:avLst/>
-            </a:prstTxWarp>
-            <a:noAutofit/>
-          </a:bodyPr>
-          <a:lstStyle/>
-          <a:p>
-            <a:pPr algn="ctr"/>
-            <a:endParaRPr lang="en-US" sz="1200" dirty="0">
-              <a:solidFill>
-                <a:srgbClr val="D86613"/>
-              </a:solidFill>
-            </a:endParaRPr>
-          </a:p>
-          <a:p>
-            <a:pPr algn="ctr"/>
-            <a:endParaRPr lang="en-US" sz="1200" dirty="0">
-              <a:solidFill>
-                <a:srgbClr val="D86613"/>
-              </a:solidFill>
-            </a:endParaRPr>
-          </a:p>
-          <a:p>
-            <a:pPr algn="ctr"/>
-            <a:r>
-              <a:rPr lang="en-US" sz="1200" dirty="0">
-                <a:solidFill>
-                  <a:srgbClr val="D86613"/>
-                </a:solidFill>
-              </a:rPr>
-              <a:t>Auto Scaling group</a:t>
-            </a:r>
-          </a:p>
-        </p:txBody>
-      </p:sp>
-      <p:pic>
-        <p:nvPicPr>
-          <p:cNvPr id="22" name="Graphic 3">
-            <a:extLst>
-              <a:ext uri="{FF2B5EF4-FFF2-40B4-BE49-F238E27FC236}">
-                <a16:creationId xmlns:a16="http://schemas.microsoft.com/office/drawing/2014/main" id="{D7A7873E-A1CC-804E-816C-DC0FF152D82D}"/>
-              </a:ext>
-            </a:extLst>
-          </p:cNvPr>
-          <p:cNvPicPr>
-            <a:picLocks noChangeAspect="1"/>
-          </p:cNvPicPr>
-          <p:nvPr/>
-        </p:nvPicPr>
-        <p:blipFill>
-          <a:blip r:embed="rId10">
-            <a:extLst>
-              <a:ext uri="{96DAC541-7B7A-43D3-8B79-37D633B846F1}">
-                <asvg:svgBlip xmlns:asvg="http://schemas.microsoft.com/office/drawing/2016/SVG/main" r:embed="rId11"/>
-              </a:ext>
-            </a:extLst>
-          </a:blip>
-          <a:stretch>
-            <a:fillRect/>
-          </a:stretch>
-        </p:blipFill>
-        <p:spPr>
-          <a:xfrm>
-            <a:off x="5579838" y="3858138"/>
-            <a:ext cx="330200" cy="330200"/>
-          </a:xfrm>
-          <a:prstGeom prst="rect">
-            <a:avLst/>
-          </a:prstGeom>
-        </p:spPr>
-      </p:pic>
-      <p:sp>
-        <p:nvSpPr>
-          <p:cNvPr id="23" name="Rectangle 22">
-            <a:extLst>
-              <a:ext uri="{FF2B5EF4-FFF2-40B4-BE49-F238E27FC236}">
-                <a16:creationId xmlns:a16="http://schemas.microsoft.com/office/drawing/2014/main" id="{305B98DC-5AF5-3342-A4B1-F62852BC80FE}"/>
-              </a:ext>
-            </a:extLst>
-          </p:cNvPr>
-          <p:cNvSpPr/>
-          <p:nvPr/>
-        </p:nvSpPr>
-        <p:spPr>
-          <a:xfrm>
-            <a:off x="6726910" y="1763168"/>
-            <a:ext cx="2983942" cy="5621496"/>
-          </a:xfrm>
-          <a:prstGeom prst="rect">
-            <a:avLst/>
-          </a:prstGeom>
-          <a:noFill/>
-          <a:ln w="12700" cap="flat" cmpd="sng" algn="ctr">
-            <a:solidFill>
-              <a:srgbClr val="007CBC"/>
-            </a:solidFill>
-            <a:prstDash val="dash"/>
-            <a:miter lim="800000"/>
-          </a:ln>
-          <a:effectLst/>
-        </p:spPr>
-        <p:txBody>
-          <a:bodyPr rot="0" spcFirstLastPara="0" vertOverflow="overflow" horzOverflow="overflow" vert="horz" wrap="square" lIns="91440" tIns="91440" rIns="91440" bIns="45720" numCol="1" spcCol="0" rtlCol="0" fromWordArt="0" anchor="t" anchorCtr="0" forceAA="0" compatLnSpc="1">
-            <a:prstTxWarp prst="textNoShape">
-              <a:avLst/>
-            </a:prstTxWarp>
-            <a:noAutofit/>
-          </a:bodyPr>
-          <a:lstStyle/>
-          <a:p>
-            <a:pPr algn="ctr" defTabSz="914363">
-              <a:defRPr/>
-            </a:pPr>
-            <a:r>
-              <a:rPr lang="en-US" sz="1200" kern="0" dirty="0">
-                <a:solidFill>
-                  <a:srgbClr val="007CBC"/>
-                </a:solidFill>
-                <a:latin typeface="Arial" panose="020B0604020202020204"/>
-              </a:rPr>
-              <a:t>Availability Zone 2</a:t>
-            </a:r>
-          </a:p>
-        </p:txBody>
-      </p:sp>
-      <p:sp>
-        <p:nvSpPr>
-          <p:cNvPr id="24" name="Rectangle 23">
-            <a:extLst>
-              <a:ext uri="{FF2B5EF4-FFF2-40B4-BE49-F238E27FC236}">
-                <a16:creationId xmlns:a16="http://schemas.microsoft.com/office/drawing/2014/main" id="{E25F190B-F12E-614B-827A-566AC09E9D97}"/>
-              </a:ext>
-            </a:extLst>
-          </p:cNvPr>
-          <p:cNvSpPr/>
-          <p:nvPr/>
-        </p:nvSpPr>
-        <p:spPr>
-          <a:xfrm>
-            <a:off x="6886738" y="2118091"/>
-            <a:ext cx="2688762" cy="1315163"/>
-          </a:xfrm>
-          <a:prstGeom prst="rect">
-            <a:avLst/>
-          </a:prstGeom>
-          <a:solidFill>
-            <a:srgbClr val="1D8900">
-              <a:alpha val="9804"/>
-            </a:srgbClr>
-          </a:solidFill>
-          <a:ln w="12700" cap="flat" cmpd="sng" algn="ctr">
-            <a:noFill/>
-            <a:prstDash val="dash"/>
-            <a:miter lim="800000"/>
-          </a:ln>
-          <a:effectLst/>
-        </p:spPr>
-        <p:txBody>
-          <a:bodyPr rot="0" spcFirstLastPara="0" vertOverflow="overflow" horzOverflow="overflow" vert="horz" wrap="square" lIns="338328" tIns="45720" rIns="91440" bIns="45720" numCol="1" spcCol="0" rtlCol="0" fromWordArt="0" anchor="t" anchorCtr="0" forceAA="0" compatLnSpc="1">
-            <a:prstTxWarp prst="textNoShape">
-              <a:avLst/>
-            </a:prstTxWarp>
-            <a:noAutofit/>
-          </a:bodyPr>
-          <a:lstStyle/>
-          <a:p>
-            <a:pPr defTabSz="914363">
-              <a:defRPr/>
-            </a:pPr>
-            <a:r>
-              <a:rPr lang="en-US" sz="1200" kern="0" dirty="0">
-                <a:solidFill>
-                  <a:srgbClr val="1D8900"/>
-                </a:solidFill>
-                <a:latin typeface="Arial" panose="020B0604020202020204"/>
-              </a:rPr>
-              <a:t>Public subnet</a:t>
-            </a:r>
-          </a:p>
-        </p:txBody>
-      </p:sp>
-      <p:pic>
-        <p:nvPicPr>
-          <p:cNvPr id="25" name="Graphic 10">
-            <a:extLst>
-              <a:ext uri="{FF2B5EF4-FFF2-40B4-BE49-F238E27FC236}">
-                <a16:creationId xmlns:a16="http://schemas.microsoft.com/office/drawing/2014/main" id="{89B99B74-19F0-0B4B-85E3-A09DF2519E46}"/>
-              </a:ext>
-            </a:extLst>
-          </p:cNvPr>
-          <p:cNvPicPr>
-            <a:picLocks noChangeAspect="1"/>
-          </p:cNvPicPr>
-          <p:nvPr/>
-        </p:nvPicPr>
-        <p:blipFill>
-          <a:blip r:embed="rId6">
-            <a:extLst>
-              <a:ext uri="{96DAC541-7B7A-43D3-8B79-37D633B846F1}">
-                <asvg:svgBlip xmlns:asvg="http://schemas.microsoft.com/office/drawing/2016/SVG/main" r:embed="rId7"/>
-              </a:ext>
-            </a:extLst>
-          </a:blip>
-          <a:stretch>
-            <a:fillRect/>
-          </a:stretch>
-        </p:blipFill>
-        <p:spPr>
-          <a:xfrm>
-            <a:off x="6886738" y="2115731"/>
-            <a:ext cx="274320" cy="274320"/>
-          </a:xfrm>
-          <a:prstGeom prst="rect">
-            <a:avLst/>
-          </a:prstGeom>
-        </p:spPr>
-      </p:pic>
-      <p:sp>
-        <p:nvSpPr>
-          <p:cNvPr id="26" name="Rectangle 25">
-            <a:extLst>
-              <a:ext uri="{FF2B5EF4-FFF2-40B4-BE49-F238E27FC236}">
-                <a16:creationId xmlns:a16="http://schemas.microsoft.com/office/drawing/2014/main" id="{A85485B4-AA18-C048-B92A-A9A0F4372B98}"/>
-              </a:ext>
-            </a:extLst>
-          </p:cNvPr>
-          <p:cNvSpPr/>
-          <p:nvPr/>
-        </p:nvSpPr>
-        <p:spPr>
-          <a:xfrm>
-            <a:off x="6886737" y="3487787"/>
-            <a:ext cx="2688762" cy="3744968"/>
-          </a:xfrm>
-          <a:prstGeom prst="rect">
-            <a:avLst/>
-          </a:prstGeom>
-          <a:solidFill>
-            <a:srgbClr val="007CBC">
-              <a:alpha val="9804"/>
-            </a:srgbClr>
-          </a:solidFill>
-          <a:ln w="12700" cap="flat" cmpd="sng" algn="ctr">
-            <a:noFill/>
-            <a:prstDash val="dash"/>
-            <a:miter lim="800000"/>
-          </a:ln>
-          <a:effectLst/>
-        </p:spPr>
-        <p:txBody>
-          <a:bodyPr rot="0" spcFirstLastPara="0" vertOverflow="overflow" horzOverflow="overflow" vert="horz" wrap="square" lIns="338328" tIns="45720" rIns="91440" bIns="45720" numCol="1" spcCol="0" rtlCol="0" fromWordArt="0" anchor="t" anchorCtr="0" forceAA="0" compatLnSpc="1">
-            <a:prstTxWarp prst="textNoShape">
-              <a:avLst/>
-            </a:prstTxWarp>
-            <a:noAutofit/>
-          </a:bodyPr>
-          <a:lstStyle/>
-          <a:p>
-            <a:pPr defTabSz="914363">
-              <a:defRPr/>
-            </a:pPr>
-            <a:r>
-              <a:rPr lang="en-US" sz="1200" kern="0" dirty="0">
-                <a:solidFill>
-                  <a:srgbClr val="007CBC"/>
-                </a:solidFill>
-                <a:latin typeface="Arial" panose="020B0604020202020204"/>
-              </a:rPr>
-              <a:t>Private subnet</a:t>
-            </a:r>
-          </a:p>
-        </p:txBody>
-      </p:sp>
-      <p:pic>
-        <p:nvPicPr>
-          <p:cNvPr id="27" name="Graphic 13">
-            <a:extLst>
-              <a:ext uri="{FF2B5EF4-FFF2-40B4-BE49-F238E27FC236}">
-                <a16:creationId xmlns:a16="http://schemas.microsoft.com/office/drawing/2014/main" id="{3BD31095-C7B2-C24A-9990-6F9E14956A7B}"/>
-              </a:ext>
-            </a:extLst>
-          </p:cNvPr>
-          <p:cNvPicPr>
-            <a:picLocks noChangeAspect="1"/>
-          </p:cNvPicPr>
-          <p:nvPr/>
-        </p:nvPicPr>
-        <p:blipFill>
-          <a:blip r:embed="rId8">
-            <a:extLst>
-              <a:ext uri="{96DAC541-7B7A-43D3-8B79-37D633B846F1}">
-                <asvg:svgBlip xmlns:asvg="http://schemas.microsoft.com/office/drawing/2016/SVG/main" r:embed="rId9"/>
-              </a:ext>
-            </a:extLst>
-          </a:blip>
-          <a:stretch>
-            <a:fillRect/>
-          </a:stretch>
-        </p:blipFill>
-        <p:spPr>
-          <a:xfrm>
-            <a:off x="6886737" y="3485426"/>
-            <a:ext cx="274320" cy="274320"/>
-          </a:xfrm>
-          <a:prstGeom prst="rect">
-            <a:avLst/>
-          </a:prstGeom>
-        </p:spPr>
-      </p:pic>
-      <p:sp>
-        <p:nvSpPr>
-          <p:cNvPr id="31" name="Rectangle 30">
-            <a:extLst>
-              <a:ext uri="{FF2B5EF4-FFF2-40B4-BE49-F238E27FC236}">
-                <a16:creationId xmlns:a16="http://schemas.microsoft.com/office/drawing/2014/main" id="{25B2706C-95D8-A94F-9EC8-6497FA7FB136}"/>
-              </a:ext>
-            </a:extLst>
-          </p:cNvPr>
-          <p:cNvSpPr/>
-          <p:nvPr/>
-        </p:nvSpPr>
-        <p:spPr>
-          <a:xfrm>
-            <a:off x="2811679" y="4682299"/>
-            <a:ext cx="5848638" cy="640080"/>
-          </a:xfrm>
-          <a:prstGeom prst="rect">
-            <a:avLst/>
-          </a:prstGeom>
-          <a:noFill/>
-          <a:ln w="12700">
-            <a:solidFill>
-              <a:srgbClr val="D86613"/>
-            </a:solidFill>
-            <a:prstDash val="dash"/>
-          </a:ln>
-        </p:spPr>
-        <p:style>
-          <a:lnRef idx="2">
-            <a:schemeClr val="accent1">
-              <a:shade val="50000"/>
-            </a:schemeClr>
-          </a:lnRef>
-          <a:fillRef idx="1">
-            <a:schemeClr val="accent1"/>
-          </a:fillRef>
-          <a:effectRef idx="0">
-            <a:schemeClr val="accent1"/>
-          </a:effectRef>
-          <a:fontRef idx="minor">
-            <a:schemeClr val="lt1"/>
-          </a:fontRef>
-        </p:style>
-        <p:txBody>
-          <a:bodyPr rot="0" spcFirstLastPara="0" vertOverflow="overflow" horzOverflow="overflow" vert="horz" wrap="square" lIns="91440" tIns="91440" rIns="91440" bIns="45720" numCol="1" spcCol="0" rtlCol="0" fromWordArt="0" anchor="t" anchorCtr="0" forceAA="0" compatLnSpc="1">
-            <a:prstTxWarp prst="textNoShape">
-              <a:avLst/>
-            </a:prstTxWarp>
-            <a:noAutofit/>
-          </a:bodyPr>
-          <a:lstStyle/>
-          <a:p>
-            <a:pPr algn="ctr"/>
-            <a:endParaRPr lang="en-US" sz="1200" dirty="0">
-              <a:solidFill>
-                <a:srgbClr val="D86613"/>
-              </a:solidFill>
-            </a:endParaRPr>
-          </a:p>
-          <a:p>
-            <a:pPr algn="ctr"/>
-            <a:endParaRPr lang="en-US" sz="1200" dirty="0">
-              <a:solidFill>
-                <a:srgbClr val="D86613"/>
-              </a:solidFill>
-            </a:endParaRPr>
-          </a:p>
-          <a:p>
-            <a:pPr algn="ctr"/>
-            <a:r>
-              <a:rPr lang="en-US" sz="1200" dirty="0">
-                <a:solidFill>
-                  <a:srgbClr val="D86613"/>
-                </a:solidFill>
-              </a:rPr>
-              <a:t>Auto Scaling group</a:t>
-            </a:r>
-          </a:p>
-        </p:txBody>
-      </p:sp>
-      <p:pic>
-        <p:nvPicPr>
-          <p:cNvPr id="32" name="Graphic 3">
-            <a:extLst>
-              <a:ext uri="{FF2B5EF4-FFF2-40B4-BE49-F238E27FC236}">
-                <a16:creationId xmlns:a16="http://schemas.microsoft.com/office/drawing/2014/main" id="{D7A7873E-A1CC-804E-816C-DC0FF152D82D}"/>
-              </a:ext>
-            </a:extLst>
-          </p:cNvPr>
-          <p:cNvPicPr>
-            <a:picLocks noChangeAspect="1"/>
-          </p:cNvPicPr>
-          <p:nvPr/>
-        </p:nvPicPr>
-        <p:blipFill>
-          <a:blip r:embed="rId10">
-            <a:extLst>
-              <a:ext uri="{96DAC541-7B7A-43D3-8B79-37D633B846F1}">
-                <asvg:svgBlip xmlns:asvg="http://schemas.microsoft.com/office/drawing/2016/SVG/main" r:embed="rId11"/>
-              </a:ext>
-            </a:extLst>
-          </a:blip>
-          <a:stretch>
-            <a:fillRect/>
-          </a:stretch>
-        </p:blipFill>
-        <p:spPr>
-          <a:xfrm>
-            <a:off x="5572665" y="4680113"/>
-            <a:ext cx="330200" cy="330200"/>
-          </a:xfrm>
-          <a:prstGeom prst="rect">
-            <a:avLst/>
-          </a:prstGeom>
-        </p:spPr>
-      </p:pic>
-      <p:sp>
-        <p:nvSpPr>
-          <p:cNvPr id="35" name="Rectangle 34">
-            <a:extLst>
-              <a:ext uri="{FF2B5EF4-FFF2-40B4-BE49-F238E27FC236}">
-                <a16:creationId xmlns:a16="http://schemas.microsoft.com/office/drawing/2014/main" id="{25B2706C-95D8-A94F-9EC8-6497FA7FB136}"/>
-              </a:ext>
-            </a:extLst>
-          </p:cNvPr>
-          <p:cNvSpPr/>
-          <p:nvPr/>
-        </p:nvSpPr>
-        <p:spPr>
-          <a:xfrm>
-            <a:off x="2815925" y="5505259"/>
-            <a:ext cx="5848638" cy="640080"/>
-          </a:xfrm>
-          <a:prstGeom prst="rect">
-            <a:avLst/>
-          </a:prstGeom>
-          <a:noFill/>
-          <a:ln w="12700">
-            <a:solidFill>
-              <a:srgbClr val="D86613"/>
-            </a:solidFill>
-            <a:prstDash val="dash"/>
-          </a:ln>
-        </p:spPr>
-        <p:style>
-          <a:lnRef idx="2">
-            <a:schemeClr val="accent1">
-              <a:shade val="50000"/>
-            </a:schemeClr>
-          </a:lnRef>
-          <a:fillRef idx="1">
-            <a:schemeClr val="accent1"/>
-          </a:fillRef>
-          <a:effectRef idx="0">
-            <a:schemeClr val="accent1"/>
-          </a:effectRef>
-          <a:fontRef idx="minor">
-            <a:schemeClr val="lt1"/>
-          </a:fontRef>
-        </p:style>
-        <p:txBody>
-          <a:bodyPr rot="0" spcFirstLastPara="0" vertOverflow="overflow" horzOverflow="overflow" vert="horz" wrap="square" lIns="91440" tIns="91440" rIns="91440" bIns="45720" numCol="1" spcCol="0" rtlCol="0" fromWordArt="0" anchor="t" anchorCtr="0" forceAA="0" compatLnSpc="1">
-            <a:prstTxWarp prst="textNoShape">
-              <a:avLst/>
-            </a:prstTxWarp>
-            <a:noAutofit/>
-          </a:bodyPr>
-          <a:lstStyle/>
-          <a:p>
-            <a:pPr algn="ctr"/>
-            <a:endParaRPr lang="en-US" sz="1200" dirty="0">
-              <a:solidFill>
-                <a:srgbClr val="D86613"/>
-              </a:solidFill>
-            </a:endParaRPr>
-          </a:p>
-          <a:p>
-            <a:pPr algn="ctr"/>
-            <a:endParaRPr lang="en-US" sz="1200" dirty="0">
-              <a:solidFill>
-                <a:srgbClr val="D86613"/>
-              </a:solidFill>
-            </a:endParaRPr>
-          </a:p>
-          <a:p>
-            <a:pPr algn="ctr"/>
-            <a:r>
-              <a:rPr lang="en-US" sz="1200" dirty="0">
-                <a:solidFill>
-                  <a:srgbClr val="D86613"/>
-                </a:solidFill>
-              </a:rPr>
-              <a:t>Auto Scaling group</a:t>
-            </a:r>
-          </a:p>
-        </p:txBody>
-      </p:sp>
-      <p:pic>
-        <p:nvPicPr>
-          <p:cNvPr id="36" name="Graphic 3">
-            <a:extLst>
-              <a:ext uri="{FF2B5EF4-FFF2-40B4-BE49-F238E27FC236}">
-                <a16:creationId xmlns:a16="http://schemas.microsoft.com/office/drawing/2014/main" id="{D7A7873E-A1CC-804E-816C-DC0FF152D82D}"/>
-              </a:ext>
-            </a:extLst>
-          </p:cNvPr>
-          <p:cNvPicPr>
-            <a:picLocks noChangeAspect="1"/>
-          </p:cNvPicPr>
-          <p:nvPr/>
-        </p:nvPicPr>
-        <p:blipFill>
-          <a:blip r:embed="rId10">
-            <a:extLst>
-              <a:ext uri="{96DAC541-7B7A-43D3-8B79-37D633B846F1}">
-                <asvg:svgBlip xmlns:asvg="http://schemas.microsoft.com/office/drawing/2016/SVG/main" r:embed="rId11"/>
-              </a:ext>
-            </a:extLst>
-          </a:blip>
-          <a:stretch>
-            <a:fillRect/>
-          </a:stretch>
-        </p:blipFill>
-        <p:spPr>
-          <a:xfrm>
-            <a:off x="5576911" y="5502181"/>
-            <a:ext cx="330200" cy="330200"/>
-          </a:xfrm>
-          <a:prstGeom prst="rect">
-            <a:avLst/>
-          </a:prstGeom>
-        </p:spPr>
-      </p:pic>
-      <p:sp>
-        <p:nvSpPr>
-          <p:cNvPr id="37" name="Rectangle 36">
-            <a:extLst>
-              <a:ext uri="{FF2B5EF4-FFF2-40B4-BE49-F238E27FC236}">
-                <a16:creationId xmlns:a16="http://schemas.microsoft.com/office/drawing/2014/main" id="{25B2706C-95D8-A94F-9EC8-6497FA7FB136}"/>
-              </a:ext>
-            </a:extLst>
-          </p:cNvPr>
-          <p:cNvSpPr/>
-          <p:nvPr/>
-        </p:nvSpPr>
-        <p:spPr>
-          <a:xfrm>
-            <a:off x="2811679" y="6328219"/>
-            <a:ext cx="5848638" cy="640080"/>
-          </a:xfrm>
-          <a:prstGeom prst="rect">
-            <a:avLst/>
-          </a:prstGeom>
-          <a:noFill/>
-          <a:ln w="12700">
-            <a:solidFill>
-              <a:srgbClr val="D86613"/>
-            </a:solidFill>
-            <a:prstDash val="dash"/>
-          </a:ln>
-        </p:spPr>
-        <p:style>
-          <a:lnRef idx="2">
-            <a:schemeClr val="accent1">
-              <a:shade val="50000"/>
-            </a:schemeClr>
-          </a:lnRef>
-          <a:fillRef idx="1">
-            <a:schemeClr val="accent1"/>
-          </a:fillRef>
-          <a:effectRef idx="0">
-            <a:schemeClr val="accent1"/>
-          </a:effectRef>
-          <a:fontRef idx="minor">
-            <a:schemeClr val="lt1"/>
-          </a:fontRef>
-        </p:style>
-        <p:txBody>
-          <a:bodyPr rot="0" spcFirstLastPara="0" vertOverflow="overflow" horzOverflow="overflow" vert="horz" wrap="square" lIns="91440" tIns="91440" rIns="91440" bIns="45720" numCol="1" spcCol="0" rtlCol="0" fromWordArt="0" anchor="t" anchorCtr="0" forceAA="0" compatLnSpc="1">
-            <a:prstTxWarp prst="textNoShape">
-              <a:avLst/>
-            </a:prstTxWarp>
-            <a:noAutofit/>
-          </a:bodyPr>
-          <a:lstStyle/>
-          <a:p>
-            <a:pPr algn="ctr"/>
-            <a:endParaRPr lang="en-US" sz="1200" dirty="0">
-              <a:solidFill>
-                <a:srgbClr val="D86613"/>
-              </a:solidFill>
-            </a:endParaRPr>
-          </a:p>
-          <a:p>
-            <a:pPr algn="ctr"/>
-            <a:endParaRPr lang="en-US" sz="1200" dirty="0">
-              <a:solidFill>
-                <a:srgbClr val="D86613"/>
-              </a:solidFill>
-            </a:endParaRPr>
-          </a:p>
-          <a:p>
-            <a:pPr algn="ctr"/>
-            <a:r>
-              <a:rPr lang="en-US" sz="1200" dirty="0">
-                <a:solidFill>
-                  <a:srgbClr val="D86613"/>
-                </a:solidFill>
-              </a:rPr>
-              <a:t>Auto Scaling group</a:t>
-            </a:r>
-          </a:p>
-        </p:txBody>
-      </p:sp>
-      <p:pic>
-        <p:nvPicPr>
-          <p:cNvPr id="38" name="Graphic 3">
-            <a:extLst>
-              <a:ext uri="{FF2B5EF4-FFF2-40B4-BE49-F238E27FC236}">
-                <a16:creationId xmlns:a16="http://schemas.microsoft.com/office/drawing/2014/main" id="{D7A7873E-A1CC-804E-816C-DC0FF152D82D}"/>
-              </a:ext>
-            </a:extLst>
-          </p:cNvPr>
-          <p:cNvPicPr>
-            <a:picLocks noChangeAspect="1"/>
-          </p:cNvPicPr>
-          <p:nvPr/>
-        </p:nvPicPr>
-        <p:blipFill>
-          <a:blip r:embed="rId10">
-            <a:extLst>
-              <a:ext uri="{96DAC541-7B7A-43D3-8B79-37D633B846F1}">
-                <asvg:svgBlip xmlns:asvg="http://schemas.microsoft.com/office/drawing/2016/SVG/main" r:embed="rId11"/>
-              </a:ext>
-            </a:extLst>
-          </a:blip>
-          <a:stretch>
-            <a:fillRect/>
-          </a:stretch>
-        </p:blipFill>
-        <p:spPr>
-          <a:xfrm>
-            <a:off x="5579838" y="6325202"/>
-            <a:ext cx="330200" cy="330200"/>
-          </a:xfrm>
-          <a:prstGeom prst="rect">
-            <a:avLst/>
-          </a:prstGeom>
-        </p:spPr>
-      </p:pic>
-      <p:sp>
-        <p:nvSpPr>
-          <p:cNvPr id="42" name="TextBox 41">
-            <a:extLst>
-              <a:ext uri="{FF2B5EF4-FFF2-40B4-BE49-F238E27FC236}">
-                <a16:creationId xmlns:a16="http://schemas.microsoft.com/office/drawing/2014/main" id="{6CA15AED-35F1-B741-B625-344B2F890384}"/>
-              </a:ext>
-            </a:extLst>
-          </p:cNvPr>
-          <p:cNvSpPr txBox="1"/>
-          <p:nvPr/>
-        </p:nvSpPr>
-        <p:spPr>
-          <a:xfrm>
-            <a:off x="2062201" y="2907792"/>
-            <a:ext cx="1513305" cy="276999"/>
-          </a:xfrm>
-          <a:prstGeom prst="rect">
-            <a:avLst/>
-          </a:prstGeom>
-          <a:noFill/>
-        </p:spPr>
-        <p:txBody>
-          <a:bodyPr wrap="square" rtlCol="0">
-            <a:spAutoFit/>
-          </a:bodyPr>
-          <a:lstStyle/>
-          <a:p>
-            <a:pPr algn="ctr"/>
-            <a:r>
-              <a:rPr lang="en-US" sz="1200" dirty="0">
-                <a:solidFill>
-                  <a:srgbClr val="232F3D"/>
-                </a:solidFill>
-                <a:latin typeface="Arial" panose="020B0604020202020204"/>
-              </a:rPr>
-              <a:t>Bastion host</a:t>
-            </a:r>
-          </a:p>
-        </p:txBody>
-      </p:sp>
-      <p:pic>
-        <p:nvPicPr>
-          <p:cNvPr id="43" name="Graphic 150">
-            <a:extLst>
-              <a:ext uri="{FF2B5EF4-FFF2-40B4-BE49-F238E27FC236}">
-                <a16:creationId xmlns:a16="http://schemas.microsoft.com/office/drawing/2014/main" id="{504658ED-D930-1A4A-958A-B65B3F87EA9E}"/>
-              </a:ext>
-            </a:extLst>
-          </p:cNvPr>
-          <p:cNvPicPr>
-            <a:picLocks noChangeAspect="1"/>
-          </p:cNvPicPr>
-          <p:nvPr/>
-        </p:nvPicPr>
-        <p:blipFill>
-          <a:blip r:embed="rId12">
-            <a:extLst>
-              <a:ext uri="{96DAC541-7B7A-43D3-8B79-37D633B846F1}">
-                <asvg:svgBlip xmlns:asvg="http://schemas.microsoft.com/office/drawing/2016/SVG/main" r:embed="rId13"/>
-              </a:ext>
-            </a:extLst>
-          </a:blip>
-          <a:stretch>
-            <a:fillRect/>
-          </a:stretch>
-        </p:blipFill>
-        <p:spPr>
-          <a:xfrm>
-            <a:off x="2583902" y="2428722"/>
-            <a:ext cx="469900" cy="469900"/>
-          </a:xfrm>
-          <a:prstGeom prst="rect">
-            <a:avLst/>
-          </a:prstGeom>
-        </p:spPr>
-      </p:pic>
-      <p:sp>
-        <p:nvSpPr>
-          <p:cNvPr id="44" name="TextBox 43">
-            <a:extLst>
-              <a:ext uri="{FF2B5EF4-FFF2-40B4-BE49-F238E27FC236}">
-                <a16:creationId xmlns:a16="http://schemas.microsoft.com/office/drawing/2014/main" id="{517096B6-EF64-C245-A3E7-BEEF81BDCB9C}"/>
-              </a:ext>
-            </a:extLst>
-          </p:cNvPr>
-          <p:cNvSpPr txBox="1"/>
-          <p:nvPr/>
-        </p:nvSpPr>
-        <p:spPr>
-          <a:xfrm>
-            <a:off x="3345894" y="2907792"/>
-            <a:ext cx="1236442" cy="276999"/>
-          </a:xfrm>
-          <a:prstGeom prst="rect">
-            <a:avLst/>
-          </a:prstGeom>
-          <a:noFill/>
-        </p:spPr>
-        <p:txBody>
-          <a:bodyPr wrap="square" rtlCol="0">
-            <a:spAutoFit/>
-          </a:bodyPr>
-          <a:lstStyle/>
-          <a:p>
-            <a:pPr algn="ctr"/>
-            <a:r>
-              <a:rPr lang="en-US" sz="1200" dirty="0">
-                <a:solidFill>
-                  <a:srgbClr val="232F3D"/>
-                </a:solidFill>
-                <a:latin typeface="Arial" panose="020B0604020202020204"/>
-              </a:rPr>
-              <a:t>NAT gateway</a:t>
-            </a:r>
-          </a:p>
-        </p:txBody>
-      </p:sp>
-      <p:pic>
-        <p:nvPicPr>
-          <p:cNvPr id="45" name="Graphic 40">
-            <a:extLst>
-              <a:ext uri="{FF2B5EF4-FFF2-40B4-BE49-F238E27FC236}">
-                <a16:creationId xmlns:a16="http://schemas.microsoft.com/office/drawing/2014/main" id="{C322592C-EAB9-0640-95A5-D8FF5B8E5FE6}"/>
-              </a:ext>
-            </a:extLst>
-          </p:cNvPr>
-          <p:cNvPicPr>
-            <a:picLocks noChangeAspect="1"/>
-          </p:cNvPicPr>
-          <p:nvPr/>
-        </p:nvPicPr>
-        <p:blipFill>
-          <a:blip r:embed="rId14">
-            <a:extLst>
-              <a:ext uri="{96DAC541-7B7A-43D3-8B79-37D633B846F1}">
-                <asvg:svgBlip xmlns:asvg="http://schemas.microsoft.com/office/drawing/2016/SVG/main" r:embed="rId15"/>
-              </a:ext>
-            </a:extLst>
-          </a:blip>
-          <a:stretch>
-            <a:fillRect/>
-          </a:stretch>
-        </p:blipFill>
-        <p:spPr>
-          <a:xfrm>
-            <a:off x="3729165" y="2428722"/>
-            <a:ext cx="469900" cy="469900"/>
-          </a:xfrm>
-          <a:prstGeom prst="rect">
-            <a:avLst/>
-          </a:prstGeom>
-        </p:spPr>
-      </p:pic>
-      <p:sp>
-        <p:nvSpPr>
-          <p:cNvPr id="46" name="TextBox 45">
-            <a:extLst>
-              <a:ext uri="{FF2B5EF4-FFF2-40B4-BE49-F238E27FC236}">
-                <a16:creationId xmlns:a16="http://schemas.microsoft.com/office/drawing/2014/main" id="{517096B6-EF64-C245-A3E7-BEEF81BDCB9C}"/>
-              </a:ext>
-            </a:extLst>
-          </p:cNvPr>
-          <p:cNvSpPr txBox="1"/>
-          <p:nvPr/>
-        </p:nvSpPr>
-        <p:spPr>
-          <a:xfrm>
-            <a:off x="7593189" y="2906611"/>
-            <a:ext cx="1236442" cy="276999"/>
-          </a:xfrm>
-          <a:prstGeom prst="rect">
-            <a:avLst/>
-          </a:prstGeom>
-          <a:noFill/>
-        </p:spPr>
-        <p:txBody>
-          <a:bodyPr wrap="square" rtlCol="0">
-            <a:spAutoFit/>
-          </a:bodyPr>
-          <a:lstStyle/>
-          <a:p>
-            <a:pPr algn="ctr"/>
-            <a:r>
-              <a:rPr lang="en-US" sz="1200" dirty="0">
-                <a:solidFill>
-                  <a:srgbClr val="232F3D"/>
-                </a:solidFill>
-                <a:latin typeface="Arial" panose="020B0604020202020204"/>
-              </a:rPr>
-              <a:t>NAT gateway</a:t>
-            </a:r>
-          </a:p>
-        </p:txBody>
-      </p:sp>
-      <p:pic>
-        <p:nvPicPr>
-          <p:cNvPr id="47" name="Graphic 40">
-            <a:extLst>
-              <a:ext uri="{FF2B5EF4-FFF2-40B4-BE49-F238E27FC236}">
-                <a16:creationId xmlns:a16="http://schemas.microsoft.com/office/drawing/2014/main" id="{C322592C-EAB9-0640-95A5-D8FF5B8E5FE6}"/>
-              </a:ext>
-            </a:extLst>
-          </p:cNvPr>
-          <p:cNvPicPr>
-            <a:picLocks noChangeAspect="1"/>
-          </p:cNvPicPr>
-          <p:nvPr/>
-        </p:nvPicPr>
-        <p:blipFill>
-          <a:blip r:embed="rId14">
-            <a:extLst>
-              <a:ext uri="{96DAC541-7B7A-43D3-8B79-37D633B846F1}">
-                <asvg:svgBlip xmlns:asvg="http://schemas.microsoft.com/office/drawing/2016/SVG/main" r:embed="rId15"/>
-              </a:ext>
-            </a:extLst>
-          </a:blip>
-          <a:stretch>
-            <a:fillRect/>
-          </a:stretch>
-        </p:blipFill>
-        <p:spPr>
-          <a:xfrm>
-            <a:off x="7976460" y="2432304"/>
-            <a:ext cx="469900" cy="469900"/>
-          </a:xfrm>
-          <a:prstGeom prst="rect">
-            <a:avLst/>
-          </a:prstGeom>
-        </p:spPr>
-      </p:pic>
-      <p:pic>
-        <p:nvPicPr>
-          <p:cNvPr id="52" name="Graphic 44">
-            <a:extLst>
-              <a:ext uri="{FF2B5EF4-FFF2-40B4-BE49-F238E27FC236}">
-                <a16:creationId xmlns:a16="http://schemas.microsoft.com/office/drawing/2014/main" id="{377480BA-A3A6-9E4A-9AF3-6770D1E63BA7}"/>
-              </a:ext>
-            </a:extLst>
-          </p:cNvPr>
-          <p:cNvPicPr>
-            <a:picLocks noChangeAspect="1"/>
-          </p:cNvPicPr>
-          <p:nvPr/>
-        </p:nvPicPr>
-        <p:blipFill>
-          <a:blip r:embed="rId16">
-            <a:extLst>
-              <a:ext uri="{96DAC541-7B7A-43D3-8B79-37D633B846F1}">
-                <asvg:svgBlip xmlns:asvg="http://schemas.microsoft.com/office/drawing/2016/SVG/main" r:embed="rId17"/>
-              </a:ext>
-            </a:extLst>
-          </a:blip>
-          <a:stretch>
-            <a:fillRect/>
-          </a:stretch>
-        </p:blipFill>
-        <p:spPr>
-          <a:xfrm>
-            <a:off x="10700473" y="3919589"/>
-            <a:ext cx="711200" cy="711200"/>
-          </a:xfrm>
-          <a:prstGeom prst="rect">
-            <a:avLst/>
-          </a:prstGeom>
-        </p:spPr>
-      </p:pic>
-      <p:sp>
-        <p:nvSpPr>
-          <p:cNvPr id="53" name="TextBox 52">
-            <a:extLst>
-              <a:ext uri="{FF2B5EF4-FFF2-40B4-BE49-F238E27FC236}">
-                <a16:creationId xmlns:a16="http://schemas.microsoft.com/office/drawing/2014/main" id="{52102B6A-E0DE-BF47-806D-D37ACFEA5A70}"/>
-              </a:ext>
-            </a:extLst>
-          </p:cNvPr>
-          <p:cNvSpPr txBox="1"/>
-          <p:nvPr/>
-        </p:nvSpPr>
-        <p:spPr>
-          <a:xfrm>
-            <a:off x="9905121" y="4630791"/>
-            <a:ext cx="2301904" cy="276999"/>
-          </a:xfrm>
-          <a:prstGeom prst="rect">
-            <a:avLst/>
-          </a:prstGeom>
-          <a:noFill/>
-        </p:spPr>
-        <p:txBody>
-          <a:bodyPr wrap="square" rtlCol="0">
-            <a:spAutoFit/>
-          </a:bodyPr>
-          <a:lstStyle/>
-          <a:p>
-            <a:pPr algn="ctr"/>
-            <a:r>
-              <a:rPr lang="en-US" sz="1200" dirty="0">
-                <a:solidFill>
-                  <a:srgbClr val="232F3D"/>
-                </a:solidFill>
-                <a:latin typeface="Arial" panose="020B0604020202020204"/>
-              </a:rPr>
-              <a:t>Amazon S3</a:t>
-            </a:r>
-          </a:p>
-        </p:txBody>
-      </p:sp>
-      <p:grpSp>
-        <p:nvGrpSpPr>
-          <p:cNvPr id="2" name="Group 1"/>
           <p:cNvGrpSpPr/>
           <p:nvPr/>
         </p:nvGrpSpPr>
         <p:grpSpPr>
           <a:xfrm>
-            <a:off x="2966794" y="3919156"/>
-            <a:ext cx="1545870" cy="619231"/>
-            <a:chOff x="2946916" y="4645152"/>
-            <a:chExt cx="1545870" cy="619231"/>
+            <a:off x="7308050" y="4189716"/>
+            <a:ext cx="2279650" cy="1223665"/>
+            <a:chOff x="9903309" y="5156661"/>
+            <a:chExt cx="2279650" cy="1223665"/>
           </a:xfrm>
         </p:grpSpPr>
         <p:pic>
           <p:nvPicPr>
-            <p:cNvPr id="54" name="Graphic 135">
+            <p:cNvPr id="104" name="Graphic 18">
               <a:extLst>
                 <a:ext uri="{FF2B5EF4-FFF2-40B4-BE49-F238E27FC236}">
-                  <a16:creationId xmlns:a16="http://schemas.microsoft.com/office/drawing/2014/main" id="{C19987B1-DB3A-1640-994D-BCB81FCC1AE4}"/>
+                  <a16:creationId xmlns:a16="http://schemas.microsoft.com/office/drawing/2014/main" id="{E5FD4EED-4294-9B46-94EC-81E3CD93B7E9}"/>
                 </a:ext>
               </a:extLst>
             </p:cNvPr>
             <p:cNvPicPr>
-              <a:picLocks noChangeAspect="1"/>
+              <a:picLocks noChangeAspect="1" noChangeArrowheads="1"/>
             </p:cNvPicPr>
             <p:nvPr/>
           </p:nvPicPr>
           <p:blipFill>
-            <a:blip r:embed="rId18">
+            <a:blip r:embed="rId8">
               <a:extLst>
-                <a:ext uri="{96DAC541-7B7A-43D3-8B79-37D633B846F1}">
-                  <asvg:svgBlip xmlns:asvg="http://schemas.microsoft.com/office/drawing/2016/SVG/main" r:embed="rId19"/>
+                <a:ext uri="{28A0092B-C50C-407E-A947-70E740481C1C}">
+                  <a14:useLocalDpi xmlns:a14="http://schemas.microsoft.com/office/drawing/2010/main" val="0"/>
                 </a:ext>
               </a:extLst>
             </a:blip>
+            <a:srcRect/>
             <a:stretch>
               <a:fillRect/>
             </a:stretch>
           </p:blipFill>
-          <p:spPr>
+          <p:spPr bwMode="auto">
             <a:xfrm>
-              <a:off x="3520870" y="4645152"/>
-              <a:ext cx="390092" cy="390092"/>
-            </a:xfrm>
-            <a:prstGeom prst="rect">
-              <a:avLst/>
-            </a:prstGeom>
-          </p:spPr>
-        </p:pic>
-        <p:sp>
-          <p:nvSpPr>
-            <p:cNvPr id="55" name="TextBox 54">
-              <a:extLst>
-                <a:ext uri="{FF2B5EF4-FFF2-40B4-BE49-F238E27FC236}">
-                  <a16:creationId xmlns:a16="http://schemas.microsoft.com/office/drawing/2014/main" id="{F90C1CC4-DFE6-0445-BD1C-DB610E1A07F5}"/>
-                </a:ext>
-              </a:extLst>
-            </p:cNvPr>
-            <p:cNvSpPr txBox="1"/>
-            <p:nvPr/>
-          </p:nvSpPr>
-          <p:spPr>
-            <a:xfrm>
-              <a:off x="2946916" y="4987384"/>
-              <a:ext cx="1545870" cy="276999"/>
+              <a:off x="10680340" y="5156661"/>
+              <a:ext cx="762000" cy="762000"/>
             </a:xfrm>
             <a:prstGeom prst="rect">
               <a:avLst/>
             </a:prstGeom>
             <a:noFill/>
+            <a:ln>
+              <a:noFill/>
+            </a:ln>
+            <a:extLst>
+              <a:ext uri="{909E8E84-426E-40DD-AFC4-6F175D3DCCD1}">
+                <a14:hiddenFill xmlns:a14="http://schemas.microsoft.com/office/drawing/2010/main">
+                  <a:solidFill>
+                    <a:srgbClr val="FFFFFF"/>
+                  </a:solidFill>
+                </a14:hiddenFill>
+              </a:ext>
+              <a:ext uri="{91240B29-F687-4F45-9708-019B960494DF}">
+                <a14:hiddenLine xmlns:a14="http://schemas.microsoft.com/office/drawing/2010/main" w="9525">
+                  <a:solidFill>
+                    <a:srgbClr val="000000"/>
+                  </a:solidFill>
+                  <a:miter lim="800000"/>
+                  <a:headEnd/>
+                  <a:tailEnd/>
+                </a14:hiddenLine>
+              </a:ext>
+            </a:extLst>
+          </p:spPr>
+        </p:pic>
+        <p:sp>
+          <p:nvSpPr>
+            <p:cNvPr id="105" name="TextBox 19">
+              <a:extLst>
+                <a:ext uri="{FF2B5EF4-FFF2-40B4-BE49-F238E27FC236}">
+                  <a16:creationId xmlns:a16="http://schemas.microsoft.com/office/drawing/2014/main" id="{78C7122A-6D83-9546-959B-4FC5CF89AED2}"/>
+                </a:ext>
+              </a:extLst>
+            </p:cNvPr>
+            <p:cNvSpPr txBox="1">
+              <a:spLocks noChangeArrowheads="1"/>
+            </p:cNvSpPr>
+            <p:nvPr/>
+          </p:nvSpPr>
+          <p:spPr bwMode="auto">
+            <a:xfrm>
+              <a:off x="9903309" y="5918661"/>
+              <a:ext cx="2279650" cy="461665"/>
+            </a:xfrm>
+            <a:prstGeom prst="rect">
+              <a:avLst/>
+            </a:prstGeom>
+            <a:noFill/>
+            <a:ln>
+              <a:noFill/>
+            </a:ln>
+            <a:extLst>
+              <a:ext uri="{909E8E84-426E-40DD-AFC4-6F175D3DCCD1}">
+                <a14:hiddenFill xmlns:a14="http://schemas.microsoft.com/office/drawing/2010/main">
+                  <a:solidFill>
+                    <a:srgbClr val="FFFFFF"/>
+                  </a:solidFill>
+                </a14:hiddenFill>
+              </a:ext>
+              <a:ext uri="{91240B29-F687-4F45-9708-019B960494DF}">
+                <a14:hiddenLine xmlns:a14="http://schemas.microsoft.com/office/drawing/2010/main" w="9525">
+                  <a:solidFill>
+                    <a:srgbClr val="000000"/>
+                  </a:solidFill>
+                  <a:miter lim="800000"/>
+                  <a:headEnd/>
+                  <a:tailEnd/>
+                </a14:hiddenLine>
+              </a:ext>
+            </a:extLst>
           </p:spPr>
           <p:txBody>
-            <a:bodyPr wrap="square" rtlCol="0">
+            <a:bodyPr>
               <a:spAutoFit/>
             </a:bodyPr>
-            <a:lstStyle/>
+            <a:lstStyle>
+              <a:lvl1pPr>
+                <a:defRPr>
+                  <a:solidFill>
+                    <a:schemeClr val="tx1"/>
+                  </a:solidFill>
+                  <a:latin typeface="Calibri" panose="020F0502020204030204" pitchFamily="34" charset="0"/>
+                </a:defRPr>
+              </a:lvl1pPr>
+              <a:lvl2pPr marL="742950" indent="-285750">
+                <a:defRPr>
+                  <a:solidFill>
+                    <a:schemeClr val="tx1"/>
+                  </a:solidFill>
+                  <a:latin typeface="Calibri" panose="020F0502020204030204" pitchFamily="34" charset="0"/>
+                </a:defRPr>
+              </a:lvl2pPr>
+              <a:lvl3pPr marL="1143000" indent="-228600">
+                <a:defRPr>
+                  <a:solidFill>
+                    <a:schemeClr val="tx1"/>
+                  </a:solidFill>
+                  <a:latin typeface="Calibri" panose="020F0502020204030204" pitchFamily="34" charset="0"/>
+                </a:defRPr>
+              </a:lvl3pPr>
+              <a:lvl4pPr marL="1600200" indent="-228600">
+                <a:defRPr>
+                  <a:solidFill>
+                    <a:schemeClr val="tx1"/>
+                  </a:solidFill>
+                  <a:latin typeface="Calibri" panose="020F0502020204030204" pitchFamily="34" charset="0"/>
+                </a:defRPr>
+              </a:lvl4pPr>
+              <a:lvl5pPr marL="2057400" indent="-228600">
+                <a:defRPr>
+                  <a:solidFill>
+                    <a:schemeClr val="tx1"/>
+                  </a:solidFill>
+                  <a:latin typeface="Calibri" panose="020F0502020204030204" pitchFamily="34" charset="0"/>
+                </a:defRPr>
+              </a:lvl5pPr>
+              <a:lvl6pPr marL="2514600" indent="-228600" eaLnBrk="0" fontAlgn="base" hangingPunct="0">
+                <a:spcBef>
+                  <a:spcPct val="0"/>
+                </a:spcBef>
+                <a:spcAft>
+                  <a:spcPct val="0"/>
+                </a:spcAft>
+                <a:defRPr>
+                  <a:solidFill>
+                    <a:schemeClr val="tx1"/>
+                  </a:solidFill>
+                  <a:latin typeface="Calibri" panose="020F0502020204030204" pitchFamily="34" charset="0"/>
+                </a:defRPr>
+              </a:lvl6pPr>
+              <a:lvl7pPr marL="2971800" indent="-228600" eaLnBrk="0" fontAlgn="base" hangingPunct="0">
+                <a:spcBef>
+                  <a:spcPct val="0"/>
+                </a:spcBef>
+                <a:spcAft>
+                  <a:spcPct val="0"/>
+                </a:spcAft>
+                <a:defRPr>
+                  <a:solidFill>
+                    <a:schemeClr val="tx1"/>
+                  </a:solidFill>
+                  <a:latin typeface="Calibri" panose="020F0502020204030204" pitchFamily="34" charset="0"/>
+                </a:defRPr>
+              </a:lvl7pPr>
+              <a:lvl8pPr marL="3429000" indent="-228600" eaLnBrk="0" fontAlgn="base" hangingPunct="0">
+                <a:spcBef>
+                  <a:spcPct val="0"/>
+                </a:spcBef>
+                <a:spcAft>
+                  <a:spcPct val="0"/>
+                </a:spcAft>
+                <a:defRPr>
+                  <a:solidFill>
+                    <a:schemeClr val="tx1"/>
+                  </a:solidFill>
+                  <a:latin typeface="Calibri" panose="020F0502020204030204" pitchFamily="34" charset="0"/>
+                </a:defRPr>
+              </a:lvl8pPr>
+              <a:lvl9pPr marL="3886200" indent="-228600" eaLnBrk="0" fontAlgn="base" hangingPunct="0">
+                <a:spcBef>
+                  <a:spcPct val="0"/>
+                </a:spcBef>
+                <a:spcAft>
+                  <a:spcPct val="0"/>
+                </a:spcAft>
+                <a:defRPr>
+                  <a:solidFill>
+                    <a:schemeClr val="tx1"/>
+                  </a:solidFill>
+                  <a:latin typeface="Calibri" panose="020F0502020204030204" pitchFamily="34" charset="0"/>
+                </a:defRPr>
+              </a:lvl9pPr>
+            </a:lstStyle>
             <a:p>
-              <a:pPr algn="ctr"/>
+              <a:pPr algn="ctr" eaLnBrk="1" hangingPunct="1"/>
               <a:r>
-                <a:rPr lang="en-US" sz="1200" dirty="0">
-                  <a:solidFill>
-                    <a:srgbClr val="232F3D"/>
-                  </a:solidFill>
-                  <a:latin typeface="Arial" panose="020B0604020202020204"/>
+                <a:rPr lang="en-US" altLang="en-US" sz="1200" dirty="0">
+                  <a:latin typeface="Arial" panose="020B0604020202020204" pitchFamily="34" charset="0"/>
+                  <a:ea typeface="Amazon Ember" panose="020B0603020204020204" pitchFamily="34" charset="0"/>
+                  <a:cs typeface="Arial" panose="020B0604020202020204" pitchFamily="34" charset="0"/>
                 </a:rPr>
-                <a:t>Arkime instance</a:t>
+                <a:t>Amazon Elasticsearch</a:t>
+              </a:r>
+              <a:br>
+                <a:rPr lang="en-US" altLang="en-US" sz="1200" dirty="0">
+                  <a:latin typeface="Arial" panose="020B0604020202020204" pitchFamily="34" charset="0"/>
+                  <a:ea typeface="Amazon Ember" panose="020B0603020204020204" pitchFamily="34" charset="0"/>
+                  <a:cs typeface="Arial" panose="020B0604020202020204" pitchFamily="34" charset="0"/>
+                </a:rPr>
+              </a:br>
+              <a:r>
+                <a:rPr lang="en-US" altLang="en-US" sz="1200" dirty="0">
+                  <a:latin typeface="Arial" panose="020B0604020202020204" pitchFamily="34" charset="0"/>
+                  <a:ea typeface="Amazon Ember" panose="020B0603020204020204" pitchFamily="34" charset="0"/>
+                  <a:cs typeface="Arial" panose="020B0604020202020204" pitchFamily="34" charset="0"/>
+                </a:rPr>
+                <a:t>Service</a:t>
               </a:r>
             </a:p>
           </p:txBody>
         </p:sp>
       </p:grpSp>
-      <p:pic>
-        <p:nvPicPr>
-          <p:cNvPr id="64" name="Graphic 135">
+      <p:grpSp>
+        <p:nvGrpSpPr>
+          <p:cNvPr id="29" name="Group 28">
             <a:extLst>
               <a:ext uri="{FF2B5EF4-FFF2-40B4-BE49-F238E27FC236}">
-                <a16:creationId xmlns:a16="http://schemas.microsoft.com/office/drawing/2014/main" id="{C19987B1-DB3A-1640-994D-BCB81FCC1AE4}"/>
+                <a16:creationId xmlns:a16="http://schemas.microsoft.com/office/drawing/2014/main" id="{CC01E376-7969-C94F-9955-F682A8C020B3}"/>
               </a:ext>
             </a:extLst>
           </p:cNvPr>
-          <p:cNvPicPr>
-            <a:picLocks noChangeAspect="1"/>
-          </p:cNvPicPr>
-          <p:nvPr/>
-        </p:nvPicPr>
-        <p:blipFill>
-          <a:blip r:embed="rId18">
-            <a:extLst>
-              <a:ext uri="{96DAC541-7B7A-43D3-8B79-37D633B846F1}">
-                <asvg:svgBlip xmlns:asvg="http://schemas.microsoft.com/office/drawing/2016/SVG/main" r:embed="rId19"/>
-              </a:ext>
-            </a:extLst>
-          </a:blip>
-          <a:stretch>
-            <a:fillRect/>
-          </a:stretch>
-        </p:blipFill>
-        <p:spPr>
-          <a:xfrm>
-            <a:off x="7558004" y="3919156"/>
-            <a:ext cx="390092" cy="390092"/>
-          </a:xfrm>
-          <a:prstGeom prst="rect">
-            <a:avLst/>
-          </a:prstGeom>
-        </p:spPr>
-      </p:pic>
-      <p:sp>
-        <p:nvSpPr>
-          <p:cNvPr id="65" name="TextBox 64">
-            <a:extLst>
-              <a:ext uri="{FF2B5EF4-FFF2-40B4-BE49-F238E27FC236}">
-                <a16:creationId xmlns:a16="http://schemas.microsoft.com/office/drawing/2014/main" id="{F90C1CC4-DFE6-0445-BD1C-DB610E1A07F5}"/>
-              </a:ext>
-            </a:extLst>
-          </p:cNvPr>
-          <p:cNvSpPr txBox="1"/>
-          <p:nvPr/>
-        </p:nvSpPr>
-        <p:spPr>
-          <a:xfrm>
-            <a:off x="7010176" y="4257484"/>
-            <a:ext cx="1494726" cy="276999"/>
-          </a:xfrm>
-          <a:prstGeom prst="rect">
-            <a:avLst/>
-          </a:prstGeom>
-          <a:noFill/>
-        </p:spPr>
-        <p:txBody>
-          <a:bodyPr wrap="square" rtlCol="0">
-            <a:spAutoFit/>
-          </a:bodyPr>
-          <a:lstStyle/>
-          <a:p>
-            <a:pPr algn="ctr"/>
-            <a:r>
-              <a:rPr lang="en-US" sz="1200" dirty="0">
-                <a:solidFill>
-                  <a:srgbClr val="232F3D"/>
-                </a:solidFill>
-                <a:latin typeface="Arial" panose="020B0604020202020204"/>
-              </a:rPr>
-              <a:t>Arkime instance</a:t>
-            </a:r>
-          </a:p>
-        </p:txBody>
-      </p:sp>
-      <p:grpSp>
-        <p:nvGrpSpPr>
-          <p:cNvPr id="16" name="Group 15"/>
           <p:cNvGrpSpPr/>
           <p:nvPr/>
         </p:nvGrpSpPr>
         <p:grpSpPr>
           <a:xfrm>
-            <a:off x="7288223" y="1016000"/>
-            <a:ext cx="1362702" cy="734199"/>
-            <a:chOff x="8548447" y="1351724"/>
-            <a:chExt cx="1362702" cy="734199"/>
+            <a:off x="3255925" y="1178662"/>
+            <a:ext cx="2279650" cy="1040586"/>
+            <a:chOff x="9939346" y="2637616"/>
+            <a:chExt cx="2279650" cy="1040586"/>
           </a:xfrm>
         </p:grpSpPr>
-        <p:sp>
-          <p:nvSpPr>
-            <p:cNvPr id="82" name="TextBox 81">
+        <p:pic>
+          <p:nvPicPr>
+            <p:cNvPr id="106" name="Graphic 23">
               <a:extLst>
                 <a:ext uri="{FF2B5EF4-FFF2-40B4-BE49-F238E27FC236}">
-                  <a16:creationId xmlns:a16="http://schemas.microsoft.com/office/drawing/2014/main" id="{ECCA77A4-A05D-C240-8B5A-65701DACDE78}"/>
+                  <a16:creationId xmlns:a16="http://schemas.microsoft.com/office/drawing/2014/main" id="{0316825C-E8FE-D242-9AE4-1E556E177AFE}"/>
                 </a:ext>
               </a:extLst>
             </p:cNvPr>
-            <p:cNvSpPr txBox="1"/>
+            <p:cNvPicPr>
+              <a:picLocks noChangeAspect="1" noChangeArrowheads="1"/>
+            </p:cNvPicPr>
             <p:nvPr/>
-          </p:nvSpPr>
-          <p:spPr>
+          </p:nvPicPr>
+          <p:blipFill>
+            <a:blip r:embed="rId9">
+              <a:extLst>
+                <a:ext uri="{28A0092B-C50C-407E-A947-70E740481C1C}">
+                  <a14:useLocalDpi xmlns:a14="http://schemas.microsoft.com/office/drawing/2010/main" val="0"/>
+                </a:ext>
+              </a:extLst>
+            </a:blip>
+            <a:srcRect/>
+            <a:stretch>
+              <a:fillRect/>
+            </a:stretch>
+          </p:blipFill>
+          <p:spPr bwMode="auto">
             <a:xfrm>
-              <a:off x="8548447" y="1808924"/>
-              <a:ext cx="1362702" cy="276999"/>
+              <a:off x="10687058" y="2637616"/>
+              <a:ext cx="762000" cy="762000"/>
             </a:xfrm>
             <a:prstGeom prst="rect">
               <a:avLst/>
             </a:prstGeom>
             <a:noFill/>
+            <a:ln>
+              <a:noFill/>
+            </a:ln>
+            <a:extLst>
+              <a:ext uri="{909E8E84-426E-40DD-AFC4-6F175D3DCCD1}">
+                <a14:hiddenFill xmlns:a14="http://schemas.microsoft.com/office/drawing/2010/main">
+                  <a:solidFill>
+                    <a:srgbClr val="FFFFFF"/>
+                  </a:solidFill>
+                </a14:hiddenFill>
+              </a:ext>
+              <a:ext uri="{91240B29-F687-4F45-9708-019B960494DF}">
+                <a14:hiddenLine xmlns:a14="http://schemas.microsoft.com/office/drawing/2010/main" w="9525">
+                  <a:solidFill>
+                    <a:srgbClr val="000000"/>
+                  </a:solidFill>
+                  <a:miter lim="800000"/>
+                  <a:headEnd/>
+                  <a:tailEnd/>
+                </a14:hiddenLine>
+              </a:ext>
+            </a:extLst>
           </p:spPr>
-          <p:txBody>
-            <a:bodyPr wrap="square" rtlCol="0">
-              <a:spAutoFit/>
-            </a:bodyPr>
-            <a:lstStyle/>
-            <a:p>
-              <a:pPr algn="ctr"/>
-              <a:r>
-                <a:rPr lang="en-US" sz="1200" dirty="0">
-                  <a:latin typeface="Arial" panose="020B0604020202020204" pitchFamily="34" charset="0"/>
-                  <a:cs typeface="Arial" panose="020B0604020202020204" pitchFamily="34" charset="0"/>
-                </a:rPr>
-                <a:t>Wireshark ELB</a:t>
-              </a:r>
-              <a:endParaRPr lang="en-US" sz="1400" dirty="0">
-                <a:latin typeface="Arial" panose="020B0604020202020204" pitchFamily="34" charset="0"/>
-                <a:cs typeface="Arial" panose="020B0604020202020204" pitchFamily="34" charset="0"/>
-              </a:endParaRPr>
-            </a:p>
-          </p:txBody>
-        </p:sp>
-        <p:pic>
-          <p:nvPicPr>
-            <p:cNvPr id="92" name="Graphic 29">
+        </p:pic>
+        <p:sp>
+          <p:nvSpPr>
+            <p:cNvPr id="107" name="TextBox 12">
               <a:extLst>
                 <a:ext uri="{FF2B5EF4-FFF2-40B4-BE49-F238E27FC236}">
-                  <a16:creationId xmlns:a16="http://schemas.microsoft.com/office/drawing/2014/main" id="{1B447C9F-AE22-5D49-8823-1DF2B2150224}"/>
+                  <a16:creationId xmlns:a16="http://schemas.microsoft.com/office/drawing/2014/main" id="{D8B7EE3A-50FB-1941-8EDA-2AEE34BCDCB1}"/>
                 </a:ext>
               </a:extLst>
             </p:cNvPr>
-            <p:cNvPicPr>
-              <a:picLocks noChangeAspect="1"/>
-            </p:cNvPicPr>
+            <p:cNvSpPr txBox="1">
+              <a:spLocks noChangeArrowheads="1"/>
+            </p:cNvSpPr>
             <p:nvPr/>
-          </p:nvPicPr>
-          <p:blipFill>
-            <a:blip r:embed="rId20">
-              <a:extLst>
-                <a:ext uri="{96DAC541-7B7A-43D3-8B79-37D633B846F1}">
-                  <asvg:svgBlip xmlns:asvg="http://schemas.microsoft.com/office/drawing/2016/SVG/main" r:embed="rId21"/>
-                </a:ext>
-              </a:extLst>
-            </a:blip>
-            <a:stretch>
-              <a:fillRect/>
-            </a:stretch>
-          </p:blipFill>
-          <p:spPr>
+          </p:nvSpPr>
+          <p:spPr bwMode="auto">
             <a:xfrm>
-              <a:off x="8968330" y="1351724"/>
-              <a:ext cx="469900" cy="469900"/>
+              <a:off x="9939346" y="3401203"/>
+              <a:ext cx="2279650" cy="276999"/>
             </a:xfrm>
             <a:prstGeom prst="rect">
               <a:avLst/>
             </a:prstGeom>
+            <a:noFill/>
+            <a:ln>
+              <a:noFill/>
+            </a:ln>
+            <a:extLst>
+              <a:ext uri="{909E8E84-426E-40DD-AFC4-6F175D3DCCD1}">
+                <a14:hiddenFill xmlns:a14="http://schemas.microsoft.com/office/drawing/2010/main">
+                  <a:solidFill>
+                    <a:srgbClr val="FFFFFF"/>
+                  </a:solidFill>
+                </a14:hiddenFill>
+              </a:ext>
+              <a:ext uri="{91240B29-F687-4F45-9708-019B960494DF}">
+                <a14:hiddenLine xmlns:a14="http://schemas.microsoft.com/office/drawing/2010/main" w="9525">
+                  <a:solidFill>
+                    <a:srgbClr val="000000"/>
+                  </a:solidFill>
+                  <a:miter lim="800000"/>
+                  <a:headEnd/>
+                  <a:tailEnd/>
+                </a14:hiddenLine>
+              </a:ext>
+            </a:extLst>
           </p:spPr>
-        </p:pic>
+          <p:txBody>
+            <a:bodyPr>
+              <a:spAutoFit/>
+            </a:bodyPr>
+            <a:lstStyle>
+              <a:lvl1pPr>
+                <a:defRPr>
+                  <a:solidFill>
+                    <a:schemeClr val="tx1"/>
+                  </a:solidFill>
+                  <a:latin typeface="Calibri" panose="020F0502020204030204" pitchFamily="34" charset="0"/>
+                </a:defRPr>
+              </a:lvl1pPr>
+              <a:lvl2pPr marL="742950" indent="-285750">
+                <a:defRPr>
+                  <a:solidFill>
+                    <a:schemeClr val="tx1"/>
+                  </a:solidFill>
+                  <a:latin typeface="Calibri" panose="020F0502020204030204" pitchFamily="34" charset="0"/>
+                </a:defRPr>
+              </a:lvl2pPr>
+              <a:lvl3pPr marL="1143000" indent="-228600">
+                <a:defRPr>
+                  <a:solidFill>
+                    <a:schemeClr val="tx1"/>
+                  </a:solidFill>
+                  <a:latin typeface="Calibri" panose="020F0502020204030204" pitchFamily="34" charset="0"/>
+                </a:defRPr>
+              </a:lvl3pPr>
+              <a:lvl4pPr marL="1600200" indent="-228600">
+                <a:defRPr>
+                  <a:solidFill>
+                    <a:schemeClr val="tx1"/>
+                  </a:solidFill>
+                  <a:latin typeface="Calibri" panose="020F0502020204030204" pitchFamily="34" charset="0"/>
+                </a:defRPr>
+              </a:lvl4pPr>
+              <a:lvl5pPr marL="2057400" indent="-228600">
+                <a:defRPr>
+                  <a:solidFill>
+                    <a:schemeClr val="tx1"/>
+                  </a:solidFill>
+                  <a:latin typeface="Calibri" panose="020F0502020204030204" pitchFamily="34" charset="0"/>
+                </a:defRPr>
+              </a:lvl5pPr>
+              <a:lvl6pPr marL="2514600" indent="-228600" eaLnBrk="0" fontAlgn="base" hangingPunct="0">
+                <a:spcBef>
+                  <a:spcPct val="0"/>
+                </a:spcBef>
+                <a:spcAft>
+                  <a:spcPct val="0"/>
+                </a:spcAft>
+                <a:defRPr>
+                  <a:solidFill>
+                    <a:schemeClr val="tx1"/>
+                  </a:solidFill>
+                  <a:latin typeface="Calibri" panose="020F0502020204030204" pitchFamily="34" charset="0"/>
+                </a:defRPr>
+              </a:lvl6pPr>
+              <a:lvl7pPr marL="2971800" indent="-228600" eaLnBrk="0" fontAlgn="base" hangingPunct="0">
+                <a:spcBef>
+                  <a:spcPct val="0"/>
+                </a:spcBef>
+                <a:spcAft>
+                  <a:spcPct val="0"/>
+                </a:spcAft>
+                <a:defRPr>
+                  <a:solidFill>
+                    <a:schemeClr val="tx1"/>
+                  </a:solidFill>
+                  <a:latin typeface="Calibri" panose="020F0502020204030204" pitchFamily="34" charset="0"/>
+                </a:defRPr>
+              </a:lvl7pPr>
+              <a:lvl8pPr marL="3429000" indent="-228600" eaLnBrk="0" fontAlgn="base" hangingPunct="0">
+                <a:spcBef>
+                  <a:spcPct val="0"/>
+                </a:spcBef>
+                <a:spcAft>
+                  <a:spcPct val="0"/>
+                </a:spcAft>
+                <a:defRPr>
+                  <a:solidFill>
+                    <a:schemeClr val="tx1"/>
+                  </a:solidFill>
+                  <a:latin typeface="Calibri" panose="020F0502020204030204" pitchFamily="34" charset="0"/>
+                </a:defRPr>
+              </a:lvl8pPr>
+              <a:lvl9pPr marL="3886200" indent="-228600" eaLnBrk="0" fontAlgn="base" hangingPunct="0">
+                <a:spcBef>
+                  <a:spcPct val="0"/>
+                </a:spcBef>
+                <a:spcAft>
+                  <a:spcPct val="0"/>
+                </a:spcAft>
+                <a:defRPr>
+                  <a:solidFill>
+                    <a:schemeClr val="tx1"/>
+                  </a:solidFill>
+                  <a:latin typeface="Calibri" panose="020F0502020204030204" pitchFamily="34" charset="0"/>
+                </a:defRPr>
+              </a:lvl9pPr>
+            </a:lstStyle>
+            <a:p>
+              <a:pPr algn="ctr" eaLnBrk="1" hangingPunct="1"/>
+              <a:r>
+                <a:rPr lang="en-US" altLang="en-US" sz="1200" dirty="0">
+                  <a:latin typeface="Arial" panose="020B0604020202020204" pitchFamily="34" charset="0"/>
+                  <a:ea typeface="Amazon Ember" panose="020B0603020204020204" pitchFamily="34" charset="0"/>
+                  <a:cs typeface="Arial" panose="020B0604020202020204" pitchFamily="34" charset="0"/>
+                </a:rPr>
+                <a:t>Amazon DynamoDB</a:t>
+              </a:r>
+            </a:p>
+          </p:txBody>
+        </p:sp>
       </p:grpSp>
       <p:grpSp>
         <p:nvGrpSpPr>
-          <p:cNvPr id="11" name="Group 10"/>
+          <p:cNvPr id="34" name="Group 33">
+            <a:extLst>
+              <a:ext uri="{FF2B5EF4-FFF2-40B4-BE49-F238E27FC236}">
+                <a16:creationId xmlns:a16="http://schemas.microsoft.com/office/drawing/2014/main" id="{EF2C457A-C54E-C445-9110-41349F63B628}"/>
+              </a:ext>
+            </a:extLst>
+          </p:cNvPr>
           <p:cNvGrpSpPr/>
           <p:nvPr/>
         </p:nvGrpSpPr>
         <p:grpSpPr>
           <a:xfrm>
-            <a:off x="5916623" y="1016000"/>
-            <a:ext cx="976793" cy="734199"/>
-            <a:chOff x="7616305" y="1351724"/>
-            <a:chExt cx="976793" cy="734199"/>
-          </a:xfrm>
-        </p:grpSpPr>
-        <p:sp>
-          <p:nvSpPr>
-            <p:cNvPr id="80" name="TextBox 79">
-              <a:extLst>
-                <a:ext uri="{FF2B5EF4-FFF2-40B4-BE49-F238E27FC236}">
-                  <a16:creationId xmlns:a16="http://schemas.microsoft.com/office/drawing/2014/main" id="{ECCA77A4-A05D-C240-8B5A-65701DACDE78}"/>
-                </a:ext>
-              </a:extLst>
-            </p:cNvPr>
-            <p:cNvSpPr txBox="1"/>
-            <p:nvPr/>
-          </p:nvSpPr>
-          <p:spPr>
-            <a:xfrm>
-              <a:off x="7616305" y="1808924"/>
-              <a:ext cx="976793" cy="276999"/>
-            </a:xfrm>
-            <a:prstGeom prst="rect">
-              <a:avLst/>
-            </a:prstGeom>
-            <a:noFill/>
-          </p:spPr>
-          <p:txBody>
-            <a:bodyPr wrap="square" rtlCol="0">
-              <a:spAutoFit/>
-            </a:bodyPr>
-            <a:lstStyle/>
-            <a:p>
-              <a:pPr algn="ctr"/>
-              <a:r>
-                <a:rPr lang="en-US" sz="1200" dirty="0">
-                  <a:latin typeface="Arial" panose="020B0604020202020204" pitchFamily="34" charset="0"/>
-                  <a:cs typeface="Arial" panose="020B0604020202020204" pitchFamily="34" charset="0"/>
-                </a:rPr>
-                <a:t>Zeek ELB</a:t>
-              </a:r>
-              <a:endParaRPr lang="en-US" sz="1400" dirty="0">
-                <a:latin typeface="Arial" panose="020B0604020202020204" pitchFamily="34" charset="0"/>
-                <a:cs typeface="Arial" panose="020B0604020202020204" pitchFamily="34" charset="0"/>
-              </a:endParaRPr>
-            </a:p>
-          </p:txBody>
-        </p:sp>
-        <p:pic>
-          <p:nvPicPr>
-            <p:cNvPr id="93" name="Graphic 29">
-              <a:extLst>
-                <a:ext uri="{FF2B5EF4-FFF2-40B4-BE49-F238E27FC236}">
-                  <a16:creationId xmlns:a16="http://schemas.microsoft.com/office/drawing/2014/main" id="{1B447C9F-AE22-5D49-8823-1DF2B2150224}"/>
-                </a:ext>
-              </a:extLst>
-            </p:cNvPr>
-            <p:cNvPicPr>
-              <a:picLocks noChangeAspect="1"/>
-            </p:cNvPicPr>
-            <p:nvPr/>
-          </p:nvPicPr>
-          <p:blipFill>
-            <a:blip r:embed="rId20">
-              <a:extLst>
-                <a:ext uri="{96DAC541-7B7A-43D3-8B79-37D633B846F1}">
-                  <asvg:svgBlip xmlns:asvg="http://schemas.microsoft.com/office/drawing/2016/SVG/main" r:embed="rId21"/>
-                </a:ext>
-              </a:extLst>
-            </a:blip>
-            <a:stretch>
-              <a:fillRect/>
-            </a:stretch>
-          </p:blipFill>
-          <p:spPr>
-            <a:xfrm>
-              <a:off x="7836624" y="1351724"/>
-              <a:ext cx="469900" cy="469900"/>
-            </a:xfrm>
-            <a:prstGeom prst="rect">
-              <a:avLst/>
-            </a:prstGeom>
-          </p:spPr>
-        </p:pic>
-      </p:grpSp>
-      <p:grpSp>
-        <p:nvGrpSpPr>
-          <p:cNvPr id="12" name="Group 11"/>
-          <p:cNvGrpSpPr/>
-          <p:nvPr/>
-        </p:nvGrpSpPr>
-        <p:grpSpPr>
-          <a:xfrm>
-            <a:off x="4413171" y="1016000"/>
-            <a:ext cx="1221505" cy="734199"/>
-            <a:chOff x="3729551" y="1351724"/>
-            <a:chExt cx="1221505" cy="734199"/>
-          </a:xfrm>
-        </p:grpSpPr>
-        <p:sp>
-          <p:nvSpPr>
-            <p:cNvPr id="76" name="TextBox 75">
-              <a:extLst>
-                <a:ext uri="{FF2B5EF4-FFF2-40B4-BE49-F238E27FC236}">
-                  <a16:creationId xmlns:a16="http://schemas.microsoft.com/office/drawing/2014/main" id="{ECCA77A4-A05D-C240-8B5A-65701DACDE78}"/>
-                </a:ext>
-              </a:extLst>
-            </p:cNvPr>
-            <p:cNvSpPr txBox="1"/>
-            <p:nvPr/>
-          </p:nvSpPr>
-          <p:spPr>
-            <a:xfrm>
-              <a:off x="3729551" y="1808924"/>
-              <a:ext cx="1221505" cy="276999"/>
-            </a:xfrm>
-            <a:prstGeom prst="rect">
-              <a:avLst/>
-            </a:prstGeom>
-            <a:noFill/>
-          </p:spPr>
-          <p:txBody>
-            <a:bodyPr wrap="square" rtlCol="0">
-              <a:spAutoFit/>
-            </a:bodyPr>
-            <a:lstStyle>
-              <a:defPPr>
-                <a:defRPr lang="en-US"/>
-              </a:defPPr>
-              <a:lvl1pPr algn="ctr">
-                <a:defRPr sz="1400">
-                  <a:latin typeface="Arial" panose="020B0604020202020204" pitchFamily="34" charset="0"/>
-                  <a:cs typeface="Arial" panose="020B0604020202020204" pitchFamily="34" charset="0"/>
-                </a:defRPr>
-              </a:lvl1pPr>
-            </a:lstStyle>
-            <a:p>
-              <a:r>
-                <a:rPr lang="en-US" sz="1200" dirty="0"/>
-                <a:t>Suricata ELB</a:t>
-              </a:r>
-              <a:endParaRPr lang="en-US" dirty="0"/>
-            </a:p>
-          </p:txBody>
-        </p:sp>
-        <p:pic>
-          <p:nvPicPr>
-            <p:cNvPr id="95" name="Graphic 29">
-              <a:extLst>
-                <a:ext uri="{FF2B5EF4-FFF2-40B4-BE49-F238E27FC236}">
-                  <a16:creationId xmlns:a16="http://schemas.microsoft.com/office/drawing/2014/main" id="{1B447C9F-AE22-5D49-8823-1DF2B2150224}"/>
-                </a:ext>
-              </a:extLst>
-            </p:cNvPr>
-            <p:cNvPicPr>
-              <a:picLocks noChangeAspect="1"/>
-            </p:cNvPicPr>
-            <p:nvPr/>
-          </p:nvPicPr>
-          <p:blipFill>
-            <a:blip r:embed="rId20">
-              <a:extLst>
-                <a:ext uri="{96DAC541-7B7A-43D3-8B79-37D633B846F1}">
-                  <asvg:svgBlip xmlns:asvg="http://schemas.microsoft.com/office/drawing/2016/SVG/main" r:embed="rId21"/>
-                </a:ext>
-              </a:extLst>
-            </a:blip>
-            <a:stretch>
-              <a:fillRect/>
-            </a:stretch>
-          </p:blipFill>
-          <p:spPr>
-            <a:xfrm>
-              <a:off x="4088607" y="1351724"/>
-              <a:ext cx="469900" cy="469900"/>
-            </a:xfrm>
-            <a:prstGeom prst="rect">
-              <a:avLst/>
-            </a:prstGeom>
-          </p:spPr>
-        </p:pic>
-      </p:grpSp>
-      <p:grpSp>
-        <p:nvGrpSpPr>
-          <p:cNvPr id="3" name="Group 2"/>
-          <p:cNvGrpSpPr/>
-          <p:nvPr/>
-        </p:nvGrpSpPr>
-        <p:grpSpPr>
-          <a:xfrm>
-            <a:off x="3043746" y="1016000"/>
-            <a:ext cx="1026176" cy="734199"/>
-            <a:chOff x="2301966" y="1351724"/>
-            <a:chExt cx="1026176" cy="734199"/>
-          </a:xfrm>
-        </p:grpSpPr>
-        <p:sp>
-          <p:nvSpPr>
-            <p:cNvPr id="74" name="TextBox 73">
-              <a:extLst>
-                <a:ext uri="{FF2B5EF4-FFF2-40B4-BE49-F238E27FC236}">
-                  <a16:creationId xmlns:a16="http://schemas.microsoft.com/office/drawing/2014/main" id="{ECCA77A4-A05D-C240-8B5A-65701DACDE78}"/>
-                </a:ext>
-              </a:extLst>
-            </p:cNvPr>
-            <p:cNvSpPr txBox="1"/>
-            <p:nvPr/>
-          </p:nvSpPr>
-          <p:spPr>
-            <a:xfrm>
-              <a:off x="2301966" y="1808924"/>
-              <a:ext cx="1026176" cy="276999"/>
-            </a:xfrm>
-            <a:prstGeom prst="rect">
-              <a:avLst/>
-            </a:prstGeom>
-            <a:noFill/>
-          </p:spPr>
-          <p:txBody>
-            <a:bodyPr wrap="square" rtlCol="0">
-              <a:spAutoFit/>
-            </a:bodyPr>
-            <a:lstStyle/>
-            <a:p>
-              <a:pPr algn="ctr"/>
-              <a:r>
-                <a:rPr lang="en-US" sz="1200" dirty="0">
-                  <a:latin typeface="Arial" panose="020B0604020202020204" pitchFamily="34" charset="0"/>
-                  <a:cs typeface="Arial" panose="020B0604020202020204" pitchFamily="34" charset="0"/>
-                </a:rPr>
-                <a:t>Arkime ELB</a:t>
-              </a:r>
-            </a:p>
-          </p:txBody>
-        </p:sp>
-        <p:pic>
-          <p:nvPicPr>
-            <p:cNvPr id="96" name="Graphic 29">
-              <a:extLst>
-                <a:ext uri="{FF2B5EF4-FFF2-40B4-BE49-F238E27FC236}">
-                  <a16:creationId xmlns:a16="http://schemas.microsoft.com/office/drawing/2014/main" id="{1B447C9F-AE22-5D49-8823-1DF2B2150224}"/>
-                </a:ext>
-              </a:extLst>
-            </p:cNvPr>
-            <p:cNvPicPr>
-              <a:picLocks noChangeAspect="1"/>
-            </p:cNvPicPr>
-            <p:nvPr/>
-          </p:nvPicPr>
-          <p:blipFill>
-            <a:blip r:embed="rId20">
-              <a:extLst>
-                <a:ext uri="{96DAC541-7B7A-43D3-8B79-37D633B846F1}">
-                  <asvg:svgBlip xmlns:asvg="http://schemas.microsoft.com/office/drawing/2016/SVG/main" r:embed="rId21"/>
-                </a:ext>
-              </a:extLst>
-            </a:blip>
-            <a:stretch>
-              <a:fillRect/>
-            </a:stretch>
-          </p:blipFill>
-          <p:spPr>
-            <a:xfrm>
-              <a:off x="2589635" y="1351724"/>
-              <a:ext cx="469900" cy="469900"/>
-            </a:xfrm>
-            <a:prstGeom prst="rect">
-              <a:avLst/>
-            </a:prstGeom>
-          </p:spPr>
-        </p:pic>
-      </p:grpSp>
-      <p:grpSp>
-        <p:nvGrpSpPr>
-          <p:cNvPr id="121" name="Group 120"/>
-          <p:cNvGrpSpPr/>
-          <p:nvPr/>
-        </p:nvGrpSpPr>
-        <p:grpSpPr>
-          <a:xfrm>
-            <a:off x="3064830" y="4742116"/>
-            <a:ext cx="5433912" cy="619231"/>
-            <a:chOff x="3016588" y="4645152"/>
-            <a:chExt cx="5433912" cy="619231"/>
+            <a:off x="2112934" y="4381504"/>
+            <a:ext cx="4548419" cy="624797"/>
+            <a:chOff x="2108288" y="3630797"/>
+            <a:chExt cx="4548419" cy="624797"/>
           </a:xfrm>
         </p:grpSpPr>
         <p:grpSp>
           <p:nvGrpSpPr>
-            <p:cNvPr id="122" name="Group 121"/>
+            <p:cNvPr id="90" name="Group 89">
+              <a:extLst>
+                <a:ext uri="{FF2B5EF4-FFF2-40B4-BE49-F238E27FC236}">
+                  <a16:creationId xmlns:a16="http://schemas.microsoft.com/office/drawing/2014/main" id="{943D018A-622E-E845-B2A4-B7AEB4B2F2CA}"/>
+                </a:ext>
+              </a:extLst>
+            </p:cNvPr>
             <p:cNvGrpSpPr/>
             <p:nvPr/>
           </p:nvGrpSpPr>
           <p:grpSpPr>
             <a:xfrm>
-              <a:off x="3016588" y="4645152"/>
-              <a:ext cx="1416657" cy="619231"/>
-              <a:chOff x="3016588" y="4645152"/>
-              <a:chExt cx="1416657" cy="619231"/>
+              <a:off x="5110837" y="3630797"/>
+              <a:ext cx="1545870" cy="619231"/>
+              <a:chOff x="2946916" y="4645152"/>
+              <a:chExt cx="1545870" cy="619231"/>
             </a:xfrm>
           </p:grpSpPr>
           <p:pic>
             <p:nvPicPr>
-              <p:cNvPr id="126" name="Graphic 135">
+              <p:cNvPr id="109" name="Graphic 135">
                 <a:extLst>
                   <a:ext uri="{FF2B5EF4-FFF2-40B4-BE49-F238E27FC236}">
-                    <a16:creationId xmlns:a16="http://schemas.microsoft.com/office/drawing/2014/main" id="{C19987B1-DB3A-1640-994D-BCB81FCC1AE4}"/>
+                    <a16:creationId xmlns:a16="http://schemas.microsoft.com/office/drawing/2014/main" id="{F7F0E59B-5F13-CF41-AB4A-6E205373793D}"/>
                   </a:ext>
                 </a:extLst>
               </p:cNvPr>
@@ -4993,10 +3849,10 @@
               <p:nvPr/>
             </p:nvPicPr>
             <p:blipFill>
-              <a:blip r:embed="rId18">
+              <a:blip r:embed="rId10">
                 <a:extLst>
                   <a:ext uri="{96DAC541-7B7A-43D3-8B79-37D633B846F1}">
-                    <asvg:svgBlip xmlns:asvg="http://schemas.microsoft.com/office/drawing/2016/SVG/main" r:embed="rId19"/>
+                    <asvg:svgBlip xmlns:asvg="http://schemas.microsoft.com/office/drawing/2016/SVG/main" r:embed="rId11"/>
                   </a:ext>
                 </a:extLst>
               </a:blip>
@@ -5016,10 +3872,10 @@
           </p:pic>
           <p:sp>
             <p:nvSpPr>
-              <p:cNvPr id="127" name="TextBox 126">
+              <p:cNvPr id="110" name="TextBox 109">
                 <a:extLst>
                   <a:ext uri="{FF2B5EF4-FFF2-40B4-BE49-F238E27FC236}">
-                    <a16:creationId xmlns:a16="http://schemas.microsoft.com/office/drawing/2014/main" id="{F90C1CC4-DFE6-0445-BD1C-DB610E1A07F5}"/>
+                    <a16:creationId xmlns:a16="http://schemas.microsoft.com/office/drawing/2014/main" id="{39B21412-26CF-4B4E-AD56-3925AAC3824D}"/>
                   </a:ext>
                 </a:extLst>
               </p:cNvPr>
@@ -5028,8 +3884,8 @@
             </p:nvSpPr>
             <p:spPr>
               <a:xfrm>
-                <a:off x="3016588" y="4987384"/>
-                <a:ext cx="1416657" cy="276999"/>
+                <a:off x="2946916" y="4987384"/>
+                <a:ext cx="1545870" cy="276999"/>
               </a:xfrm>
               <a:prstGeom prst="rect">
                 <a:avLst/>
@@ -5050,7 +3906,7 @@
                     </a:solidFill>
                     <a:latin typeface="Arial" panose="020B0604020202020204"/>
                   </a:rPr>
-                  <a:t>Suricata instance</a:t>
+                  <a:t>Suricata</a:t>
                 </a:r>
               </a:p>
             </p:txBody>
@@ -5058,24 +3914,30 @@
         </p:grpSp>
         <p:grpSp>
           <p:nvGrpSpPr>
-            <p:cNvPr id="123" name="Group 122"/>
+            <p:cNvPr id="91" name="Group 90">
+              <a:extLst>
+                <a:ext uri="{FF2B5EF4-FFF2-40B4-BE49-F238E27FC236}">
+                  <a16:creationId xmlns:a16="http://schemas.microsoft.com/office/drawing/2014/main" id="{7C78C50C-55C8-294C-A522-C114C8CE8A9C}"/>
+                </a:ext>
+              </a:extLst>
+            </p:cNvPr>
             <p:cNvGrpSpPr/>
             <p:nvPr/>
           </p:nvGrpSpPr>
           <p:grpSpPr>
             <a:xfrm>
-              <a:off x="7033843" y="4645152"/>
-              <a:ext cx="1416657" cy="615327"/>
-              <a:chOff x="7033843" y="4645152"/>
-              <a:chExt cx="1416657" cy="615327"/>
+              <a:off x="2108288" y="3630797"/>
+              <a:ext cx="1545870" cy="619231"/>
+              <a:chOff x="2946916" y="4645152"/>
+              <a:chExt cx="1545870" cy="619231"/>
             </a:xfrm>
           </p:grpSpPr>
           <p:pic>
             <p:nvPicPr>
-              <p:cNvPr id="124" name="Graphic 135">
+              <p:cNvPr id="103" name="Graphic 135">
                 <a:extLst>
                   <a:ext uri="{FF2B5EF4-FFF2-40B4-BE49-F238E27FC236}">
-                    <a16:creationId xmlns:a16="http://schemas.microsoft.com/office/drawing/2014/main" id="{C19987B1-DB3A-1640-994D-BCB81FCC1AE4}"/>
+                    <a16:creationId xmlns:a16="http://schemas.microsoft.com/office/drawing/2014/main" id="{F30EDA35-6490-7843-890C-C93B489384AD}"/>
                   </a:ext>
                 </a:extLst>
               </p:cNvPr>
@@ -5085,10 +3947,10 @@
               <p:nvPr/>
             </p:nvPicPr>
             <p:blipFill>
-              <a:blip r:embed="rId18">
+              <a:blip r:embed="rId10">
                 <a:extLst>
                   <a:ext uri="{96DAC541-7B7A-43D3-8B79-37D633B846F1}">
-                    <asvg:svgBlip xmlns:asvg="http://schemas.microsoft.com/office/drawing/2016/SVG/main" r:embed="rId19"/>
+                    <asvg:svgBlip xmlns:asvg="http://schemas.microsoft.com/office/drawing/2016/SVG/main" r:embed="rId11"/>
                   </a:ext>
                 </a:extLst>
               </a:blip>
@@ -5098,7 +3960,7 @@
             </p:blipFill>
             <p:spPr>
               <a:xfrm>
-                <a:off x="7538126" y="4645152"/>
+                <a:off x="3520870" y="4645152"/>
                 <a:ext cx="390092" cy="390092"/>
               </a:xfrm>
               <a:prstGeom prst="rect">
@@ -5108,10 +3970,10 @@
           </p:pic>
           <p:sp>
             <p:nvSpPr>
-              <p:cNvPr id="125" name="TextBox 124">
+              <p:cNvPr id="108" name="TextBox 107">
                 <a:extLst>
                   <a:ext uri="{FF2B5EF4-FFF2-40B4-BE49-F238E27FC236}">
-                    <a16:creationId xmlns:a16="http://schemas.microsoft.com/office/drawing/2014/main" id="{F90C1CC4-DFE6-0445-BD1C-DB610E1A07F5}"/>
+                    <a16:creationId xmlns:a16="http://schemas.microsoft.com/office/drawing/2014/main" id="{CF3D2193-4F2B-964F-93C4-223BDCA09280}"/>
                   </a:ext>
                 </a:extLst>
               </p:cNvPr>
@@ -5120,8 +3982,8 @@
             </p:nvSpPr>
             <p:spPr>
               <a:xfrm>
-                <a:off x="7033843" y="4983480"/>
-                <a:ext cx="1416657" cy="276999"/>
+                <a:off x="2946916" y="4987384"/>
+                <a:ext cx="1545870" cy="276999"/>
               </a:xfrm>
               <a:prstGeom prst="rect">
                 <a:avLst/>
@@ -5142,1012 +4004,2132 @@
                     </a:solidFill>
                     <a:latin typeface="Arial" panose="020B0604020202020204"/>
                   </a:rPr>
-                  <a:t>Suricata instance</a:t>
+                  <a:t>Suricata Client</a:t>
                 </a:r>
               </a:p>
             </p:txBody>
           </p:sp>
         </p:grpSp>
+        <p:pic>
+          <p:nvPicPr>
+            <p:cNvPr id="97" name="Graphic 33">
+              <a:extLst>
+                <a:ext uri="{FF2B5EF4-FFF2-40B4-BE49-F238E27FC236}">
+                  <a16:creationId xmlns:a16="http://schemas.microsoft.com/office/drawing/2014/main" id="{8705539C-09BF-0042-A9CA-07407140CEF1}"/>
+                </a:ext>
+              </a:extLst>
+            </p:cNvPr>
+            <p:cNvPicPr>
+              <a:picLocks noChangeAspect="1" noChangeArrowheads="1"/>
+            </p:cNvPicPr>
+            <p:nvPr/>
+          </p:nvPicPr>
+          <p:blipFill>
+            <a:blip r:embed="rId12">
+              <a:extLst>
+                <a:ext uri="{28A0092B-C50C-407E-A947-70E740481C1C}">
+                  <a14:useLocalDpi xmlns:a14="http://schemas.microsoft.com/office/drawing/2010/main" val="0"/>
+                </a:ext>
+              </a:extLst>
+            </a:blip>
+            <a:srcRect/>
+            <a:stretch>
+              <a:fillRect/>
+            </a:stretch>
+          </p:blipFill>
+          <p:spPr bwMode="auto">
+            <a:xfrm>
+              <a:off x="4221120" y="3680888"/>
+              <a:ext cx="328502" cy="328502"/>
+            </a:xfrm>
+            <a:prstGeom prst="rect">
+              <a:avLst/>
+            </a:prstGeom>
+            <a:noFill/>
+            <a:ln>
+              <a:noFill/>
+            </a:ln>
+            <a:extLst>
+              <a:ext uri="{909E8E84-426E-40DD-AFC4-6F175D3DCCD1}">
+                <a14:hiddenFill xmlns:a14="http://schemas.microsoft.com/office/drawing/2010/main">
+                  <a:solidFill>
+                    <a:srgbClr val="FFFFFF"/>
+                  </a:solidFill>
+                </a14:hiddenFill>
+              </a:ext>
+              <a:ext uri="{91240B29-F687-4F45-9708-019B960494DF}">
+                <a14:hiddenLine xmlns:a14="http://schemas.microsoft.com/office/drawing/2010/main" w="9525">
+                  <a:solidFill>
+                    <a:srgbClr val="000000"/>
+                  </a:solidFill>
+                  <a:miter lim="800000"/>
+                  <a:headEnd/>
+                  <a:tailEnd/>
+                </a14:hiddenLine>
+              </a:ext>
+            </a:extLst>
+          </p:spPr>
+        </p:pic>
+        <p:sp>
+          <p:nvSpPr>
+            <p:cNvPr id="98" name="TextBox 97">
+              <a:extLst>
+                <a:ext uri="{FF2B5EF4-FFF2-40B4-BE49-F238E27FC236}">
+                  <a16:creationId xmlns:a16="http://schemas.microsoft.com/office/drawing/2014/main" id="{DEE3C486-391D-7E4F-B8E5-1142E1273018}"/>
+                </a:ext>
+              </a:extLst>
+            </p:cNvPr>
+            <p:cNvSpPr txBox="1"/>
+            <p:nvPr/>
+          </p:nvSpPr>
+          <p:spPr>
+            <a:xfrm>
+              <a:off x="3708107" y="4009373"/>
+              <a:ext cx="1416657" cy="246221"/>
+            </a:xfrm>
+            <a:prstGeom prst="rect">
+              <a:avLst/>
+            </a:prstGeom>
+            <a:noFill/>
+          </p:spPr>
+          <p:txBody>
+            <a:bodyPr wrap="square" rtlCol="0">
+              <a:spAutoFit/>
+            </a:bodyPr>
+            <a:lstStyle/>
+            <a:p>
+              <a:r>
+                <a:rPr lang="en-US" sz="1000" dirty="0">
+                  <a:solidFill>
+                    <a:srgbClr val="232F3D"/>
+                  </a:solidFill>
+                  <a:latin typeface="Arial" panose="020B0604020202020204"/>
+                </a:rPr>
+                <a:t>Suricata Traffic Mirror</a:t>
+              </a:r>
+            </a:p>
+          </p:txBody>
+        </p:sp>
+        <p:cxnSp>
+          <p:nvCxnSpPr>
+            <p:cNvPr id="152" name="Straight Arrow Connector 151">
+              <a:extLst>
+                <a:ext uri="{FF2B5EF4-FFF2-40B4-BE49-F238E27FC236}">
+                  <a16:creationId xmlns:a16="http://schemas.microsoft.com/office/drawing/2014/main" id="{E492AA89-6951-5D45-9D10-A5D70956F8FA}"/>
+                </a:ext>
+              </a:extLst>
+            </p:cNvPr>
+            <p:cNvCxnSpPr>
+              <a:cxnSpLocks/>
+            </p:cNvCxnSpPr>
+            <p:nvPr/>
+          </p:nvCxnSpPr>
+          <p:spPr bwMode="auto">
+            <a:xfrm>
+              <a:off x="3036982" y="3835684"/>
+              <a:ext cx="1198813" cy="0"/>
+            </a:xfrm>
+            <a:prstGeom prst="straightConnector1">
+              <a:avLst/>
+            </a:prstGeom>
+            <a:ln w="12700">
+              <a:solidFill>
+                <a:srgbClr val="545B64"/>
+              </a:solidFill>
+              <a:headEnd type="none" w="med" len="sm"/>
+              <a:tailEnd type="arrow" w="med" len="sm"/>
+            </a:ln>
+          </p:spPr>
+          <p:style>
+            <a:lnRef idx="1">
+              <a:schemeClr val="accent1"/>
+            </a:lnRef>
+            <a:fillRef idx="0">
+              <a:schemeClr val="accent1"/>
+            </a:fillRef>
+            <a:effectRef idx="0">
+              <a:schemeClr val="accent1"/>
+            </a:effectRef>
+            <a:fontRef idx="minor">
+              <a:schemeClr val="tx1"/>
+            </a:fontRef>
+          </p:style>
+        </p:cxnSp>
+        <p:cxnSp>
+          <p:nvCxnSpPr>
+            <p:cNvPr id="153" name="Straight Arrow Connector 152">
+              <a:extLst>
+                <a:ext uri="{FF2B5EF4-FFF2-40B4-BE49-F238E27FC236}">
+                  <a16:creationId xmlns:a16="http://schemas.microsoft.com/office/drawing/2014/main" id="{C5D31DDE-0E24-7740-B6CD-2A1441C2E695}"/>
+                </a:ext>
+              </a:extLst>
+            </p:cNvPr>
+            <p:cNvCxnSpPr>
+              <a:cxnSpLocks/>
+            </p:cNvCxnSpPr>
+            <p:nvPr/>
+          </p:nvCxnSpPr>
+          <p:spPr bwMode="auto">
+            <a:xfrm>
+              <a:off x="4527375" y="3835684"/>
+              <a:ext cx="1198813" cy="0"/>
+            </a:xfrm>
+            <a:prstGeom prst="straightConnector1">
+              <a:avLst/>
+            </a:prstGeom>
+            <a:ln w="12700">
+              <a:solidFill>
+                <a:srgbClr val="545B64"/>
+              </a:solidFill>
+              <a:headEnd type="none" w="med" len="sm"/>
+              <a:tailEnd type="arrow" w="med" len="sm"/>
+            </a:ln>
+          </p:spPr>
+          <p:style>
+            <a:lnRef idx="1">
+              <a:schemeClr val="accent1"/>
+            </a:lnRef>
+            <a:fillRef idx="0">
+              <a:schemeClr val="accent1"/>
+            </a:fillRef>
+            <a:effectRef idx="0">
+              <a:schemeClr val="accent1"/>
+            </a:effectRef>
+            <a:fontRef idx="minor">
+              <a:schemeClr val="tx1"/>
+            </a:fontRef>
+          </p:style>
+        </p:cxnSp>
       </p:grpSp>
       <p:grpSp>
         <p:nvGrpSpPr>
-          <p:cNvPr id="128" name="Group 127"/>
+          <p:cNvPr id="39" name="Group 38">
+            <a:extLst>
+              <a:ext uri="{FF2B5EF4-FFF2-40B4-BE49-F238E27FC236}">
+                <a16:creationId xmlns:a16="http://schemas.microsoft.com/office/drawing/2014/main" id="{0DB447F8-1795-F44F-BA99-6C62F646CC66}"/>
+              </a:ext>
+            </a:extLst>
+          </p:cNvPr>
           <p:cNvGrpSpPr/>
           <p:nvPr/>
         </p:nvGrpSpPr>
         <p:grpSpPr>
           <a:xfrm>
-            <a:off x="2990610" y="5565076"/>
-            <a:ext cx="5508133" cy="619231"/>
-            <a:chOff x="2942368" y="4645152"/>
-            <a:chExt cx="5508133" cy="619231"/>
+            <a:off x="6072499" y="4431523"/>
+            <a:ext cx="2012582" cy="246221"/>
+            <a:chOff x="6072499" y="4431523"/>
+            <a:chExt cx="2012582" cy="246221"/>
+          </a:xfrm>
+        </p:grpSpPr>
+        <p:sp>
+          <p:nvSpPr>
+            <p:cNvPr id="194" name="TextBox 193">
+              <a:extLst>
+                <a:ext uri="{FF2B5EF4-FFF2-40B4-BE49-F238E27FC236}">
+                  <a16:creationId xmlns:a16="http://schemas.microsoft.com/office/drawing/2014/main" id="{1C95A6FF-300D-DC4D-8319-BBD29DA295CA}"/>
+                </a:ext>
+              </a:extLst>
+            </p:cNvPr>
+            <p:cNvSpPr txBox="1"/>
+            <p:nvPr/>
+          </p:nvSpPr>
+          <p:spPr>
+            <a:xfrm>
+              <a:off x="6766239" y="4431523"/>
+              <a:ext cx="507335" cy="246221"/>
+            </a:xfrm>
+            <a:prstGeom prst="rect">
+              <a:avLst/>
+            </a:prstGeom>
+            <a:noFill/>
+          </p:spPr>
+          <p:txBody>
+            <a:bodyPr wrap="square" rtlCol="0">
+              <a:spAutoFit/>
+            </a:bodyPr>
+            <a:lstStyle/>
+            <a:p>
+              <a:r>
+                <a:rPr lang="en-US" sz="1000" dirty="0">
+                  <a:solidFill>
+                    <a:srgbClr val="232F3D"/>
+                  </a:solidFill>
+                  <a:latin typeface="Arial" panose="020B0604020202020204"/>
+                </a:rPr>
+                <a:t>Logs</a:t>
+              </a:r>
+            </a:p>
+          </p:txBody>
+        </p:sp>
+        <p:cxnSp>
+          <p:nvCxnSpPr>
+            <p:cNvPr id="193" name="Straight Arrow Connector 192">
+              <a:extLst>
+                <a:ext uri="{FF2B5EF4-FFF2-40B4-BE49-F238E27FC236}">
+                  <a16:creationId xmlns:a16="http://schemas.microsoft.com/office/drawing/2014/main" id="{E6DF8942-5915-804C-ADBF-A8E243B6A93A}"/>
+                </a:ext>
+              </a:extLst>
+            </p:cNvPr>
+            <p:cNvCxnSpPr>
+              <a:cxnSpLocks/>
+            </p:cNvCxnSpPr>
+            <p:nvPr/>
+          </p:nvCxnSpPr>
+          <p:spPr bwMode="auto">
+            <a:xfrm>
+              <a:off x="6072499" y="4634017"/>
+              <a:ext cx="2012582" cy="9758"/>
+            </a:xfrm>
+            <a:prstGeom prst="straightConnector1">
+              <a:avLst/>
+            </a:prstGeom>
+            <a:ln w="12700">
+              <a:solidFill>
+                <a:srgbClr val="545B64"/>
+              </a:solidFill>
+              <a:headEnd type="none" w="med" len="sm"/>
+              <a:tailEnd type="arrow" w="med" len="sm"/>
+            </a:ln>
+          </p:spPr>
+          <p:style>
+            <a:lnRef idx="1">
+              <a:schemeClr val="accent1"/>
+            </a:lnRef>
+            <a:fillRef idx="0">
+              <a:schemeClr val="accent1"/>
+            </a:fillRef>
+            <a:effectRef idx="0">
+              <a:schemeClr val="accent1"/>
+            </a:effectRef>
+            <a:fontRef idx="minor">
+              <a:schemeClr val="tx1"/>
+            </a:fontRef>
+          </p:style>
+        </p:cxnSp>
+      </p:grpSp>
+      <p:grpSp>
+        <p:nvGrpSpPr>
+          <p:cNvPr id="154" name="Group 153">
+            <a:extLst>
+              <a:ext uri="{FF2B5EF4-FFF2-40B4-BE49-F238E27FC236}">
+                <a16:creationId xmlns:a16="http://schemas.microsoft.com/office/drawing/2014/main" id="{83A36381-3C7E-EE47-AFC3-D698F55BCB1D}"/>
+              </a:ext>
+            </a:extLst>
+          </p:cNvPr>
+          <p:cNvGrpSpPr/>
+          <p:nvPr/>
+        </p:nvGrpSpPr>
+        <p:grpSpPr>
+          <a:xfrm>
+            <a:off x="2112934" y="3404457"/>
+            <a:ext cx="4548419" cy="624797"/>
+            <a:chOff x="2109313" y="2869272"/>
+            <a:chExt cx="4548419" cy="624797"/>
           </a:xfrm>
         </p:grpSpPr>
         <p:grpSp>
           <p:nvGrpSpPr>
-            <p:cNvPr id="129" name="Group 128"/>
+            <p:cNvPr id="155" name="Group 154">
+              <a:extLst>
+                <a:ext uri="{FF2B5EF4-FFF2-40B4-BE49-F238E27FC236}">
+                  <a16:creationId xmlns:a16="http://schemas.microsoft.com/office/drawing/2014/main" id="{E2C43451-A715-714A-9F63-E536BE537091}"/>
+                </a:ext>
+              </a:extLst>
+            </p:cNvPr>
             <p:cNvGrpSpPr/>
             <p:nvPr/>
           </p:nvGrpSpPr>
           <p:grpSpPr>
             <a:xfrm>
-              <a:off x="2942368" y="4645152"/>
-              <a:ext cx="1490877" cy="619231"/>
-              <a:chOff x="2942368" y="4645152"/>
-              <a:chExt cx="1490877" cy="619231"/>
+              <a:off x="2109313" y="2869272"/>
+              <a:ext cx="4548419" cy="624797"/>
+              <a:chOff x="2529645" y="3949328"/>
+              <a:chExt cx="4548419" cy="624797"/>
             </a:xfrm>
           </p:grpSpPr>
-          <p:pic>
-            <p:nvPicPr>
-              <p:cNvPr id="133" name="Graphic 135">
+          <p:grpSp>
+            <p:nvGrpSpPr>
+              <p:cNvPr id="158" name="Group 157">
                 <a:extLst>
                   <a:ext uri="{FF2B5EF4-FFF2-40B4-BE49-F238E27FC236}">
-                    <a16:creationId xmlns:a16="http://schemas.microsoft.com/office/drawing/2014/main" id="{C19987B1-DB3A-1640-994D-BCB81FCC1AE4}"/>
+                    <a16:creationId xmlns:a16="http://schemas.microsoft.com/office/drawing/2014/main" id="{DDFEABC1-61DA-0348-AFFA-EBDA617A19A0}"/>
                   </a:ext>
                 </a:extLst>
               </p:cNvPr>
-              <p:cNvPicPr>
-                <a:picLocks noChangeAspect="1"/>
-              </p:cNvPicPr>
+              <p:cNvGrpSpPr/>
               <p:nvPr/>
-            </p:nvPicPr>
-            <p:blipFill>
-              <a:blip r:embed="rId18">
-                <a:extLst>
-                  <a:ext uri="{96DAC541-7B7A-43D3-8B79-37D633B846F1}">
-                    <asvg:svgBlip xmlns:asvg="http://schemas.microsoft.com/office/drawing/2016/SVG/main" r:embed="rId19"/>
-                  </a:ext>
-                </a:extLst>
-              </a:blip>
-              <a:stretch>
-                <a:fillRect/>
-              </a:stretch>
-            </p:blipFill>
-            <p:spPr>
+            </p:nvGrpSpPr>
+            <p:grpSpPr>
               <a:xfrm>
-                <a:off x="3520870" y="4645152"/>
-                <a:ext cx="390092" cy="390092"/>
+                <a:off x="5532194" y="3949328"/>
+                <a:ext cx="1545870" cy="619231"/>
+                <a:chOff x="2946916" y="4645152"/>
+                <a:chExt cx="1545870" cy="619231"/>
               </a:xfrm>
-              <a:prstGeom prst="rect">
-                <a:avLst/>
-              </a:prstGeom>
-            </p:spPr>
-          </p:pic>
-          <p:sp>
-            <p:nvSpPr>
-              <p:cNvPr id="134" name="TextBox 133">
-                <a:extLst>
-                  <a:ext uri="{FF2B5EF4-FFF2-40B4-BE49-F238E27FC236}">
-                    <a16:creationId xmlns:a16="http://schemas.microsoft.com/office/drawing/2014/main" id="{F90C1CC4-DFE6-0445-BD1C-DB610E1A07F5}"/>
-                  </a:ext>
-                </a:extLst>
-              </p:cNvPr>
-              <p:cNvSpPr txBox="1"/>
-              <p:nvPr/>
-            </p:nvSpPr>
-            <p:spPr>
-              <a:xfrm>
-                <a:off x="2942368" y="4987384"/>
-                <a:ext cx="1490877" cy="276999"/>
-              </a:xfrm>
-              <a:prstGeom prst="rect">
-                <a:avLst/>
-              </a:prstGeom>
-              <a:noFill/>
-            </p:spPr>
-            <p:txBody>
-              <a:bodyPr wrap="square" rtlCol="0">
-                <a:spAutoFit/>
-              </a:bodyPr>
-              <a:lstStyle/>
-              <a:p>
-                <a:pPr algn="ctr"/>
-                <a:r>
-                  <a:rPr lang="en-US" sz="1200" dirty="0">
+            </p:grpSpPr>
+            <p:pic>
+              <p:nvPicPr>
+                <p:cNvPr id="165" name="Graphic 135">
+                  <a:extLst>
+                    <a:ext uri="{FF2B5EF4-FFF2-40B4-BE49-F238E27FC236}">
+                      <a16:creationId xmlns:a16="http://schemas.microsoft.com/office/drawing/2014/main" id="{DAC801F3-A9F6-CA4E-8769-4BA5B476DFDC}"/>
+                    </a:ext>
+                  </a:extLst>
+                </p:cNvPr>
+                <p:cNvPicPr>
+                  <a:picLocks noChangeAspect="1"/>
+                </p:cNvPicPr>
+                <p:nvPr/>
+              </p:nvPicPr>
+              <p:blipFill>
+                <a:blip r:embed="rId10">
+                  <a:extLst>
+                    <a:ext uri="{96DAC541-7B7A-43D3-8B79-37D633B846F1}">
+                      <asvg:svgBlip xmlns:asvg="http://schemas.microsoft.com/office/drawing/2016/SVG/main" r:embed="rId11"/>
+                    </a:ext>
+                  </a:extLst>
+                </a:blip>
+                <a:stretch>
+                  <a:fillRect/>
+                </a:stretch>
+              </p:blipFill>
+              <p:spPr>
+                <a:xfrm>
+                  <a:off x="3520870" y="4645152"/>
+                  <a:ext cx="390092" cy="390092"/>
+                </a:xfrm>
+                <a:prstGeom prst="rect">
+                  <a:avLst/>
+                </a:prstGeom>
+              </p:spPr>
+            </p:pic>
+            <p:sp>
+              <p:nvSpPr>
+                <p:cNvPr id="166" name="TextBox 165">
+                  <a:extLst>
+                    <a:ext uri="{FF2B5EF4-FFF2-40B4-BE49-F238E27FC236}">
+                      <a16:creationId xmlns:a16="http://schemas.microsoft.com/office/drawing/2014/main" id="{6AAC87A7-117F-3E4F-9D50-DC1B037AA478}"/>
+                    </a:ext>
+                  </a:extLst>
+                </p:cNvPr>
+                <p:cNvSpPr txBox="1"/>
+                <p:nvPr/>
+              </p:nvSpPr>
+              <p:spPr>
+                <a:xfrm>
+                  <a:off x="2946916" y="4987384"/>
+                  <a:ext cx="1545870" cy="276999"/>
+                </a:xfrm>
+                <a:prstGeom prst="rect">
+                  <a:avLst/>
+                </a:prstGeom>
+                <a:noFill/>
+              </p:spPr>
+              <p:txBody>
+                <a:bodyPr wrap="square" rtlCol="0">
+                  <a:spAutoFit/>
+                </a:bodyPr>
+                <a:lstStyle/>
+                <a:p>
+                  <a:pPr algn="ctr"/>
+                  <a:r>
+                    <a:rPr lang="en-US" sz="1200" dirty="0" err="1">
+                      <a:solidFill>
+                        <a:srgbClr val="232F3D"/>
+                      </a:solidFill>
+                      <a:latin typeface="Arial" panose="020B0604020202020204"/>
+                    </a:rPr>
+                    <a:t>Arkime</a:t>
+                  </a:r>
+                  <a:endParaRPr lang="en-US" sz="1200" dirty="0">
                     <a:solidFill>
                       <a:srgbClr val="232F3D"/>
                     </a:solidFill>
                     <a:latin typeface="Arial" panose="020B0604020202020204"/>
-                  </a:rPr>
-                  <a:t>Wireshark instance</a:t>
-                </a:r>
-              </a:p>
-            </p:txBody>
-          </p:sp>
+                  </a:endParaRPr>
+                </a:p>
+              </p:txBody>
+            </p:sp>
+          </p:grpSp>
+          <p:grpSp>
+            <p:nvGrpSpPr>
+              <p:cNvPr id="159" name="Group 158">
+                <a:extLst>
+                  <a:ext uri="{FF2B5EF4-FFF2-40B4-BE49-F238E27FC236}">
+                    <a16:creationId xmlns:a16="http://schemas.microsoft.com/office/drawing/2014/main" id="{88EED78E-8D7F-6E44-AAC9-9FD69EDA72F0}"/>
+                  </a:ext>
+                </a:extLst>
+              </p:cNvPr>
+              <p:cNvGrpSpPr/>
+              <p:nvPr/>
+            </p:nvGrpSpPr>
+            <p:grpSpPr>
+              <a:xfrm>
+                <a:off x="2529645" y="3949328"/>
+                <a:ext cx="1545870" cy="619231"/>
+                <a:chOff x="2946916" y="4645152"/>
+                <a:chExt cx="1545870" cy="619231"/>
+              </a:xfrm>
+            </p:grpSpPr>
+            <p:pic>
+              <p:nvPicPr>
+                <p:cNvPr id="163" name="Graphic 135">
+                  <a:extLst>
+                    <a:ext uri="{FF2B5EF4-FFF2-40B4-BE49-F238E27FC236}">
+                      <a16:creationId xmlns:a16="http://schemas.microsoft.com/office/drawing/2014/main" id="{95561106-FBF9-BD48-A45D-D22D28C8B2C5}"/>
+                    </a:ext>
+                  </a:extLst>
+                </p:cNvPr>
+                <p:cNvPicPr>
+                  <a:picLocks noChangeAspect="1"/>
+                </p:cNvPicPr>
+                <p:nvPr/>
+              </p:nvPicPr>
+              <p:blipFill>
+                <a:blip r:embed="rId10">
+                  <a:extLst>
+                    <a:ext uri="{96DAC541-7B7A-43D3-8B79-37D633B846F1}">
+                      <asvg:svgBlip xmlns:asvg="http://schemas.microsoft.com/office/drawing/2016/SVG/main" r:embed="rId11"/>
+                    </a:ext>
+                  </a:extLst>
+                </a:blip>
+                <a:stretch>
+                  <a:fillRect/>
+                </a:stretch>
+              </p:blipFill>
+              <p:spPr>
+                <a:xfrm>
+                  <a:off x="3520870" y="4645152"/>
+                  <a:ext cx="390092" cy="390092"/>
+                </a:xfrm>
+                <a:prstGeom prst="rect">
+                  <a:avLst/>
+                </a:prstGeom>
+              </p:spPr>
+            </p:pic>
+            <p:sp>
+              <p:nvSpPr>
+                <p:cNvPr id="164" name="TextBox 163">
+                  <a:extLst>
+                    <a:ext uri="{FF2B5EF4-FFF2-40B4-BE49-F238E27FC236}">
+                      <a16:creationId xmlns:a16="http://schemas.microsoft.com/office/drawing/2014/main" id="{7F60935B-6781-8845-B5FC-19DC4986E8FD}"/>
+                    </a:ext>
+                  </a:extLst>
+                </p:cNvPr>
+                <p:cNvSpPr txBox="1"/>
+                <p:nvPr/>
+              </p:nvSpPr>
+              <p:spPr>
+                <a:xfrm>
+                  <a:off x="2946916" y="4987384"/>
+                  <a:ext cx="1545870" cy="276999"/>
+                </a:xfrm>
+                <a:prstGeom prst="rect">
+                  <a:avLst/>
+                </a:prstGeom>
+                <a:noFill/>
+              </p:spPr>
+              <p:txBody>
+                <a:bodyPr wrap="square" rtlCol="0">
+                  <a:spAutoFit/>
+                </a:bodyPr>
+                <a:lstStyle/>
+                <a:p>
+                  <a:pPr algn="ctr"/>
+                  <a:r>
+                    <a:rPr lang="en-US" sz="1200" dirty="0" err="1">
+                      <a:solidFill>
+                        <a:srgbClr val="232F3D"/>
+                      </a:solidFill>
+                      <a:latin typeface="Arial" panose="020B0604020202020204"/>
+                    </a:rPr>
+                    <a:t>Arkime</a:t>
+                  </a:r>
+                  <a:r>
+                    <a:rPr lang="en-US" sz="1200" dirty="0">
+                      <a:solidFill>
+                        <a:srgbClr val="232F3D"/>
+                      </a:solidFill>
+                      <a:latin typeface="Arial" panose="020B0604020202020204"/>
+                    </a:rPr>
+                    <a:t> Client</a:t>
+                  </a:r>
+                </a:p>
+              </p:txBody>
+            </p:sp>
+          </p:grpSp>
+          <p:grpSp>
+            <p:nvGrpSpPr>
+              <p:cNvPr id="160" name="Group 159">
+                <a:extLst>
+                  <a:ext uri="{FF2B5EF4-FFF2-40B4-BE49-F238E27FC236}">
+                    <a16:creationId xmlns:a16="http://schemas.microsoft.com/office/drawing/2014/main" id="{14086930-99E0-F64A-98C9-F65C0A1340E0}"/>
+                  </a:ext>
+                </a:extLst>
+              </p:cNvPr>
+              <p:cNvGrpSpPr/>
+              <p:nvPr/>
+            </p:nvGrpSpPr>
+            <p:grpSpPr>
+              <a:xfrm>
+                <a:off x="4129464" y="3999419"/>
+                <a:ext cx="1416657" cy="574706"/>
+                <a:chOff x="4129464" y="4071731"/>
+                <a:chExt cx="1416657" cy="574706"/>
+              </a:xfrm>
+            </p:grpSpPr>
+            <p:pic>
+              <p:nvPicPr>
+                <p:cNvPr id="161" name="Graphic 33">
+                  <a:extLst>
+                    <a:ext uri="{FF2B5EF4-FFF2-40B4-BE49-F238E27FC236}">
+                      <a16:creationId xmlns:a16="http://schemas.microsoft.com/office/drawing/2014/main" id="{6A2809C3-A9EE-C042-9D4B-E64DB505F277}"/>
+                    </a:ext>
+                  </a:extLst>
+                </p:cNvPr>
+                <p:cNvPicPr>
+                  <a:picLocks noChangeAspect="1" noChangeArrowheads="1"/>
+                </p:cNvPicPr>
+                <p:nvPr/>
+              </p:nvPicPr>
+              <p:blipFill>
+                <a:blip r:embed="rId12">
+                  <a:extLst>
+                    <a:ext uri="{28A0092B-C50C-407E-A947-70E740481C1C}">
+                      <a14:useLocalDpi xmlns:a14="http://schemas.microsoft.com/office/drawing/2010/main" val="0"/>
+                    </a:ext>
+                  </a:extLst>
+                </a:blip>
+                <a:srcRect/>
+                <a:stretch>
+                  <a:fillRect/>
+                </a:stretch>
+              </p:blipFill>
+              <p:spPr bwMode="auto">
+                <a:xfrm>
+                  <a:off x="4642477" y="4071731"/>
+                  <a:ext cx="328502" cy="328502"/>
+                </a:xfrm>
+                <a:prstGeom prst="rect">
+                  <a:avLst/>
+                </a:prstGeom>
+                <a:noFill/>
+                <a:ln>
+                  <a:noFill/>
+                </a:ln>
+                <a:extLst>
+                  <a:ext uri="{909E8E84-426E-40DD-AFC4-6F175D3DCCD1}">
+                    <a14:hiddenFill xmlns:a14="http://schemas.microsoft.com/office/drawing/2010/main">
+                      <a:solidFill>
+                        <a:srgbClr val="FFFFFF"/>
+                      </a:solidFill>
+                    </a14:hiddenFill>
+                  </a:ext>
+                  <a:ext uri="{91240B29-F687-4F45-9708-019B960494DF}">
+                    <a14:hiddenLine xmlns:a14="http://schemas.microsoft.com/office/drawing/2010/main" w="9525">
+                      <a:solidFill>
+                        <a:srgbClr val="000000"/>
+                      </a:solidFill>
+                      <a:miter lim="800000"/>
+                      <a:headEnd/>
+                      <a:tailEnd/>
+                    </a14:hiddenLine>
+                  </a:ext>
+                </a:extLst>
+              </p:spPr>
+            </p:pic>
+            <p:sp>
+              <p:nvSpPr>
+                <p:cNvPr id="162" name="TextBox 161">
+                  <a:extLst>
+                    <a:ext uri="{FF2B5EF4-FFF2-40B4-BE49-F238E27FC236}">
+                      <a16:creationId xmlns:a16="http://schemas.microsoft.com/office/drawing/2014/main" id="{8AAB2FBE-2B2E-E847-8EE3-843A6FE94C8D}"/>
+                    </a:ext>
+                  </a:extLst>
+                </p:cNvPr>
+                <p:cNvSpPr txBox="1"/>
+                <p:nvPr/>
+              </p:nvSpPr>
+              <p:spPr>
+                <a:xfrm>
+                  <a:off x="4129464" y="4400216"/>
+                  <a:ext cx="1416657" cy="246221"/>
+                </a:xfrm>
+                <a:prstGeom prst="rect">
+                  <a:avLst/>
+                </a:prstGeom>
+                <a:noFill/>
+              </p:spPr>
+              <p:txBody>
+                <a:bodyPr wrap="square" rtlCol="0">
+                  <a:spAutoFit/>
+                </a:bodyPr>
+                <a:lstStyle/>
+                <a:p>
+                  <a:r>
+                    <a:rPr lang="en-US" sz="1000" dirty="0" err="1">
+                      <a:solidFill>
+                        <a:srgbClr val="232F3D"/>
+                      </a:solidFill>
+                      <a:latin typeface="Arial" panose="020B0604020202020204"/>
+                    </a:rPr>
+                    <a:t>Arkime</a:t>
+                  </a:r>
+                  <a:r>
+                    <a:rPr lang="en-US" sz="1000" dirty="0">
+                      <a:solidFill>
+                        <a:srgbClr val="232F3D"/>
+                      </a:solidFill>
+                      <a:latin typeface="Arial" panose="020B0604020202020204"/>
+                    </a:rPr>
+                    <a:t> Traffic Mirror</a:t>
+                  </a:r>
+                </a:p>
+              </p:txBody>
+            </p:sp>
+          </p:grpSp>
         </p:grpSp>
+        <p:cxnSp>
+          <p:nvCxnSpPr>
+            <p:cNvPr id="156" name="Straight Arrow Connector 155">
+              <a:extLst>
+                <a:ext uri="{FF2B5EF4-FFF2-40B4-BE49-F238E27FC236}">
+                  <a16:creationId xmlns:a16="http://schemas.microsoft.com/office/drawing/2014/main" id="{489C9029-7488-4E4B-975C-852379DADC11}"/>
+                </a:ext>
+              </a:extLst>
+            </p:cNvPr>
+            <p:cNvCxnSpPr>
+              <a:cxnSpLocks/>
+            </p:cNvCxnSpPr>
+            <p:nvPr/>
+          </p:nvCxnSpPr>
+          <p:spPr bwMode="auto">
+            <a:xfrm>
+              <a:off x="3038007" y="3074159"/>
+              <a:ext cx="1198813" cy="0"/>
+            </a:xfrm>
+            <a:prstGeom prst="straightConnector1">
+              <a:avLst/>
+            </a:prstGeom>
+            <a:ln w="12700">
+              <a:solidFill>
+                <a:srgbClr val="545B64"/>
+              </a:solidFill>
+              <a:headEnd type="none" w="med" len="sm"/>
+              <a:tailEnd type="arrow" w="med" len="sm"/>
+            </a:ln>
+          </p:spPr>
+          <p:style>
+            <a:lnRef idx="1">
+              <a:schemeClr val="accent1"/>
+            </a:lnRef>
+            <a:fillRef idx="0">
+              <a:schemeClr val="accent1"/>
+            </a:fillRef>
+            <a:effectRef idx="0">
+              <a:schemeClr val="accent1"/>
+            </a:effectRef>
+            <a:fontRef idx="minor">
+              <a:schemeClr val="tx1"/>
+            </a:fontRef>
+          </p:style>
+        </p:cxnSp>
+        <p:cxnSp>
+          <p:nvCxnSpPr>
+            <p:cNvPr id="157" name="Straight Arrow Connector 156">
+              <a:extLst>
+                <a:ext uri="{FF2B5EF4-FFF2-40B4-BE49-F238E27FC236}">
+                  <a16:creationId xmlns:a16="http://schemas.microsoft.com/office/drawing/2014/main" id="{10889DFE-EDA4-AF45-ACF6-F87E0F68DD99}"/>
+                </a:ext>
+              </a:extLst>
+            </p:cNvPr>
+            <p:cNvCxnSpPr>
+              <a:cxnSpLocks/>
+            </p:cNvCxnSpPr>
+            <p:nvPr/>
+          </p:nvCxnSpPr>
+          <p:spPr bwMode="auto">
+            <a:xfrm>
+              <a:off x="4528400" y="3074159"/>
+              <a:ext cx="1198813" cy="0"/>
+            </a:xfrm>
+            <a:prstGeom prst="straightConnector1">
+              <a:avLst/>
+            </a:prstGeom>
+            <a:ln w="12700">
+              <a:solidFill>
+                <a:srgbClr val="545B64"/>
+              </a:solidFill>
+              <a:headEnd type="none" w="med" len="sm"/>
+              <a:tailEnd type="arrow" w="med" len="sm"/>
+            </a:ln>
+          </p:spPr>
+          <p:style>
+            <a:lnRef idx="1">
+              <a:schemeClr val="accent1"/>
+            </a:lnRef>
+            <a:fillRef idx="0">
+              <a:schemeClr val="accent1"/>
+            </a:fillRef>
+            <a:effectRef idx="0">
+              <a:schemeClr val="accent1"/>
+            </a:effectRef>
+            <a:fontRef idx="minor">
+              <a:schemeClr val="tx1"/>
+            </a:fontRef>
+          </p:style>
+        </p:cxnSp>
+      </p:grpSp>
+      <p:grpSp>
+        <p:nvGrpSpPr>
+          <p:cNvPr id="167" name="Group 166">
+            <a:extLst>
+              <a:ext uri="{FF2B5EF4-FFF2-40B4-BE49-F238E27FC236}">
+                <a16:creationId xmlns:a16="http://schemas.microsoft.com/office/drawing/2014/main" id="{8DA9D4E7-56AA-AA47-86EA-950950B26CE6}"/>
+              </a:ext>
+            </a:extLst>
+          </p:cNvPr>
+          <p:cNvGrpSpPr/>
+          <p:nvPr/>
+        </p:nvGrpSpPr>
+        <p:grpSpPr>
+          <a:xfrm>
+            <a:off x="2112934" y="5358551"/>
+            <a:ext cx="4548419" cy="624797"/>
+            <a:chOff x="2109313" y="2869272"/>
+            <a:chExt cx="4548419" cy="624797"/>
+          </a:xfrm>
+        </p:grpSpPr>
         <p:grpSp>
           <p:nvGrpSpPr>
-            <p:cNvPr id="130" name="Group 129"/>
+            <p:cNvPr id="168" name="Group 167">
+              <a:extLst>
+                <a:ext uri="{FF2B5EF4-FFF2-40B4-BE49-F238E27FC236}">
+                  <a16:creationId xmlns:a16="http://schemas.microsoft.com/office/drawing/2014/main" id="{28BC0C82-F219-0545-AA75-914202CFF36E}"/>
+                </a:ext>
+              </a:extLst>
+            </p:cNvPr>
             <p:cNvGrpSpPr/>
             <p:nvPr/>
           </p:nvGrpSpPr>
           <p:grpSpPr>
             <a:xfrm>
-              <a:off x="6961935" y="4645152"/>
-              <a:ext cx="1488566" cy="615327"/>
-              <a:chOff x="6961935" y="4645152"/>
-              <a:chExt cx="1488566" cy="615327"/>
+              <a:off x="2109313" y="2869272"/>
+              <a:ext cx="4548419" cy="624797"/>
+              <a:chOff x="2529645" y="3949328"/>
+              <a:chExt cx="4548419" cy="624797"/>
             </a:xfrm>
           </p:grpSpPr>
-          <p:pic>
-            <p:nvPicPr>
-              <p:cNvPr id="131" name="Graphic 135">
+          <p:grpSp>
+            <p:nvGrpSpPr>
+              <p:cNvPr id="171" name="Group 170">
                 <a:extLst>
                   <a:ext uri="{FF2B5EF4-FFF2-40B4-BE49-F238E27FC236}">
-                    <a16:creationId xmlns:a16="http://schemas.microsoft.com/office/drawing/2014/main" id="{C19987B1-DB3A-1640-994D-BCB81FCC1AE4}"/>
+                    <a16:creationId xmlns:a16="http://schemas.microsoft.com/office/drawing/2014/main" id="{6F1DE17B-1032-674A-98CB-A931F92FA3D5}"/>
                   </a:ext>
                 </a:extLst>
               </p:cNvPr>
-              <p:cNvPicPr>
-                <a:picLocks noChangeAspect="1"/>
-              </p:cNvPicPr>
+              <p:cNvGrpSpPr/>
               <p:nvPr/>
-            </p:nvPicPr>
-            <p:blipFill>
-              <a:blip r:embed="rId18">
-                <a:extLst>
-                  <a:ext uri="{96DAC541-7B7A-43D3-8B79-37D633B846F1}">
-                    <asvg:svgBlip xmlns:asvg="http://schemas.microsoft.com/office/drawing/2016/SVG/main" r:embed="rId19"/>
-                  </a:ext>
-                </a:extLst>
-              </a:blip>
-              <a:stretch>
-                <a:fillRect/>
-              </a:stretch>
-            </p:blipFill>
-            <p:spPr>
+            </p:nvGrpSpPr>
+            <p:grpSpPr>
               <a:xfrm>
-                <a:off x="7538126" y="4645152"/>
-                <a:ext cx="390092" cy="390092"/>
+                <a:off x="5532194" y="3949328"/>
+                <a:ext cx="1545870" cy="619231"/>
+                <a:chOff x="2946916" y="4645152"/>
+                <a:chExt cx="1545870" cy="619231"/>
               </a:xfrm>
-              <a:prstGeom prst="rect">
-                <a:avLst/>
-              </a:prstGeom>
-            </p:spPr>
-          </p:pic>
-          <p:sp>
-            <p:nvSpPr>
-              <p:cNvPr id="132" name="TextBox 131">
-                <a:extLst>
-                  <a:ext uri="{FF2B5EF4-FFF2-40B4-BE49-F238E27FC236}">
-                    <a16:creationId xmlns:a16="http://schemas.microsoft.com/office/drawing/2014/main" id="{F90C1CC4-DFE6-0445-BD1C-DB610E1A07F5}"/>
-                  </a:ext>
-                </a:extLst>
-              </p:cNvPr>
-              <p:cNvSpPr txBox="1"/>
-              <p:nvPr/>
-            </p:nvSpPr>
-            <p:spPr>
-              <a:xfrm>
-                <a:off x="6961935" y="4983480"/>
-                <a:ext cx="1488566" cy="276999"/>
-              </a:xfrm>
-              <a:prstGeom prst="rect">
-                <a:avLst/>
-              </a:prstGeom>
-              <a:noFill/>
-            </p:spPr>
-            <p:txBody>
-              <a:bodyPr wrap="square" rtlCol="0">
-                <a:spAutoFit/>
-              </a:bodyPr>
-              <a:lstStyle/>
-              <a:p>
-                <a:pPr algn="ctr"/>
-                <a:r>
-                  <a:rPr lang="en-US" sz="1200" dirty="0">
+            </p:grpSpPr>
+            <p:pic>
+              <p:nvPicPr>
+                <p:cNvPr id="178" name="Graphic 135">
+                  <a:extLst>
+                    <a:ext uri="{FF2B5EF4-FFF2-40B4-BE49-F238E27FC236}">
+                      <a16:creationId xmlns:a16="http://schemas.microsoft.com/office/drawing/2014/main" id="{219801F3-7553-644C-9BFA-4F7DBF21159D}"/>
+                    </a:ext>
+                  </a:extLst>
+                </p:cNvPr>
+                <p:cNvPicPr>
+                  <a:picLocks noChangeAspect="1"/>
+                </p:cNvPicPr>
+                <p:nvPr/>
+              </p:nvPicPr>
+              <p:blipFill>
+                <a:blip r:embed="rId10">
+                  <a:extLst>
+                    <a:ext uri="{96DAC541-7B7A-43D3-8B79-37D633B846F1}">
+                      <asvg:svgBlip xmlns:asvg="http://schemas.microsoft.com/office/drawing/2016/SVG/main" r:embed="rId11"/>
+                    </a:ext>
+                  </a:extLst>
+                </a:blip>
+                <a:stretch>
+                  <a:fillRect/>
+                </a:stretch>
+              </p:blipFill>
+              <p:spPr>
+                <a:xfrm>
+                  <a:off x="3520870" y="4645152"/>
+                  <a:ext cx="390092" cy="390092"/>
+                </a:xfrm>
+                <a:prstGeom prst="rect">
+                  <a:avLst/>
+                </a:prstGeom>
+              </p:spPr>
+            </p:pic>
+            <p:sp>
+              <p:nvSpPr>
+                <p:cNvPr id="179" name="TextBox 178">
+                  <a:extLst>
+                    <a:ext uri="{FF2B5EF4-FFF2-40B4-BE49-F238E27FC236}">
+                      <a16:creationId xmlns:a16="http://schemas.microsoft.com/office/drawing/2014/main" id="{D83192FD-A2EC-6A4C-BEAA-D3D23BFE9B7D}"/>
+                    </a:ext>
+                  </a:extLst>
+                </p:cNvPr>
+                <p:cNvSpPr txBox="1"/>
+                <p:nvPr/>
+              </p:nvSpPr>
+              <p:spPr>
+                <a:xfrm>
+                  <a:off x="2946916" y="4987384"/>
+                  <a:ext cx="1545870" cy="276999"/>
+                </a:xfrm>
+                <a:prstGeom prst="rect">
+                  <a:avLst/>
+                </a:prstGeom>
+                <a:noFill/>
+              </p:spPr>
+              <p:txBody>
+                <a:bodyPr wrap="square" rtlCol="0">
+                  <a:spAutoFit/>
+                </a:bodyPr>
+                <a:lstStyle/>
+                <a:p>
+                  <a:pPr algn="ctr"/>
+                  <a:r>
+                    <a:rPr lang="en-US" sz="1200" dirty="0" err="1">
+                      <a:solidFill>
+                        <a:srgbClr val="232F3D"/>
+                      </a:solidFill>
+                      <a:latin typeface="Arial" panose="020B0604020202020204"/>
+                    </a:rPr>
+                    <a:t>Zeek</a:t>
+                  </a:r>
+                  <a:endParaRPr lang="en-US" sz="1200" dirty="0">
                     <a:solidFill>
                       <a:srgbClr val="232F3D"/>
                     </a:solidFill>
                     <a:latin typeface="Arial" panose="020B0604020202020204"/>
-                  </a:rPr>
-                  <a:t>Wireshark instance</a:t>
-                </a:r>
-              </a:p>
-            </p:txBody>
-          </p:sp>
+                  </a:endParaRPr>
+                </a:p>
+              </p:txBody>
+            </p:sp>
+          </p:grpSp>
+          <p:grpSp>
+            <p:nvGrpSpPr>
+              <p:cNvPr id="172" name="Group 171">
+                <a:extLst>
+                  <a:ext uri="{FF2B5EF4-FFF2-40B4-BE49-F238E27FC236}">
+                    <a16:creationId xmlns:a16="http://schemas.microsoft.com/office/drawing/2014/main" id="{EA32129A-DE86-9F46-B064-966F6DA35D8B}"/>
+                  </a:ext>
+                </a:extLst>
+              </p:cNvPr>
+              <p:cNvGrpSpPr/>
+              <p:nvPr/>
+            </p:nvGrpSpPr>
+            <p:grpSpPr>
+              <a:xfrm>
+                <a:off x="2529645" y="3949328"/>
+                <a:ext cx="1545870" cy="619231"/>
+                <a:chOff x="2946916" y="4645152"/>
+                <a:chExt cx="1545870" cy="619231"/>
+              </a:xfrm>
+            </p:grpSpPr>
+            <p:pic>
+              <p:nvPicPr>
+                <p:cNvPr id="176" name="Graphic 135">
+                  <a:extLst>
+                    <a:ext uri="{FF2B5EF4-FFF2-40B4-BE49-F238E27FC236}">
+                      <a16:creationId xmlns:a16="http://schemas.microsoft.com/office/drawing/2014/main" id="{D4AA2002-B2C8-2F44-8887-D1454111EAD9}"/>
+                    </a:ext>
+                  </a:extLst>
+                </p:cNvPr>
+                <p:cNvPicPr>
+                  <a:picLocks noChangeAspect="1"/>
+                </p:cNvPicPr>
+                <p:nvPr/>
+              </p:nvPicPr>
+              <p:blipFill>
+                <a:blip r:embed="rId10">
+                  <a:extLst>
+                    <a:ext uri="{96DAC541-7B7A-43D3-8B79-37D633B846F1}">
+                      <asvg:svgBlip xmlns:asvg="http://schemas.microsoft.com/office/drawing/2016/SVG/main" r:embed="rId11"/>
+                    </a:ext>
+                  </a:extLst>
+                </a:blip>
+                <a:stretch>
+                  <a:fillRect/>
+                </a:stretch>
+              </p:blipFill>
+              <p:spPr>
+                <a:xfrm>
+                  <a:off x="3520870" y="4645152"/>
+                  <a:ext cx="390092" cy="390092"/>
+                </a:xfrm>
+                <a:prstGeom prst="rect">
+                  <a:avLst/>
+                </a:prstGeom>
+              </p:spPr>
+            </p:pic>
+            <p:sp>
+              <p:nvSpPr>
+                <p:cNvPr id="177" name="TextBox 176">
+                  <a:extLst>
+                    <a:ext uri="{FF2B5EF4-FFF2-40B4-BE49-F238E27FC236}">
+                      <a16:creationId xmlns:a16="http://schemas.microsoft.com/office/drawing/2014/main" id="{45E0086B-5661-ED46-A6B5-ACCBD541F83D}"/>
+                    </a:ext>
+                  </a:extLst>
+                </p:cNvPr>
+                <p:cNvSpPr txBox="1"/>
+                <p:nvPr/>
+              </p:nvSpPr>
+              <p:spPr>
+                <a:xfrm>
+                  <a:off x="2946916" y="4987384"/>
+                  <a:ext cx="1545870" cy="276999"/>
+                </a:xfrm>
+                <a:prstGeom prst="rect">
+                  <a:avLst/>
+                </a:prstGeom>
+                <a:noFill/>
+              </p:spPr>
+              <p:txBody>
+                <a:bodyPr wrap="square" rtlCol="0">
+                  <a:spAutoFit/>
+                </a:bodyPr>
+                <a:lstStyle/>
+                <a:p>
+                  <a:pPr algn="ctr"/>
+                  <a:r>
+                    <a:rPr lang="en-US" sz="1200" dirty="0" err="1">
+                      <a:solidFill>
+                        <a:srgbClr val="232F3D"/>
+                      </a:solidFill>
+                      <a:latin typeface="Arial" panose="020B0604020202020204"/>
+                    </a:rPr>
+                    <a:t>Zeek</a:t>
+                  </a:r>
+                  <a:r>
+                    <a:rPr lang="en-US" sz="1200" dirty="0">
+                      <a:solidFill>
+                        <a:srgbClr val="232F3D"/>
+                      </a:solidFill>
+                      <a:latin typeface="Arial" panose="020B0604020202020204"/>
+                    </a:rPr>
+                    <a:t> Client</a:t>
+                  </a:r>
+                </a:p>
+              </p:txBody>
+            </p:sp>
+          </p:grpSp>
+          <p:grpSp>
+            <p:nvGrpSpPr>
+              <p:cNvPr id="173" name="Group 172">
+                <a:extLst>
+                  <a:ext uri="{FF2B5EF4-FFF2-40B4-BE49-F238E27FC236}">
+                    <a16:creationId xmlns:a16="http://schemas.microsoft.com/office/drawing/2014/main" id="{4EFB246E-CF5F-D546-A85F-2525DBFBACC7}"/>
+                  </a:ext>
+                </a:extLst>
+              </p:cNvPr>
+              <p:cNvGrpSpPr/>
+              <p:nvPr/>
+            </p:nvGrpSpPr>
+            <p:grpSpPr>
+              <a:xfrm>
+                <a:off x="4129464" y="3999419"/>
+                <a:ext cx="1416657" cy="574706"/>
+                <a:chOff x="4129464" y="4071731"/>
+                <a:chExt cx="1416657" cy="574706"/>
+              </a:xfrm>
+            </p:grpSpPr>
+            <p:pic>
+              <p:nvPicPr>
+                <p:cNvPr id="174" name="Graphic 33">
+                  <a:extLst>
+                    <a:ext uri="{FF2B5EF4-FFF2-40B4-BE49-F238E27FC236}">
+                      <a16:creationId xmlns:a16="http://schemas.microsoft.com/office/drawing/2014/main" id="{7E50CE24-AE8D-CD43-B4DF-ABB8878100AA}"/>
+                    </a:ext>
+                  </a:extLst>
+                </p:cNvPr>
+                <p:cNvPicPr>
+                  <a:picLocks noChangeAspect="1" noChangeArrowheads="1"/>
+                </p:cNvPicPr>
+                <p:nvPr/>
+              </p:nvPicPr>
+              <p:blipFill>
+                <a:blip r:embed="rId12">
+                  <a:extLst>
+                    <a:ext uri="{28A0092B-C50C-407E-A947-70E740481C1C}">
+                      <a14:useLocalDpi xmlns:a14="http://schemas.microsoft.com/office/drawing/2010/main" val="0"/>
+                    </a:ext>
+                  </a:extLst>
+                </a:blip>
+                <a:srcRect/>
+                <a:stretch>
+                  <a:fillRect/>
+                </a:stretch>
+              </p:blipFill>
+              <p:spPr bwMode="auto">
+                <a:xfrm>
+                  <a:off x="4642477" y="4071731"/>
+                  <a:ext cx="328502" cy="328502"/>
+                </a:xfrm>
+                <a:prstGeom prst="rect">
+                  <a:avLst/>
+                </a:prstGeom>
+                <a:noFill/>
+                <a:ln>
+                  <a:noFill/>
+                </a:ln>
+                <a:extLst>
+                  <a:ext uri="{909E8E84-426E-40DD-AFC4-6F175D3DCCD1}">
+                    <a14:hiddenFill xmlns:a14="http://schemas.microsoft.com/office/drawing/2010/main">
+                      <a:solidFill>
+                        <a:srgbClr val="FFFFFF"/>
+                      </a:solidFill>
+                    </a14:hiddenFill>
+                  </a:ext>
+                  <a:ext uri="{91240B29-F687-4F45-9708-019B960494DF}">
+                    <a14:hiddenLine xmlns:a14="http://schemas.microsoft.com/office/drawing/2010/main" w="9525">
+                      <a:solidFill>
+                        <a:srgbClr val="000000"/>
+                      </a:solidFill>
+                      <a:miter lim="800000"/>
+                      <a:headEnd/>
+                      <a:tailEnd/>
+                    </a14:hiddenLine>
+                  </a:ext>
+                </a:extLst>
+              </p:spPr>
+            </p:pic>
+            <p:sp>
+              <p:nvSpPr>
+                <p:cNvPr id="175" name="TextBox 174">
+                  <a:extLst>
+                    <a:ext uri="{FF2B5EF4-FFF2-40B4-BE49-F238E27FC236}">
+                      <a16:creationId xmlns:a16="http://schemas.microsoft.com/office/drawing/2014/main" id="{79C79216-8A11-1C45-81B4-25F085205DB5}"/>
+                    </a:ext>
+                  </a:extLst>
+                </p:cNvPr>
+                <p:cNvSpPr txBox="1"/>
+                <p:nvPr/>
+              </p:nvSpPr>
+              <p:spPr>
+                <a:xfrm>
+                  <a:off x="4129464" y="4400216"/>
+                  <a:ext cx="1416657" cy="246221"/>
+                </a:xfrm>
+                <a:prstGeom prst="rect">
+                  <a:avLst/>
+                </a:prstGeom>
+                <a:noFill/>
+              </p:spPr>
+              <p:txBody>
+                <a:bodyPr wrap="square" rtlCol="0">
+                  <a:spAutoFit/>
+                </a:bodyPr>
+                <a:lstStyle/>
+                <a:p>
+                  <a:r>
+                    <a:rPr lang="en-US" sz="1000" dirty="0" err="1">
+                      <a:solidFill>
+                        <a:srgbClr val="232F3D"/>
+                      </a:solidFill>
+                      <a:latin typeface="Arial" panose="020B0604020202020204"/>
+                    </a:rPr>
+                    <a:t>Zeek</a:t>
+                  </a:r>
+                  <a:r>
+                    <a:rPr lang="en-US" sz="1000" dirty="0">
+                      <a:solidFill>
+                        <a:srgbClr val="232F3D"/>
+                      </a:solidFill>
+                      <a:latin typeface="Arial" panose="020B0604020202020204"/>
+                    </a:rPr>
+                    <a:t> Traffic Mirror</a:t>
+                  </a:r>
+                </a:p>
+              </p:txBody>
+            </p:sp>
+          </p:grpSp>
         </p:grpSp>
+        <p:cxnSp>
+          <p:nvCxnSpPr>
+            <p:cNvPr id="169" name="Straight Arrow Connector 168">
+              <a:extLst>
+                <a:ext uri="{FF2B5EF4-FFF2-40B4-BE49-F238E27FC236}">
+                  <a16:creationId xmlns:a16="http://schemas.microsoft.com/office/drawing/2014/main" id="{47E71E3A-4CDE-074B-AF01-DC2693549AC7}"/>
+                </a:ext>
+              </a:extLst>
+            </p:cNvPr>
+            <p:cNvCxnSpPr>
+              <a:cxnSpLocks/>
+            </p:cNvCxnSpPr>
+            <p:nvPr/>
+          </p:nvCxnSpPr>
+          <p:spPr bwMode="auto">
+            <a:xfrm>
+              <a:off x="3038007" y="3074159"/>
+              <a:ext cx="1198813" cy="0"/>
+            </a:xfrm>
+            <a:prstGeom prst="straightConnector1">
+              <a:avLst/>
+            </a:prstGeom>
+            <a:ln w="12700">
+              <a:solidFill>
+                <a:srgbClr val="545B64"/>
+              </a:solidFill>
+              <a:headEnd type="none" w="med" len="sm"/>
+              <a:tailEnd type="arrow" w="med" len="sm"/>
+            </a:ln>
+          </p:spPr>
+          <p:style>
+            <a:lnRef idx="1">
+              <a:schemeClr val="accent1"/>
+            </a:lnRef>
+            <a:fillRef idx="0">
+              <a:schemeClr val="accent1"/>
+            </a:fillRef>
+            <a:effectRef idx="0">
+              <a:schemeClr val="accent1"/>
+            </a:effectRef>
+            <a:fontRef idx="minor">
+              <a:schemeClr val="tx1"/>
+            </a:fontRef>
+          </p:style>
+        </p:cxnSp>
+        <p:cxnSp>
+          <p:nvCxnSpPr>
+            <p:cNvPr id="170" name="Straight Arrow Connector 169">
+              <a:extLst>
+                <a:ext uri="{FF2B5EF4-FFF2-40B4-BE49-F238E27FC236}">
+                  <a16:creationId xmlns:a16="http://schemas.microsoft.com/office/drawing/2014/main" id="{6C19DC67-43EE-514D-A2FB-9B2ADA86CFF9}"/>
+                </a:ext>
+              </a:extLst>
+            </p:cNvPr>
+            <p:cNvCxnSpPr>
+              <a:cxnSpLocks/>
+            </p:cNvCxnSpPr>
+            <p:nvPr/>
+          </p:nvCxnSpPr>
+          <p:spPr bwMode="auto">
+            <a:xfrm>
+              <a:off x="4528400" y="3074159"/>
+              <a:ext cx="1198813" cy="0"/>
+            </a:xfrm>
+            <a:prstGeom prst="straightConnector1">
+              <a:avLst/>
+            </a:prstGeom>
+            <a:ln w="12700">
+              <a:solidFill>
+                <a:srgbClr val="545B64"/>
+              </a:solidFill>
+              <a:headEnd type="none" w="med" len="sm"/>
+              <a:tailEnd type="arrow" w="med" len="sm"/>
+            </a:ln>
+          </p:spPr>
+          <p:style>
+            <a:lnRef idx="1">
+              <a:schemeClr val="accent1"/>
+            </a:lnRef>
+            <a:fillRef idx="0">
+              <a:schemeClr val="accent1"/>
+            </a:fillRef>
+            <a:effectRef idx="0">
+              <a:schemeClr val="accent1"/>
+            </a:effectRef>
+            <a:fontRef idx="minor">
+              <a:schemeClr val="tx1"/>
+            </a:fontRef>
+          </p:style>
+        </p:cxnSp>
       </p:grpSp>
       <p:grpSp>
         <p:nvGrpSpPr>
-          <p:cNvPr id="135" name="Group 134"/>
+          <p:cNvPr id="180" name="Group 179">
+            <a:extLst>
+              <a:ext uri="{FF2B5EF4-FFF2-40B4-BE49-F238E27FC236}">
+                <a16:creationId xmlns:a16="http://schemas.microsoft.com/office/drawing/2014/main" id="{ECEAA1B3-4D13-6443-8270-D29F8CD955FA}"/>
+              </a:ext>
+            </a:extLst>
+          </p:cNvPr>
           <p:cNvGrpSpPr/>
           <p:nvPr/>
         </p:nvGrpSpPr>
         <p:grpSpPr>
           <a:xfrm>
-            <a:off x="3064830" y="6388036"/>
-            <a:ext cx="5433912" cy="619231"/>
-            <a:chOff x="3016588" y="4645152"/>
-            <a:chExt cx="5433912" cy="619231"/>
+            <a:off x="2112934" y="6335597"/>
+            <a:ext cx="4548419" cy="624797"/>
+            <a:chOff x="2109313" y="2869272"/>
+            <a:chExt cx="4548419" cy="624797"/>
           </a:xfrm>
         </p:grpSpPr>
         <p:grpSp>
           <p:nvGrpSpPr>
-            <p:cNvPr id="136" name="Group 135"/>
+            <p:cNvPr id="181" name="Group 180">
+              <a:extLst>
+                <a:ext uri="{FF2B5EF4-FFF2-40B4-BE49-F238E27FC236}">
+                  <a16:creationId xmlns:a16="http://schemas.microsoft.com/office/drawing/2014/main" id="{9297BCD9-7173-B54F-90D6-AA74B0CDFB03}"/>
+                </a:ext>
+              </a:extLst>
+            </p:cNvPr>
             <p:cNvGrpSpPr/>
             <p:nvPr/>
           </p:nvGrpSpPr>
           <p:grpSpPr>
             <a:xfrm>
-              <a:off x="3016588" y="4645152"/>
-              <a:ext cx="1416657" cy="619231"/>
-              <a:chOff x="3016588" y="4645152"/>
-              <a:chExt cx="1416657" cy="619231"/>
+              <a:off x="2109313" y="2869272"/>
+              <a:ext cx="4548419" cy="624797"/>
+              <a:chOff x="2529645" y="3949328"/>
+              <a:chExt cx="4548419" cy="624797"/>
             </a:xfrm>
           </p:grpSpPr>
-          <p:pic>
-            <p:nvPicPr>
-              <p:cNvPr id="140" name="Graphic 135">
+          <p:grpSp>
+            <p:nvGrpSpPr>
+              <p:cNvPr id="184" name="Group 183">
                 <a:extLst>
                   <a:ext uri="{FF2B5EF4-FFF2-40B4-BE49-F238E27FC236}">
-                    <a16:creationId xmlns:a16="http://schemas.microsoft.com/office/drawing/2014/main" id="{C19987B1-DB3A-1640-994D-BCB81FCC1AE4}"/>
+                    <a16:creationId xmlns:a16="http://schemas.microsoft.com/office/drawing/2014/main" id="{14A977CD-CDBE-4E4F-804B-FD1AC7DFDD7E}"/>
                   </a:ext>
                 </a:extLst>
               </p:cNvPr>
-              <p:cNvPicPr>
-                <a:picLocks noChangeAspect="1"/>
-              </p:cNvPicPr>
+              <p:cNvGrpSpPr/>
               <p:nvPr/>
-            </p:nvPicPr>
-            <p:blipFill>
-              <a:blip r:embed="rId18">
-                <a:extLst>
-                  <a:ext uri="{96DAC541-7B7A-43D3-8B79-37D633B846F1}">
-                    <asvg:svgBlip xmlns:asvg="http://schemas.microsoft.com/office/drawing/2016/SVG/main" r:embed="rId19"/>
-                  </a:ext>
-                </a:extLst>
-              </a:blip>
-              <a:stretch>
-                <a:fillRect/>
-              </a:stretch>
-            </p:blipFill>
-            <p:spPr>
+            </p:nvGrpSpPr>
+            <p:grpSpPr>
               <a:xfrm>
-                <a:off x="3520870" y="4645152"/>
-                <a:ext cx="390092" cy="390092"/>
+                <a:off x="5532194" y="3949328"/>
+                <a:ext cx="1545870" cy="619231"/>
+                <a:chOff x="2946916" y="4645152"/>
+                <a:chExt cx="1545870" cy="619231"/>
               </a:xfrm>
-              <a:prstGeom prst="rect">
-                <a:avLst/>
-              </a:prstGeom>
-            </p:spPr>
-          </p:pic>
-          <p:sp>
-            <p:nvSpPr>
-              <p:cNvPr id="141" name="TextBox 140">
+            </p:grpSpPr>
+            <p:pic>
+              <p:nvPicPr>
+                <p:cNvPr id="191" name="Graphic 135">
+                  <a:extLst>
+                    <a:ext uri="{FF2B5EF4-FFF2-40B4-BE49-F238E27FC236}">
+                      <a16:creationId xmlns:a16="http://schemas.microsoft.com/office/drawing/2014/main" id="{E7DBDDC9-B477-CD4E-9AAD-417872CE2C64}"/>
+                    </a:ext>
+                  </a:extLst>
+                </p:cNvPr>
+                <p:cNvPicPr>
+                  <a:picLocks noChangeAspect="1"/>
+                </p:cNvPicPr>
+                <p:nvPr/>
+              </p:nvPicPr>
+              <p:blipFill>
+                <a:blip r:embed="rId10">
+                  <a:extLst>
+                    <a:ext uri="{96DAC541-7B7A-43D3-8B79-37D633B846F1}">
+                      <asvg:svgBlip xmlns:asvg="http://schemas.microsoft.com/office/drawing/2016/SVG/main" r:embed="rId11"/>
+                    </a:ext>
+                  </a:extLst>
+                </a:blip>
+                <a:stretch>
+                  <a:fillRect/>
+                </a:stretch>
+              </p:blipFill>
+              <p:spPr>
+                <a:xfrm>
+                  <a:off x="3520870" y="4645152"/>
+                  <a:ext cx="390092" cy="390092"/>
+                </a:xfrm>
+                <a:prstGeom prst="rect">
+                  <a:avLst/>
+                </a:prstGeom>
+              </p:spPr>
+            </p:pic>
+            <p:sp>
+              <p:nvSpPr>
+                <p:cNvPr id="192" name="TextBox 191">
+                  <a:extLst>
+                    <a:ext uri="{FF2B5EF4-FFF2-40B4-BE49-F238E27FC236}">
+                      <a16:creationId xmlns:a16="http://schemas.microsoft.com/office/drawing/2014/main" id="{00112964-AEB9-4F4E-8B44-0A4AB07CE365}"/>
+                    </a:ext>
+                  </a:extLst>
+                </p:cNvPr>
+                <p:cNvSpPr txBox="1"/>
+                <p:nvPr/>
+              </p:nvSpPr>
+              <p:spPr>
+                <a:xfrm>
+                  <a:off x="2946916" y="4987384"/>
+                  <a:ext cx="1545870" cy="276999"/>
+                </a:xfrm>
+                <a:prstGeom prst="rect">
+                  <a:avLst/>
+                </a:prstGeom>
+                <a:noFill/>
+              </p:spPr>
+              <p:txBody>
+                <a:bodyPr wrap="square" rtlCol="0">
+                  <a:spAutoFit/>
+                </a:bodyPr>
+                <a:lstStyle/>
+                <a:p>
+                  <a:pPr algn="ctr"/>
+                  <a:r>
+                    <a:rPr lang="en-US" sz="1200" dirty="0">
+                      <a:solidFill>
+                        <a:srgbClr val="232F3D"/>
+                      </a:solidFill>
+                      <a:latin typeface="Arial" panose="020B0604020202020204"/>
+                    </a:rPr>
+                    <a:t>Wireshark</a:t>
+                  </a:r>
+                </a:p>
+              </p:txBody>
+            </p:sp>
+          </p:grpSp>
+          <p:grpSp>
+            <p:nvGrpSpPr>
+              <p:cNvPr id="185" name="Group 184">
                 <a:extLst>
                   <a:ext uri="{FF2B5EF4-FFF2-40B4-BE49-F238E27FC236}">
-                    <a16:creationId xmlns:a16="http://schemas.microsoft.com/office/drawing/2014/main" id="{F90C1CC4-DFE6-0445-BD1C-DB610E1A07F5}"/>
+                    <a16:creationId xmlns:a16="http://schemas.microsoft.com/office/drawing/2014/main" id="{E8968450-371C-F94A-9375-2A88A81F0866}"/>
                   </a:ext>
                 </a:extLst>
               </p:cNvPr>
-              <p:cNvSpPr txBox="1"/>
+              <p:cNvGrpSpPr/>
               <p:nvPr/>
-            </p:nvSpPr>
-            <p:spPr>
+            </p:nvGrpSpPr>
+            <p:grpSpPr>
               <a:xfrm>
-                <a:off x="3016588" y="4987384"/>
-                <a:ext cx="1416657" cy="276999"/>
+                <a:off x="2529645" y="3949328"/>
+                <a:ext cx="1545870" cy="619231"/>
+                <a:chOff x="2946916" y="4645152"/>
+                <a:chExt cx="1545870" cy="619231"/>
               </a:xfrm>
-              <a:prstGeom prst="rect">
-                <a:avLst/>
-              </a:prstGeom>
-              <a:noFill/>
-            </p:spPr>
-            <p:txBody>
-              <a:bodyPr wrap="square" rtlCol="0">
-                <a:spAutoFit/>
-              </a:bodyPr>
-              <a:lstStyle/>
-              <a:p>
-                <a:pPr algn="ctr"/>
-                <a:r>
-                  <a:rPr lang="en-US" sz="1200" dirty="0">
-                    <a:solidFill>
-                      <a:srgbClr val="232F3D"/>
-                    </a:solidFill>
-                    <a:latin typeface="Arial" panose="020B0604020202020204"/>
-                  </a:rPr>
-                  <a:t>Zeek instance</a:t>
-                </a:r>
-              </a:p>
-            </p:txBody>
-          </p:sp>
-        </p:grpSp>
-        <p:grpSp>
-          <p:nvGrpSpPr>
-            <p:cNvPr id="137" name="Group 136"/>
-            <p:cNvGrpSpPr/>
-            <p:nvPr/>
-          </p:nvGrpSpPr>
-          <p:grpSpPr>
-            <a:xfrm>
-              <a:off x="7033843" y="4645152"/>
-              <a:ext cx="1416657" cy="615327"/>
-              <a:chOff x="7033843" y="4645152"/>
-              <a:chExt cx="1416657" cy="615327"/>
-            </a:xfrm>
-          </p:grpSpPr>
-          <p:pic>
-            <p:nvPicPr>
-              <p:cNvPr id="138" name="Graphic 135">
+            </p:grpSpPr>
+            <p:pic>
+              <p:nvPicPr>
+                <p:cNvPr id="189" name="Graphic 135">
+                  <a:extLst>
+                    <a:ext uri="{FF2B5EF4-FFF2-40B4-BE49-F238E27FC236}">
+                      <a16:creationId xmlns:a16="http://schemas.microsoft.com/office/drawing/2014/main" id="{72772EEF-3588-F647-B6A7-5207004B6EAF}"/>
+                    </a:ext>
+                  </a:extLst>
+                </p:cNvPr>
+                <p:cNvPicPr>
+                  <a:picLocks noChangeAspect="1"/>
+                </p:cNvPicPr>
+                <p:nvPr/>
+              </p:nvPicPr>
+              <p:blipFill>
+                <a:blip r:embed="rId10">
+                  <a:extLst>
+                    <a:ext uri="{96DAC541-7B7A-43D3-8B79-37D633B846F1}">
+                      <asvg:svgBlip xmlns:asvg="http://schemas.microsoft.com/office/drawing/2016/SVG/main" r:embed="rId11"/>
+                    </a:ext>
+                  </a:extLst>
+                </a:blip>
+                <a:stretch>
+                  <a:fillRect/>
+                </a:stretch>
+              </p:blipFill>
+              <p:spPr>
+                <a:xfrm>
+                  <a:off x="3520870" y="4645152"/>
+                  <a:ext cx="390092" cy="390092"/>
+                </a:xfrm>
+                <a:prstGeom prst="rect">
+                  <a:avLst/>
+                </a:prstGeom>
+              </p:spPr>
+            </p:pic>
+            <p:sp>
+              <p:nvSpPr>
+                <p:cNvPr id="190" name="TextBox 189">
+                  <a:extLst>
+                    <a:ext uri="{FF2B5EF4-FFF2-40B4-BE49-F238E27FC236}">
+                      <a16:creationId xmlns:a16="http://schemas.microsoft.com/office/drawing/2014/main" id="{0203CB20-119E-034E-ADA9-A89EB3F5BEFF}"/>
+                    </a:ext>
+                  </a:extLst>
+                </p:cNvPr>
+                <p:cNvSpPr txBox="1"/>
+                <p:nvPr/>
+              </p:nvSpPr>
+              <p:spPr>
+                <a:xfrm>
+                  <a:off x="2946916" y="4987384"/>
+                  <a:ext cx="1545870" cy="276999"/>
+                </a:xfrm>
+                <a:prstGeom prst="rect">
+                  <a:avLst/>
+                </a:prstGeom>
+                <a:noFill/>
+              </p:spPr>
+              <p:txBody>
+                <a:bodyPr wrap="square" rtlCol="0">
+                  <a:spAutoFit/>
+                </a:bodyPr>
+                <a:lstStyle/>
+                <a:p>
+                  <a:pPr algn="ctr"/>
+                  <a:r>
+                    <a:rPr lang="en-US" sz="1200" dirty="0">
+                      <a:solidFill>
+                        <a:srgbClr val="232F3D"/>
+                      </a:solidFill>
+                      <a:latin typeface="Arial" panose="020B0604020202020204"/>
+                    </a:rPr>
+                    <a:t>Wireshark Client</a:t>
+                  </a:r>
+                </a:p>
+              </p:txBody>
+            </p:sp>
+          </p:grpSp>
+          <p:grpSp>
+            <p:nvGrpSpPr>
+              <p:cNvPr id="186" name="Group 185">
                 <a:extLst>
                   <a:ext uri="{FF2B5EF4-FFF2-40B4-BE49-F238E27FC236}">
-                    <a16:creationId xmlns:a16="http://schemas.microsoft.com/office/drawing/2014/main" id="{C19987B1-DB3A-1640-994D-BCB81FCC1AE4}"/>
+                    <a16:creationId xmlns:a16="http://schemas.microsoft.com/office/drawing/2014/main" id="{FD70A2C8-0EA3-6640-BE64-049515EAA90D}"/>
                   </a:ext>
                 </a:extLst>
               </p:cNvPr>
-              <p:cNvPicPr>
-                <a:picLocks noChangeAspect="1"/>
-              </p:cNvPicPr>
+              <p:cNvGrpSpPr/>
               <p:nvPr/>
-            </p:nvPicPr>
-            <p:blipFill>
-              <a:blip r:embed="rId18">
+            </p:nvGrpSpPr>
+            <p:grpSpPr>
+              <a:xfrm>
+                <a:off x="4129464" y="3999419"/>
+                <a:ext cx="1545870" cy="574706"/>
+                <a:chOff x="4129464" y="4071731"/>
+                <a:chExt cx="1545870" cy="574706"/>
+              </a:xfrm>
+            </p:grpSpPr>
+            <p:pic>
+              <p:nvPicPr>
+                <p:cNvPr id="187" name="Graphic 33">
+                  <a:extLst>
+                    <a:ext uri="{FF2B5EF4-FFF2-40B4-BE49-F238E27FC236}">
+                      <a16:creationId xmlns:a16="http://schemas.microsoft.com/office/drawing/2014/main" id="{E07DE984-F66E-DF4F-918D-547C91F4F4DC}"/>
+                    </a:ext>
+                  </a:extLst>
+                </p:cNvPr>
+                <p:cNvPicPr>
+                  <a:picLocks noChangeAspect="1" noChangeArrowheads="1"/>
+                </p:cNvPicPr>
+                <p:nvPr/>
+              </p:nvPicPr>
+              <p:blipFill>
+                <a:blip r:embed="rId12">
+                  <a:extLst>
+                    <a:ext uri="{28A0092B-C50C-407E-A947-70E740481C1C}">
+                      <a14:useLocalDpi xmlns:a14="http://schemas.microsoft.com/office/drawing/2010/main" val="0"/>
+                    </a:ext>
+                  </a:extLst>
+                </a:blip>
+                <a:srcRect/>
+                <a:stretch>
+                  <a:fillRect/>
+                </a:stretch>
+              </p:blipFill>
+              <p:spPr bwMode="auto">
+                <a:xfrm>
+                  <a:off x="4642477" y="4071731"/>
+                  <a:ext cx="328502" cy="328502"/>
+                </a:xfrm>
+                <a:prstGeom prst="rect">
+                  <a:avLst/>
+                </a:prstGeom>
+                <a:noFill/>
+                <a:ln>
+                  <a:noFill/>
+                </a:ln>
                 <a:extLst>
-                  <a:ext uri="{96DAC541-7B7A-43D3-8B79-37D633B846F1}">
-                    <asvg:svgBlip xmlns:asvg="http://schemas.microsoft.com/office/drawing/2016/SVG/main" r:embed="rId19"/>
+                  <a:ext uri="{909E8E84-426E-40DD-AFC4-6F175D3DCCD1}">
+                    <a14:hiddenFill xmlns:a14="http://schemas.microsoft.com/office/drawing/2010/main">
+                      <a:solidFill>
+                        <a:srgbClr val="FFFFFF"/>
+                      </a:solidFill>
+                    </a14:hiddenFill>
+                  </a:ext>
+                  <a:ext uri="{91240B29-F687-4F45-9708-019B960494DF}">
+                    <a14:hiddenLine xmlns:a14="http://schemas.microsoft.com/office/drawing/2010/main" w="9525">
+                      <a:solidFill>
+                        <a:srgbClr val="000000"/>
+                      </a:solidFill>
+                      <a:miter lim="800000"/>
+                      <a:headEnd/>
+                      <a:tailEnd/>
+                    </a14:hiddenLine>
                   </a:ext>
                 </a:extLst>
-              </a:blip>
-              <a:stretch>
-                <a:fillRect/>
-              </a:stretch>
-            </p:blipFill>
-            <p:spPr>
-              <a:xfrm>
-                <a:off x="7538126" y="4645152"/>
-                <a:ext cx="390092" cy="390092"/>
-              </a:xfrm>
-              <a:prstGeom prst="rect">
-                <a:avLst/>
-              </a:prstGeom>
-            </p:spPr>
-          </p:pic>
-          <p:sp>
-            <p:nvSpPr>
-              <p:cNvPr id="139" name="TextBox 138">
-                <a:extLst>
-                  <a:ext uri="{FF2B5EF4-FFF2-40B4-BE49-F238E27FC236}">
-                    <a16:creationId xmlns:a16="http://schemas.microsoft.com/office/drawing/2014/main" id="{F90C1CC4-DFE6-0445-BD1C-DB610E1A07F5}"/>
-                  </a:ext>
-                </a:extLst>
-              </p:cNvPr>
-              <p:cNvSpPr txBox="1"/>
-              <p:nvPr/>
-            </p:nvSpPr>
-            <p:spPr>
-              <a:xfrm>
-                <a:off x="7033843" y="4983480"/>
-                <a:ext cx="1416657" cy="276999"/>
-              </a:xfrm>
-              <a:prstGeom prst="rect">
-                <a:avLst/>
-              </a:prstGeom>
-              <a:noFill/>
-            </p:spPr>
-            <p:txBody>
-              <a:bodyPr wrap="square" rtlCol="0">
-                <a:spAutoFit/>
-              </a:bodyPr>
-              <a:lstStyle/>
-              <a:p>
-                <a:pPr algn="ctr"/>
-                <a:r>
-                  <a:rPr lang="en-US" sz="1200" dirty="0">
-                    <a:solidFill>
-                      <a:srgbClr val="232F3D"/>
-                    </a:solidFill>
-                    <a:latin typeface="Arial" panose="020B0604020202020204"/>
-                  </a:rPr>
-                  <a:t>Zeek instance</a:t>
-                </a:r>
-              </a:p>
-            </p:txBody>
-          </p:sp>
+              </p:spPr>
+            </p:pic>
+            <p:sp>
+              <p:nvSpPr>
+                <p:cNvPr id="188" name="TextBox 187">
+                  <a:extLst>
+                    <a:ext uri="{FF2B5EF4-FFF2-40B4-BE49-F238E27FC236}">
+                      <a16:creationId xmlns:a16="http://schemas.microsoft.com/office/drawing/2014/main" id="{47E02A8A-DB8B-7442-B9BD-3D2C2B73BE43}"/>
+                    </a:ext>
+                  </a:extLst>
+                </p:cNvPr>
+                <p:cNvSpPr txBox="1"/>
+                <p:nvPr/>
+              </p:nvSpPr>
+              <p:spPr>
+                <a:xfrm>
+                  <a:off x="4129464" y="4400216"/>
+                  <a:ext cx="1545870" cy="246221"/>
+                </a:xfrm>
+                <a:prstGeom prst="rect">
+                  <a:avLst/>
+                </a:prstGeom>
+                <a:noFill/>
+              </p:spPr>
+              <p:txBody>
+                <a:bodyPr wrap="square" rtlCol="0">
+                  <a:spAutoFit/>
+                </a:bodyPr>
+                <a:lstStyle/>
+                <a:p>
+                  <a:r>
+                    <a:rPr lang="en-US" sz="1000" dirty="0">
+                      <a:solidFill>
+                        <a:srgbClr val="232F3D"/>
+                      </a:solidFill>
+                      <a:latin typeface="Arial" panose="020B0604020202020204"/>
+                    </a:rPr>
+                    <a:t>Wireshark Traffic Mirror</a:t>
+                  </a:r>
+                </a:p>
+              </p:txBody>
+            </p:sp>
+          </p:grpSp>
         </p:grpSp>
+        <p:cxnSp>
+          <p:nvCxnSpPr>
+            <p:cNvPr id="182" name="Straight Arrow Connector 181">
+              <a:extLst>
+                <a:ext uri="{FF2B5EF4-FFF2-40B4-BE49-F238E27FC236}">
+                  <a16:creationId xmlns:a16="http://schemas.microsoft.com/office/drawing/2014/main" id="{7169615B-FE96-6F48-859C-90D7EC279EE1}"/>
+                </a:ext>
+              </a:extLst>
+            </p:cNvPr>
+            <p:cNvCxnSpPr>
+              <a:cxnSpLocks/>
+            </p:cNvCxnSpPr>
+            <p:nvPr/>
+          </p:nvCxnSpPr>
+          <p:spPr bwMode="auto">
+            <a:xfrm>
+              <a:off x="3038007" y="3074159"/>
+              <a:ext cx="1198813" cy="0"/>
+            </a:xfrm>
+            <a:prstGeom prst="straightConnector1">
+              <a:avLst/>
+            </a:prstGeom>
+            <a:ln w="12700">
+              <a:solidFill>
+                <a:srgbClr val="545B64"/>
+              </a:solidFill>
+              <a:headEnd type="none" w="med" len="sm"/>
+              <a:tailEnd type="arrow" w="med" len="sm"/>
+            </a:ln>
+          </p:spPr>
+          <p:style>
+            <a:lnRef idx="1">
+              <a:schemeClr val="accent1"/>
+            </a:lnRef>
+            <a:fillRef idx="0">
+              <a:schemeClr val="accent1"/>
+            </a:fillRef>
+            <a:effectRef idx="0">
+              <a:schemeClr val="accent1"/>
+            </a:effectRef>
+            <a:fontRef idx="minor">
+              <a:schemeClr val="tx1"/>
+            </a:fontRef>
+          </p:style>
+        </p:cxnSp>
+        <p:cxnSp>
+          <p:nvCxnSpPr>
+            <p:cNvPr id="183" name="Straight Arrow Connector 182">
+              <a:extLst>
+                <a:ext uri="{FF2B5EF4-FFF2-40B4-BE49-F238E27FC236}">
+                  <a16:creationId xmlns:a16="http://schemas.microsoft.com/office/drawing/2014/main" id="{0A6A408C-B400-7941-8DB9-87EC49D01EB7}"/>
+                </a:ext>
+              </a:extLst>
+            </p:cNvPr>
+            <p:cNvCxnSpPr>
+              <a:cxnSpLocks/>
+            </p:cNvCxnSpPr>
+            <p:nvPr/>
+          </p:nvCxnSpPr>
+          <p:spPr bwMode="auto">
+            <a:xfrm>
+              <a:off x="4528400" y="3074159"/>
+              <a:ext cx="1198813" cy="0"/>
+            </a:xfrm>
+            <a:prstGeom prst="straightConnector1">
+              <a:avLst/>
+            </a:prstGeom>
+            <a:ln w="12700">
+              <a:solidFill>
+                <a:srgbClr val="545B64"/>
+              </a:solidFill>
+              <a:headEnd type="none" w="med" len="sm"/>
+              <a:tailEnd type="arrow" w="med" len="sm"/>
+            </a:ln>
+          </p:spPr>
+          <p:style>
+            <a:lnRef idx="1">
+              <a:schemeClr val="accent1"/>
+            </a:lnRef>
+            <a:fillRef idx="0">
+              <a:schemeClr val="accent1"/>
+            </a:fillRef>
+            <a:effectRef idx="0">
+              <a:schemeClr val="accent1"/>
+            </a:effectRef>
+            <a:fontRef idx="minor">
+              <a:schemeClr val="tx1"/>
+            </a:fontRef>
+          </p:style>
+        </p:cxnSp>
       </p:grpSp>
-      <p:pic>
-        <p:nvPicPr>
-          <p:cNvPr id="99" name="Graphic 6">
+      <p:grpSp>
+        <p:nvGrpSpPr>
+          <p:cNvPr id="195" name="Group 194">
             <a:extLst>
               <a:ext uri="{FF2B5EF4-FFF2-40B4-BE49-F238E27FC236}">
-                <a16:creationId xmlns:a16="http://schemas.microsoft.com/office/drawing/2014/main" id="{A10310F3-E5E2-3E4C-B6F5-458F44FDB040}"/>
+                <a16:creationId xmlns:a16="http://schemas.microsoft.com/office/drawing/2014/main" id="{A156CEB7-F07D-4D41-B1C0-112822A94F09}"/>
               </a:ext>
             </a:extLst>
           </p:cNvPr>
-          <p:cNvPicPr>
-            <a:picLocks noChangeAspect="1"/>
-          </p:cNvPicPr>
+          <p:cNvGrpSpPr/>
           <p:nvPr/>
-        </p:nvPicPr>
-        <p:blipFill>
-          <a:blip r:embed="rId22">
-            <a:extLst>
-              <a:ext uri="{96DAC541-7B7A-43D3-8B79-37D633B846F1}">
-                <asvg:svgBlip xmlns:asvg="http://schemas.microsoft.com/office/drawing/2016/SVG/main" r:embed="rId23"/>
-              </a:ext>
-            </a:extLst>
-          </a:blip>
-          <a:stretch>
-            <a:fillRect/>
-          </a:stretch>
-        </p:blipFill>
-        <p:spPr>
+        </p:nvGrpSpPr>
+        <p:grpSpPr>
           <a:xfrm>
-            <a:off x="8877329" y="4940680"/>
-            <a:ext cx="469900" cy="469900"/>
+            <a:off x="6034075" y="4760080"/>
+            <a:ext cx="2051006" cy="789671"/>
+            <a:chOff x="6072499" y="3844346"/>
+            <a:chExt cx="2051006" cy="789671"/>
           </a:xfrm>
-          <a:prstGeom prst="rect">
-            <a:avLst/>
-          </a:prstGeom>
-        </p:spPr>
-      </p:pic>
-      <p:sp>
-        <p:nvSpPr>
-          <p:cNvPr id="100" name="TextBox 99">
+        </p:grpSpPr>
+        <p:sp>
+          <p:nvSpPr>
+            <p:cNvPr id="196" name="TextBox 195">
+              <a:extLst>
+                <a:ext uri="{FF2B5EF4-FFF2-40B4-BE49-F238E27FC236}">
+                  <a16:creationId xmlns:a16="http://schemas.microsoft.com/office/drawing/2014/main" id="{B3FD0DBE-EA49-0C45-A4E5-942B7913F46A}"/>
+                </a:ext>
+              </a:extLst>
+            </p:cNvPr>
+            <p:cNvSpPr txBox="1"/>
+            <p:nvPr/>
+          </p:nvSpPr>
+          <p:spPr>
+            <a:xfrm>
+              <a:off x="6766239" y="4049864"/>
+              <a:ext cx="507335" cy="246221"/>
+            </a:xfrm>
+            <a:prstGeom prst="rect">
+              <a:avLst/>
+            </a:prstGeom>
+            <a:noFill/>
+          </p:spPr>
+          <p:txBody>
+            <a:bodyPr wrap="square" rtlCol="0">
+              <a:spAutoFit/>
+            </a:bodyPr>
+            <a:lstStyle/>
+            <a:p>
+              <a:r>
+                <a:rPr lang="en-US" sz="1000" dirty="0">
+                  <a:solidFill>
+                    <a:srgbClr val="232F3D"/>
+                  </a:solidFill>
+                  <a:latin typeface="Arial" panose="020B0604020202020204"/>
+                </a:rPr>
+                <a:t>Logs</a:t>
+              </a:r>
+            </a:p>
+          </p:txBody>
+        </p:sp>
+        <p:cxnSp>
+          <p:nvCxnSpPr>
+            <p:cNvPr id="197" name="Straight Arrow Connector 196">
+              <a:extLst>
+                <a:ext uri="{FF2B5EF4-FFF2-40B4-BE49-F238E27FC236}">
+                  <a16:creationId xmlns:a16="http://schemas.microsoft.com/office/drawing/2014/main" id="{237D18ED-CB23-C34B-9042-97181B4482B2}"/>
+                </a:ext>
+              </a:extLst>
+            </p:cNvPr>
+            <p:cNvCxnSpPr>
+              <a:cxnSpLocks/>
+            </p:cNvCxnSpPr>
+            <p:nvPr/>
+          </p:nvCxnSpPr>
+          <p:spPr bwMode="auto">
+            <a:xfrm flipV="1">
+              <a:off x="6072499" y="3844346"/>
+              <a:ext cx="2051006" cy="789671"/>
+            </a:xfrm>
+            <a:prstGeom prst="straightConnector1">
+              <a:avLst/>
+            </a:prstGeom>
+            <a:ln w="12700">
+              <a:solidFill>
+                <a:srgbClr val="545B64"/>
+              </a:solidFill>
+              <a:headEnd type="none" w="med" len="sm"/>
+              <a:tailEnd type="arrow" w="med" len="sm"/>
+            </a:ln>
+          </p:spPr>
+          <p:style>
+            <a:lnRef idx="1">
+              <a:schemeClr val="accent1"/>
+            </a:lnRef>
+            <a:fillRef idx="0">
+              <a:schemeClr val="accent1"/>
+            </a:fillRef>
+            <a:effectRef idx="0">
+              <a:schemeClr val="accent1"/>
+            </a:effectRef>
+            <a:fontRef idx="minor">
+              <a:schemeClr val="tx1"/>
+            </a:fontRef>
+          </p:style>
+        </p:cxnSp>
+      </p:grpSp>
+      <p:grpSp>
+        <p:nvGrpSpPr>
+          <p:cNvPr id="198" name="Group 197">
             <a:extLst>
               <a:ext uri="{FF2B5EF4-FFF2-40B4-BE49-F238E27FC236}">
-                <a16:creationId xmlns:a16="http://schemas.microsoft.com/office/drawing/2014/main" id="{24AD7438-27C2-1C42-AD58-5E68AC1A3695}"/>
+                <a16:creationId xmlns:a16="http://schemas.microsoft.com/office/drawing/2014/main" id="{52A46D03-A950-0345-AA43-36A2F3703F9A}"/>
               </a:ext>
             </a:extLst>
           </p:cNvPr>
-          <p:cNvSpPr txBox="1"/>
+          <p:cNvGrpSpPr/>
           <p:nvPr/>
-        </p:nvSpPr>
-        <p:spPr>
+        </p:nvGrpSpPr>
+        <p:grpSpPr>
           <a:xfrm>
-            <a:off x="8649201" y="5416168"/>
-            <a:ext cx="927508" cy="523220"/>
+            <a:off x="6046918" y="3593216"/>
+            <a:ext cx="2025117" cy="828932"/>
+            <a:chOff x="6072499" y="4634017"/>
+            <a:chExt cx="2025117" cy="828932"/>
           </a:xfrm>
-          <a:prstGeom prst="rect">
-            <a:avLst/>
-          </a:prstGeom>
-          <a:noFill/>
-        </p:spPr>
-        <p:txBody>
-          <a:bodyPr wrap="square" rtlCol="0">
-            <a:spAutoFit/>
-          </a:bodyPr>
-          <a:lstStyle/>
-          <a:p>
-            <a:pPr algn="ctr"/>
-            <a:r>
-              <a:rPr lang="en-US" sz="1400" dirty="0"/>
-              <a:t>Traffic Mirroring</a:t>
-            </a:r>
-          </a:p>
-        </p:txBody>
-      </p:sp>
-      <p:pic>
-        <p:nvPicPr>
-          <p:cNvPr id="101" name="Graphic 6">
+        </p:grpSpPr>
+        <p:sp>
+          <p:nvSpPr>
+            <p:cNvPr id="199" name="TextBox 198">
+              <a:extLst>
+                <a:ext uri="{FF2B5EF4-FFF2-40B4-BE49-F238E27FC236}">
+                  <a16:creationId xmlns:a16="http://schemas.microsoft.com/office/drawing/2014/main" id="{F8AA32E8-F0CD-9247-BADA-B0A8D4A59F4F}"/>
+                </a:ext>
+              </a:extLst>
+            </p:cNvPr>
+            <p:cNvSpPr txBox="1"/>
+            <p:nvPr/>
+          </p:nvSpPr>
+          <p:spPr>
+            <a:xfrm>
+              <a:off x="6766239" y="4725718"/>
+              <a:ext cx="507335" cy="246221"/>
+            </a:xfrm>
+            <a:prstGeom prst="rect">
+              <a:avLst/>
+            </a:prstGeom>
+            <a:noFill/>
+          </p:spPr>
+          <p:txBody>
+            <a:bodyPr wrap="square" rtlCol="0">
+              <a:spAutoFit/>
+            </a:bodyPr>
+            <a:lstStyle/>
+            <a:p>
+              <a:r>
+                <a:rPr lang="en-US" sz="1000" dirty="0">
+                  <a:solidFill>
+                    <a:srgbClr val="232F3D"/>
+                  </a:solidFill>
+                  <a:latin typeface="Arial" panose="020B0604020202020204"/>
+                </a:rPr>
+                <a:t>Index</a:t>
+              </a:r>
+            </a:p>
+          </p:txBody>
+        </p:sp>
+        <p:cxnSp>
+          <p:nvCxnSpPr>
+            <p:cNvPr id="200" name="Straight Arrow Connector 199">
+              <a:extLst>
+                <a:ext uri="{FF2B5EF4-FFF2-40B4-BE49-F238E27FC236}">
+                  <a16:creationId xmlns:a16="http://schemas.microsoft.com/office/drawing/2014/main" id="{1575CE5A-0639-C44B-9500-E9D4532054C3}"/>
+                </a:ext>
+              </a:extLst>
+            </p:cNvPr>
+            <p:cNvCxnSpPr>
+              <a:cxnSpLocks/>
+            </p:cNvCxnSpPr>
+            <p:nvPr/>
+          </p:nvCxnSpPr>
+          <p:spPr bwMode="auto">
+            <a:xfrm>
+              <a:off x="6072499" y="4634017"/>
+              <a:ext cx="2025117" cy="828932"/>
+            </a:xfrm>
+            <a:prstGeom prst="straightConnector1">
+              <a:avLst/>
+            </a:prstGeom>
+            <a:ln w="12700">
+              <a:solidFill>
+                <a:srgbClr val="545B64"/>
+              </a:solidFill>
+              <a:headEnd type="none" w="med" len="sm"/>
+              <a:tailEnd type="arrow" w="med" len="sm"/>
+            </a:ln>
+          </p:spPr>
+          <p:style>
+            <a:lnRef idx="1">
+              <a:schemeClr val="accent1"/>
+            </a:lnRef>
+            <a:fillRef idx="0">
+              <a:schemeClr val="accent1"/>
+            </a:fillRef>
+            <a:effectRef idx="0">
+              <a:schemeClr val="accent1"/>
+            </a:effectRef>
+            <a:fontRef idx="minor">
+              <a:schemeClr val="tx1"/>
+            </a:fontRef>
+          </p:style>
+        </p:cxnSp>
+      </p:grpSp>
+      <p:grpSp>
+        <p:nvGrpSpPr>
+          <p:cNvPr id="201" name="Group 200">
             <a:extLst>
               <a:ext uri="{FF2B5EF4-FFF2-40B4-BE49-F238E27FC236}">
-                <a16:creationId xmlns:a16="http://schemas.microsoft.com/office/drawing/2014/main" id="{A10310F3-E5E2-3E4C-B6F5-458F44FDB040}"/>
+                <a16:creationId xmlns:a16="http://schemas.microsoft.com/office/drawing/2014/main" id="{FB098C93-D890-1444-86FA-0FE7A027B280}"/>
               </a:ext>
             </a:extLst>
           </p:cNvPr>
-          <p:cNvPicPr>
-            <a:picLocks noChangeAspect="1"/>
-          </p:cNvPicPr>
+          <p:cNvGrpSpPr/>
           <p:nvPr/>
-        </p:nvPicPr>
-        <p:blipFill>
-          <a:blip r:embed="rId22">
-            <a:extLst>
-              <a:ext uri="{96DAC541-7B7A-43D3-8B79-37D633B846F1}">
-                <asvg:svgBlip xmlns:asvg="http://schemas.microsoft.com/office/drawing/2016/SVG/main" r:embed="rId23"/>
-              </a:ext>
-            </a:extLst>
-          </a:blip>
-          <a:stretch>
-            <a:fillRect/>
-          </a:stretch>
-        </p:blipFill>
-        <p:spPr>
+        </p:nvGrpSpPr>
+        <p:grpSpPr>
           <a:xfrm>
-            <a:off x="2131403" y="4940680"/>
-            <a:ext cx="469900" cy="469900"/>
+            <a:off x="2881934" y="2201514"/>
+            <a:ext cx="1038059" cy="1202943"/>
+            <a:chOff x="2652674" y="4578278"/>
+            <a:chExt cx="1038059" cy="1202943"/>
           </a:xfrm>
-          <a:prstGeom prst="rect">
-            <a:avLst/>
-          </a:prstGeom>
-        </p:spPr>
-      </p:pic>
-      <p:sp>
-        <p:nvSpPr>
-          <p:cNvPr id="102" name="TextBox 101">
+        </p:grpSpPr>
+        <p:sp>
+          <p:nvSpPr>
+            <p:cNvPr id="202" name="TextBox 201">
+              <a:extLst>
+                <a:ext uri="{FF2B5EF4-FFF2-40B4-BE49-F238E27FC236}">
+                  <a16:creationId xmlns:a16="http://schemas.microsoft.com/office/drawing/2014/main" id="{FCFC1E7C-06E0-2A45-BE50-CFE5778839A4}"/>
+                </a:ext>
+              </a:extLst>
+            </p:cNvPr>
+            <p:cNvSpPr txBox="1"/>
+            <p:nvPr/>
+          </p:nvSpPr>
+          <p:spPr>
+            <a:xfrm>
+              <a:off x="2892331" y="4885951"/>
+              <a:ext cx="507335" cy="246221"/>
+            </a:xfrm>
+            <a:prstGeom prst="rect">
+              <a:avLst/>
+            </a:prstGeom>
+            <a:noFill/>
+          </p:spPr>
+          <p:txBody>
+            <a:bodyPr wrap="square" rtlCol="0">
+              <a:spAutoFit/>
+            </a:bodyPr>
+            <a:lstStyle/>
+            <a:p>
+              <a:r>
+                <a:rPr lang="en-US" sz="1000" dirty="0">
+                  <a:solidFill>
+                    <a:srgbClr val="232F3D"/>
+                  </a:solidFill>
+                  <a:latin typeface="Arial" panose="020B0604020202020204"/>
+                </a:rPr>
+                <a:t>Keys</a:t>
+              </a:r>
+            </a:p>
+          </p:txBody>
+        </p:sp>
+        <p:cxnSp>
+          <p:nvCxnSpPr>
+            <p:cNvPr id="203" name="Straight Arrow Connector 202">
+              <a:extLst>
+                <a:ext uri="{FF2B5EF4-FFF2-40B4-BE49-F238E27FC236}">
+                  <a16:creationId xmlns:a16="http://schemas.microsoft.com/office/drawing/2014/main" id="{1CB85CE6-14F0-E54E-ADF6-9F34CBEAD9A2}"/>
+                </a:ext>
+              </a:extLst>
+            </p:cNvPr>
+            <p:cNvCxnSpPr>
+              <a:cxnSpLocks/>
+              <a:stCxn id="163" idx="0"/>
+            </p:cNvCxnSpPr>
+            <p:nvPr/>
+          </p:nvCxnSpPr>
+          <p:spPr bwMode="auto">
+            <a:xfrm flipV="1">
+              <a:off x="2652674" y="4578278"/>
+              <a:ext cx="1038059" cy="1202943"/>
+            </a:xfrm>
+            <a:prstGeom prst="straightConnector1">
+              <a:avLst/>
+            </a:prstGeom>
+            <a:ln w="12700">
+              <a:solidFill>
+                <a:srgbClr val="545B64"/>
+              </a:solidFill>
+              <a:prstDash val="sysDash"/>
+              <a:headEnd type="none" w="med" len="sm"/>
+              <a:tailEnd type="arrow" w="med" len="sm"/>
+            </a:ln>
+          </p:spPr>
+          <p:style>
+            <a:lnRef idx="1">
+              <a:schemeClr val="accent1"/>
+            </a:lnRef>
+            <a:fillRef idx="0">
+              <a:schemeClr val="accent1"/>
+            </a:fillRef>
+            <a:effectRef idx="0">
+              <a:schemeClr val="accent1"/>
+            </a:effectRef>
+            <a:fontRef idx="minor">
+              <a:schemeClr val="tx1"/>
+            </a:fontRef>
+          </p:style>
+        </p:cxnSp>
+      </p:grpSp>
+      <p:grpSp>
+        <p:nvGrpSpPr>
+          <p:cNvPr id="204" name="Group 203">
             <a:extLst>
               <a:ext uri="{FF2B5EF4-FFF2-40B4-BE49-F238E27FC236}">
-                <a16:creationId xmlns:a16="http://schemas.microsoft.com/office/drawing/2014/main" id="{24AD7438-27C2-1C42-AD58-5E68AC1A3695}"/>
+                <a16:creationId xmlns:a16="http://schemas.microsoft.com/office/drawing/2014/main" id="{EDA25231-6360-FA4E-A9F2-56C424795A4B}"/>
               </a:ext>
             </a:extLst>
           </p:cNvPr>
-          <p:cNvSpPr txBox="1"/>
+          <p:cNvGrpSpPr/>
           <p:nvPr/>
-        </p:nvSpPr>
-        <p:spPr>
+        </p:nvGrpSpPr>
+        <p:grpSpPr>
           <a:xfrm>
-            <a:off x="1903275" y="5416168"/>
-            <a:ext cx="927508" cy="523220"/>
+            <a:off x="4880956" y="2188837"/>
+            <a:ext cx="1003527" cy="1215620"/>
+            <a:chOff x="1205423" y="5257311"/>
+            <a:chExt cx="1003527" cy="1215620"/>
           </a:xfrm>
-          <a:prstGeom prst="rect">
-            <a:avLst/>
-          </a:prstGeom>
-          <a:noFill/>
-        </p:spPr>
-        <p:txBody>
-          <a:bodyPr wrap="square" rtlCol="0">
-            <a:spAutoFit/>
-          </a:bodyPr>
-          <a:lstStyle/>
-          <a:p>
-            <a:pPr algn="ctr"/>
-            <a:r>
-              <a:rPr lang="en-US" sz="1400" dirty="0"/>
-              <a:t>Traffic Mirroring</a:t>
-            </a:r>
-          </a:p>
-        </p:txBody>
-      </p:sp>
-      <p:pic>
-        <p:nvPicPr>
-          <p:cNvPr id="104" name="Graphic 18">
-            <a:extLst>
-              <a:ext uri="{FF2B5EF4-FFF2-40B4-BE49-F238E27FC236}">
-                <a16:creationId xmlns:a16="http://schemas.microsoft.com/office/drawing/2014/main" id="{E5FD4EED-4294-9B46-94EC-81E3CD93B7E9}"/>
-              </a:ext>
-            </a:extLst>
-          </p:cNvPr>
-          <p:cNvPicPr>
-            <a:picLocks noChangeAspect="1" noChangeArrowheads="1"/>
-          </p:cNvPicPr>
-          <p:nvPr/>
-        </p:nvPicPr>
-        <p:blipFill>
-          <a:blip r:embed="rId24">
-            <a:extLst>
-              <a:ext uri="{28A0092B-C50C-407E-A947-70E740481C1C}">
-                <a14:useLocalDpi xmlns:a14="http://schemas.microsoft.com/office/drawing/2010/main" val="0"/>
-              </a:ext>
-            </a:extLst>
-          </a:blip>
-          <a:srcRect/>
-          <a:stretch>
-            <a:fillRect/>
-          </a:stretch>
-        </p:blipFill>
-        <p:spPr bwMode="auto">
-          <a:xfrm>
-            <a:off x="10680340" y="5156661"/>
-            <a:ext cx="762000" cy="762000"/>
-          </a:xfrm>
-          <a:prstGeom prst="rect">
-            <a:avLst/>
-          </a:prstGeom>
-          <a:noFill/>
-          <a:ln>
+        </p:grpSpPr>
+        <p:sp>
+          <p:nvSpPr>
+            <p:cNvPr id="205" name="TextBox 204">
+              <a:extLst>
+                <a:ext uri="{FF2B5EF4-FFF2-40B4-BE49-F238E27FC236}">
+                  <a16:creationId xmlns:a16="http://schemas.microsoft.com/office/drawing/2014/main" id="{7C4AD5AF-C574-414A-A324-980977F14021}"/>
+                </a:ext>
+              </a:extLst>
+            </p:cNvPr>
+            <p:cNvSpPr txBox="1"/>
+            <p:nvPr/>
+          </p:nvSpPr>
+          <p:spPr>
+            <a:xfrm>
+              <a:off x="1562455" y="5586265"/>
+              <a:ext cx="507335" cy="246221"/>
+            </a:xfrm>
+            <a:prstGeom prst="rect">
+              <a:avLst/>
+            </a:prstGeom>
             <a:noFill/>
-          </a:ln>
-          <a:extLst>
-            <a:ext uri="{909E8E84-426E-40DD-AFC4-6F175D3DCCD1}">
-              <a14:hiddenFill xmlns:a14="http://schemas.microsoft.com/office/drawing/2010/main">
-                <a:solidFill>
-                  <a:srgbClr val="FFFFFF"/>
-                </a:solidFill>
-              </a14:hiddenFill>
-            </a:ext>
-            <a:ext uri="{91240B29-F687-4F45-9708-019B960494DF}">
-              <a14:hiddenLine xmlns:a14="http://schemas.microsoft.com/office/drawing/2010/main" w="9525">
-                <a:solidFill>
-                  <a:srgbClr val="000000"/>
-                </a:solidFill>
-                <a:miter lim="800000"/>
-                <a:headEnd/>
-                <a:tailEnd/>
-              </a14:hiddenLine>
-            </a:ext>
-          </a:extLst>
-        </p:spPr>
-      </p:pic>
-      <p:sp>
-        <p:nvSpPr>
-          <p:cNvPr id="105" name="TextBox 19">
-            <a:extLst>
-              <a:ext uri="{FF2B5EF4-FFF2-40B4-BE49-F238E27FC236}">
-                <a16:creationId xmlns:a16="http://schemas.microsoft.com/office/drawing/2014/main" id="{78C7122A-6D83-9546-959B-4FC5CF89AED2}"/>
-              </a:ext>
-            </a:extLst>
-          </p:cNvPr>
-          <p:cNvSpPr txBox="1">
-            <a:spLocks noChangeArrowheads="1"/>
-          </p:cNvSpPr>
-          <p:nvPr/>
-        </p:nvSpPr>
-        <p:spPr bwMode="auto">
-          <a:xfrm>
-            <a:off x="9903309" y="5918661"/>
-            <a:ext cx="2279650" cy="461665"/>
-          </a:xfrm>
-          <a:prstGeom prst="rect">
-            <a:avLst/>
-          </a:prstGeom>
-          <a:noFill/>
-          <a:ln>
-            <a:noFill/>
-          </a:ln>
-          <a:extLst>
-            <a:ext uri="{909E8E84-426E-40DD-AFC4-6F175D3DCCD1}">
-              <a14:hiddenFill xmlns:a14="http://schemas.microsoft.com/office/drawing/2010/main">
-                <a:solidFill>
-                  <a:srgbClr val="FFFFFF"/>
-                </a:solidFill>
-              </a14:hiddenFill>
-            </a:ext>
-            <a:ext uri="{91240B29-F687-4F45-9708-019B960494DF}">
-              <a14:hiddenLine xmlns:a14="http://schemas.microsoft.com/office/drawing/2010/main" w="9525">
-                <a:solidFill>
-                  <a:srgbClr val="000000"/>
-                </a:solidFill>
-                <a:miter lim="800000"/>
-                <a:headEnd/>
-                <a:tailEnd/>
-              </a14:hiddenLine>
-            </a:ext>
-          </a:extLst>
-        </p:spPr>
-        <p:txBody>
-          <a:bodyPr>
-            <a:spAutoFit/>
-          </a:bodyPr>
-          <a:lstStyle>
-            <a:lvl1pPr>
-              <a:defRPr>
-                <a:solidFill>
-                  <a:schemeClr val="tx1"/>
-                </a:solidFill>
-                <a:latin typeface="Calibri" panose="020F0502020204030204" pitchFamily="34" charset="0"/>
-              </a:defRPr>
-            </a:lvl1pPr>
-            <a:lvl2pPr marL="742950" indent="-285750">
-              <a:defRPr>
-                <a:solidFill>
-                  <a:schemeClr val="tx1"/>
-                </a:solidFill>
-                <a:latin typeface="Calibri" panose="020F0502020204030204" pitchFamily="34" charset="0"/>
-              </a:defRPr>
-            </a:lvl2pPr>
-            <a:lvl3pPr marL="1143000" indent="-228600">
-              <a:defRPr>
-                <a:solidFill>
-                  <a:schemeClr val="tx1"/>
-                </a:solidFill>
-                <a:latin typeface="Calibri" panose="020F0502020204030204" pitchFamily="34" charset="0"/>
-              </a:defRPr>
-            </a:lvl3pPr>
-            <a:lvl4pPr marL="1600200" indent="-228600">
-              <a:defRPr>
-                <a:solidFill>
-                  <a:schemeClr val="tx1"/>
-                </a:solidFill>
-                <a:latin typeface="Calibri" panose="020F0502020204030204" pitchFamily="34" charset="0"/>
-              </a:defRPr>
-            </a:lvl4pPr>
-            <a:lvl5pPr marL="2057400" indent="-228600">
-              <a:defRPr>
-                <a:solidFill>
-                  <a:schemeClr val="tx1"/>
-                </a:solidFill>
-                <a:latin typeface="Calibri" panose="020F0502020204030204" pitchFamily="34" charset="0"/>
-              </a:defRPr>
-            </a:lvl5pPr>
-            <a:lvl6pPr marL="2514600" indent="-228600" eaLnBrk="0" fontAlgn="base" hangingPunct="0">
-              <a:spcBef>
-                <a:spcPct val="0"/>
-              </a:spcBef>
-              <a:spcAft>
-                <a:spcPct val="0"/>
-              </a:spcAft>
-              <a:defRPr>
-                <a:solidFill>
-                  <a:schemeClr val="tx1"/>
-                </a:solidFill>
-                <a:latin typeface="Calibri" panose="020F0502020204030204" pitchFamily="34" charset="0"/>
-              </a:defRPr>
-            </a:lvl6pPr>
-            <a:lvl7pPr marL="2971800" indent="-228600" eaLnBrk="0" fontAlgn="base" hangingPunct="0">
-              <a:spcBef>
-                <a:spcPct val="0"/>
-              </a:spcBef>
-              <a:spcAft>
-                <a:spcPct val="0"/>
-              </a:spcAft>
-              <a:defRPr>
-                <a:solidFill>
-                  <a:schemeClr val="tx1"/>
-                </a:solidFill>
-                <a:latin typeface="Calibri" panose="020F0502020204030204" pitchFamily="34" charset="0"/>
-              </a:defRPr>
-            </a:lvl7pPr>
-            <a:lvl8pPr marL="3429000" indent="-228600" eaLnBrk="0" fontAlgn="base" hangingPunct="0">
-              <a:spcBef>
-                <a:spcPct val="0"/>
-              </a:spcBef>
-              <a:spcAft>
-                <a:spcPct val="0"/>
-              </a:spcAft>
-              <a:defRPr>
-                <a:solidFill>
-                  <a:schemeClr val="tx1"/>
-                </a:solidFill>
-                <a:latin typeface="Calibri" panose="020F0502020204030204" pitchFamily="34" charset="0"/>
-              </a:defRPr>
-            </a:lvl8pPr>
-            <a:lvl9pPr marL="3886200" indent="-228600" eaLnBrk="0" fontAlgn="base" hangingPunct="0">
-              <a:spcBef>
-                <a:spcPct val="0"/>
-              </a:spcBef>
-              <a:spcAft>
-                <a:spcPct val="0"/>
-              </a:spcAft>
-              <a:defRPr>
-                <a:solidFill>
-                  <a:schemeClr val="tx1"/>
-                </a:solidFill>
-                <a:latin typeface="Calibri" panose="020F0502020204030204" pitchFamily="34" charset="0"/>
-              </a:defRPr>
-            </a:lvl9pPr>
-          </a:lstStyle>
-          <a:p>
-            <a:pPr algn="ctr" eaLnBrk="1" hangingPunct="1"/>
-            <a:r>
-              <a:rPr lang="en-US" altLang="en-US" sz="1200" dirty="0">
-                <a:latin typeface="Arial" panose="020B0604020202020204" pitchFamily="34" charset="0"/>
-                <a:ea typeface="Amazon Ember" panose="020B0603020204020204" pitchFamily="34" charset="0"/>
-                <a:cs typeface="Arial" panose="020B0604020202020204" pitchFamily="34" charset="0"/>
-              </a:rPr>
-              <a:t>Amazon Elasticsearch</a:t>
-            </a:r>
-            <a:br>
-              <a:rPr lang="en-US" altLang="en-US" sz="1200" dirty="0">
-                <a:latin typeface="Arial" panose="020B0604020202020204" pitchFamily="34" charset="0"/>
-                <a:ea typeface="Amazon Ember" panose="020B0603020204020204" pitchFamily="34" charset="0"/>
-                <a:cs typeface="Arial" panose="020B0604020202020204" pitchFamily="34" charset="0"/>
-              </a:rPr>
-            </a:br>
-            <a:r>
-              <a:rPr lang="en-US" altLang="en-US" sz="1200" dirty="0">
-                <a:latin typeface="Arial" panose="020B0604020202020204" pitchFamily="34" charset="0"/>
-                <a:ea typeface="Amazon Ember" panose="020B0603020204020204" pitchFamily="34" charset="0"/>
-                <a:cs typeface="Arial" panose="020B0604020202020204" pitchFamily="34" charset="0"/>
-              </a:rPr>
-              <a:t>Service</a:t>
-            </a:r>
-          </a:p>
-        </p:txBody>
-      </p:sp>
-      <p:pic>
-        <p:nvPicPr>
-          <p:cNvPr id="106" name="Graphic 23">
-            <a:extLst>
-              <a:ext uri="{FF2B5EF4-FFF2-40B4-BE49-F238E27FC236}">
-                <a16:creationId xmlns:a16="http://schemas.microsoft.com/office/drawing/2014/main" id="{0316825C-E8FE-D242-9AE4-1E556E177AFE}"/>
-              </a:ext>
-            </a:extLst>
-          </p:cNvPr>
-          <p:cNvPicPr>
-            <a:picLocks noChangeAspect="1" noChangeArrowheads="1"/>
-          </p:cNvPicPr>
-          <p:nvPr/>
-        </p:nvPicPr>
-        <p:blipFill>
-          <a:blip r:embed="rId25">
-            <a:extLst>
-              <a:ext uri="{28A0092B-C50C-407E-A947-70E740481C1C}">
-                <a14:useLocalDpi xmlns:a14="http://schemas.microsoft.com/office/drawing/2010/main" val="0"/>
-              </a:ext>
-            </a:extLst>
-          </a:blip>
-          <a:srcRect/>
-          <a:stretch>
-            <a:fillRect/>
-          </a:stretch>
-        </p:blipFill>
-        <p:spPr bwMode="auto">
-          <a:xfrm>
-            <a:off x="10687058" y="2637616"/>
-            <a:ext cx="762000" cy="762000"/>
-          </a:xfrm>
-          <a:prstGeom prst="rect">
-            <a:avLst/>
-          </a:prstGeom>
-          <a:noFill/>
-          <a:ln>
-            <a:noFill/>
-          </a:ln>
-          <a:extLst>
-            <a:ext uri="{909E8E84-426E-40DD-AFC4-6F175D3DCCD1}">
-              <a14:hiddenFill xmlns:a14="http://schemas.microsoft.com/office/drawing/2010/main">
-                <a:solidFill>
-                  <a:srgbClr val="FFFFFF"/>
-                </a:solidFill>
-              </a14:hiddenFill>
-            </a:ext>
-            <a:ext uri="{91240B29-F687-4F45-9708-019B960494DF}">
-              <a14:hiddenLine xmlns:a14="http://schemas.microsoft.com/office/drawing/2010/main" w="9525">
-                <a:solidFill>
-                  <a:srgbClr val="000000"/>
-                </a:solidFill>
-                <a:miter lim="800000"/>
-                <a:headEnd/>
-                <a:tailEnd/>
-              </a14:hiddenLine>
-            </a:ext>
-          </a:extLst>
-        </p:spPr>
-      </p:pic>
-      <p:sp>
-        <p:nvSpPr>
-          <p:cNvPr id="107" name="TextBox 12">
-            <a:extLst>
-              <a:ext uri="{FF2B5EF4-FFF2-40B4-BE49-F238E27FC236}">
-                <a16:creationId xmlns:a16="http://schemas.microsoft.com/office/drawing/2014/main" id="{D8B7EE3A-50FB-1941-8EDA-2AEE34BCDCB1}"/>
-              </a:ext>
-            </a:extLst>
-          </p:cNvPr>
-          <p:cNvSpPr txBox="1">
-            <a:spLocks noChangeArrowheads="1"/>
-          </p:cNvSpPr>
-          <p:nvPr/>
-        </p:nvSpPr>
-        <p:spPr bwMode="auto">
-          <a:xfrm>
-            <a:off x="9939346" y="3401203"/>
-            <a:ext cx="2279650" cy="276999"/>
-          </a:xfrm>
-          <a:prstGeom prst="rect">
-            <a:avLst/>
-          </a:prstGeom>
-          <a:noFill/>
-          <a:ln>
-            <a:noFill/>
-          </a:ln>
-          <a:extLst>
-            <a:ext uri="{909E8E84-426E-40DD-AFC4-6F175D3DCCD1}">
-              <a14:hiddenFill xmlns:a14="http://schemas.microsoft.com/office/drawing/2010/main">
-                <a:solidFill>
-                  <a:srgbClr val="FFFFFF"/>
-                </a:solidFill>
-              </a14:hiddenFill>
-            </a:ext>
-            <a:ext uri="{91240B29-F687-4F45-9708-019B960494DF}">
-              <a14:hiddenLine xmlns:a14="http://schemas.microsoft.com/office/drawing/2010/main" w="9525">
-                <a:solidFill>
-                  <a:srgbClr val="000000"/>
-                </a:solidFill>
-                <a:miter lim="800000"/>
-                <a:headEnd/>
-                <a:tailEnd/>
-              </a14:hiddenLine>
-            </a:ext>
-          </a:extLst>
-        </p:spPr>
-        <p:txBody>
-          <a:bodyPr>
-            <a:spAutoFit/>
-          </a:bodyPr>
-          <a:lstStyle>
-            <a:lvl1pPr>
-              <a:defRPr>
-                <a:solidFill>
-                  <a:schemeClr val="tx1"/>
-                </a:solidFill>
-                <a:latin typeface="Calibri" panose="020F0502020204030204" pitchFamily="34" charset="0"/>
-              </a:defRPr>
-            </a:lvl1pPr>
-            <a:lvl2pPr marL="742950" indent="-285750">
-              <a:defRPr>
-                <a:solidFill>
-                  <a:schemeClr val="tx1"/>
-                </a:solidFill>
-                <a:latin typeface="Calibri" panose="020F0502020204030204" pitchFamily="34" charset="0"/>
-              </a:defRPr>
-            </a:lvl2pPr>
-            <a:lvl3pPr marL="1143000" indent="-228600">
-              <a:defRPr>
-                <a:solidFill>
-                  <a:schemeClr val="tx1"/>
-                </a:solidFill>
-                <a:latin typeface="Calibri" panose="020F0502020204030204" pitchFamily="34" charset="0"/>
-              </a:defRPr>
-            </a:lvl3pPr>
-            <a:lvl4pPr marL="1600200" indent="-228600">
-              <a:defRPr>
-                <a:solidFill>
-                  <a:schemeClr val="tx1"/>
-                </a:solidFill>
-                <a:latin typeface="Calibri" panose="020F0502020204030204" pitchFamily="34" charset="0"/>
-              </a:defRPr>
-            </a:lvl4pPr>
-            <a:lvl5pPr marL="2057400" indent="-228600">
-              <a:defRPr>
-                <a:solidFill>
-                  <a:schemeClr val="tx1"/>
-                </a:solidFill>
-                <a:latin typeface="Calibri" panose="020F0502020204030204" pitchFamily="34" charset="0"/>
-              </a:defRPr>
-            </a:lvl5pPr>
-            <a:lvl6pPr marL="2514600" indent="-228600" eaLnBrk="0" fontAlgn="base" hangingPunct="0">
-              <a:spcBef>
-                <a:spcPct val="0"/>
-              </a:spcBef>
-              <a:spcAft>
-                <a:spcPct val="0"/>
-              </a:spcAft>
-              <a:defRPr>
-                <a:solidFill>
-                  <a:schemeClr val="tx1"/>
-                </a:solidFill>
-                <a:latin typeface="Calibri" panose="020F0502020204030204" pitchFamily="34" charset="0"/>
-              </a:defRPr>
-            </a:lvl6pPr>
-            <a:lvl7pPr marL="2971800" indent="-228600" eaLnBrk="0" fontAlgn="base" hangingPunct="0">
-              <a:spcBef>
-                <a:spcPct val="0"/>
-              </a:spcBef>
-              <a:spcAft>
-                <a:spcPct val="0"/>
-              </a:spcAft>
-              <a:defRPr>
-                <a:solidFill>
-                  <a:schemeClr val="tx1"/>
-                </a:solidFill>
-                <a:latin typeface="Calibri" panose="020F0502020204030204" pitchFamily="34" charset="0"/>
-              </a:defRPr>
-            </a:lvl7pPr>
-            <a:lvl8pPr marL="3429000" indent="-228600" eaLnBrk="0" fontAlgn="base" hangingPunct="0">
-              <a:spcBef>
-                <a:spcPct val="0"/>
-              </a:spcBef>
-              <a:spcAft>
-                <a:spcPct val="0"/>
-              </a:spcAft>
-              <a:defRPr>
-                <a:solidFill>
-                  <a:schemeClr val="tx1"/>
-                </a:solidFill>
-                <a:latin typeface="Calibri" panose="020F0502020204030204" pitchFamily="34" charset="0"/>
-              </a:defRPr>
-            </a:lvl8pPr>
-            <a:lvl9pPr marL="3886200" indent="-228600" eaLnBrk="0" fontAlgn="base" hangingPunct="0">
-              <a:spcBef>
-                <a:spcPct val="0"/>
-              </a:spcBef>
-              <a:spcAft>
-                <a:spcPct val="0"/>
-              </a:spcAft>
-              <a:defRPr>
-                <a:solidFill>
-                  <a:schemeClr val="tx1"/>
-                </a:solidFill>
-                <a:latin typeface="Calibri" panose="020F0502020204030204" pitchFamily="34" charset="0"/>
-              </a:defRPr>
-            </a:lvl9pPr>
-          </a:lstStyle>
-          <a:p>
-            <a:pPr algn="ctr" eaLnBrk="1" hangingPunct="1"/>
-            <a:r>
-              <a:rPr lang="en-US" altLang="en-US" sz="1200" dirty="0">
-                <a:latin typeface="Arial" panose="020B0604020202020204" pitchFamily="34" charset="0"/>
-                <a:ea typeface="Amazon Ember" panose="020B0603020204020204" pitchFamily="34" charset="0"/>
-                <a:cs typeface="Arial" panose="020B0604020202020204" pitchFamily="34" charset="0"/>
-              </a:rPr>
-              <a:t>Amazon DynamoDB</a:t>
-            </a:r>
-          </a:p>
-        </p:txBody>
-      </p:sp>
+          </p:spPr>
+          <p:txBody>
+            <a:bodyPr wrap="square" rtlCol="0">
+              <a:spAutoFit/>
+            </a:bodyPr>
+            <a:lstStyle/>
+            <a:p>
+              <a:r>
+                <a:rPr lang="en-US" sz="1000" dirty="0">
+                  <a:solidFill>
+                    <a:srgbClr val="232F3D"/>
+                  </a:solidFill>
+                  <a:latin typeface="Arial" panose="020B0604020202020204"/>
+                </a:rPr>
+                <a:t>Keys </a:t>
+              </a:r>
+            </a:p>
+          </p:txBody>
+        </p:sp>
+        <p:cxnSp>
+          <p:nvCxnSpPr>
+            <p:cNvPr id="206" name="Straight Arrow Connector 205">
+              <a:extLst>
+                <a:ext uri="{FF2B5EF4-FFF2-40B4-BE49-F238E27FC236}">
+                  <a16:creationId xmlns:a16="http://schemas.microsoft.com/office/drawing/2014/main" id="{FEB34D55-BA9E-9843-88F4-C0E694891398}"/>
+                </a:ext>
+              </a:extLst>
+            </p:cNvPr>
+            <p:cNvCxnSpPr>
+              <a:cxnSpLocks/>
+              <a:endCxn id="165" idx="0"/>
+            </p:cNvCxnSpPr>
+            <p:nvPr/>
+          </p:nvCxnSpPr>
+          <p:spPr bwMode="auto">
+            <a:xfrm>
+              <a:off x="1205423" y="5257311"/>
+              <a:ext cx="1003527" cy="1215620"/>
+            </a:xfrm>
+            <a:prstGeom prst="straightConnector1">
+              <a:avLst/>
+            </a:prstGeom>
+            <a:ln w="12700">
+              <a:solidFill>
+                <a:srgbClr val="545B64"/>
+              </a:solidFill>
+              <a:prstDash val="sysDash"/>
+              <a:headEnd type="none" w="med" len="sm"/>
+              <a:tailEnd type="arrow" w="med" len="sm"/>
+            </a:ln>
+          </p:spPr>
+          <p:style>
+            <a:lnRef idx="1">
+              <a:schemeClr val="accent1"/>
+            </a:lnRef>
+            <a:fillRef idx="0">
+              <a:schemeClr val="accent1"/>
+            </a:fillRef>
+            <a:effectRef idx="0">
+              <a:schemeClr val="accent1"/>
+            </a:effectRef>
+            <a:fontRef idx="minor">
+              <a:schemeClr val="tx1"/>
+            </a:fontRef>
+          </p:style>
+        </p:cxnSp>
+      </p:grpSp>
     </p:spTree>
     <p:extLst>
       <p:ext uri="{BB962C8B-B14F-4D97-AF65-F5344CB8AC3E}">
